--- a/2025/2025-05-30-AI-Updates.pptx
+++ b/2025/2025-05-30-AI-Updates.pptx
@@ -1,35 +1,52 @@
 
 <file path=ppt/presentation.xml><?xml version="1.0" encoding="utf-8"?>
-<p:presentation xmlns:a="http://schemas.openxmlformats.org/drawingml/2006/main" xmlns:r="http://schemas.openxmlformats.org/officeDocument/2006/relationships" xmlns:p="http://schemas.openxmlformats.org/presentationml/2006/main" strictFirstAndLastChars="0" saveSubsetFonts="1" autoCompressPictures="0">
+<p:presentation xmlns:a="http://schemas.openxmlformats.org/drawingml/2006/main" xmlns:r="http://schemas.openxmlformats.org/officeDocument/2006/relationships" xmlns:p="http://schemas.openxmlformats.org/presentationml/2006/main" strictFirstAndLastChars="0" embedTrueTypeFonts="1" saveSubsetFonts="1" autoCompressPictures="0">
   <p:sldMasterIdLst>
     <p:sldMasterId id="2147483661" r:id="rId1"/>
   </p:sldMasterIdLst>
   <p:notesMasterIdLst>
-    <p:notesMasterId r:id="rId21"/>
+    <p:notesMasterId r:id="rId22"/>
   </p:notesMasterIdLst>
   <p:sldIdLst>
-    <p:sldId id="268" r:id="rId2"/>
-    <p:sldId id="256" r:id="rId3"/>
-    <p:sldId id="257" r:id="rId4"/>
-    <p:sldId id="258" r:id="rId5"/>
-    <p:sldId id="259" r:id="rId6"/>
-    <p:sldId id="260" r:id="rId7"/>
-    <p:sldId id="261" r:id="rId8"/>
-    <p:sldId id="262" r:id="rId9"/>
-    <p:sldId id="263" r:id="rId10"/>
-    <p:sldId id="264" r:id="rId11"/>
-    <p:sldId id="265" r:id="rId12"/>
-    <p:sldId id="266" r:id="rId13"/>
-    <p:sldId id="267" r:id="rId14"/>
+    <p:sldId id="256" r:id="rId2"/>
+    <p:sldId id="257" r:id="rId3"/>
+    <p:sldId id="258" r:id="rId4"/>
+    <p:sldId id="259" r:id="rId5"/>
+    <p:sldId id="260" r:id="rId6"/>
+    <p:sldId id="261" r:id="rId7"/>
+    <p:sldId id="262" r:id="rId8"/>
+    <p:sldId id="263" r:id="rId9"/>
+    <p:sldId id="264" r:id="rId10"/>
+    <p:sldId id="265" r:id="rId11"/>
+    <p:sldId id="266" r:id="rId12"/>
+    <p:sldId id="267" r:id="rId13"/>
+    <p:sldId id="268" r:id="rId14"/>
     <p:sldId id="269" r:id="rId15"/>
     <p:sldId id="270" r:id="rId16"/>
     <p:sldId id="271" r:id="rId17"/>
     <p:sldId id="272" r:id="rId18"/>
     <p:sldId id="273" r:id="rId19"/>
     <p:sldId id="274" r:id="rId20"/>
+    <p:sldId id="275" r:id="rId21"/>
   </p:sldIdLst>
   <p:sldSz cx="9144000" cy="5143500" type="screen16x9"/>
   <p:notesSz cx="6858000" cy="9144000"/>
+  <p:embeddedFontLst>
+    <p:embeddedFont>
+      <p:font typeface="Roboto" panose="02000000000000000000" pitchFamily="2" charset="0"/>
+      <p:regular r:id="rId23"/>
+      <p:bold r:id="rId24"/>
+      <p:italic r:id="rId25"/>
+      <p:boldItalic r:id="rId26"/>
+    </p:embeddedFont>
+    <p:embeddedFont>
+      <p:font typeface="Victor Mono" panose="02000009000000000000" pitchFamily="49" charset="0"/>
+      <p:regular r:id="rId27"/>
+      <p:bold r:id="rId28"/>
+      <p:italic r:id="rId29"/>
+      <p:boldItalic r:id="rId30"/>
+    </p:embeddedFont>
+  </p:embeddedFontLst>
   <p:defaultTextStyle>
     <a:defPPr marR="0" lvl="0" algn="l" rtl="0">
       <a:lnSpc>
@@ -846,7 +863,7 @@
   <p:cSld>
     <p:spTree>
       <p:nvGrpSpPr>
-        <p:cNvPr id="1" name="Shape 154"/>
+        <p:cNvPr id="1" name="Shape 59"/>
         <p:cNvGrpSpPr/>
         <p:nvPr/>
       </p:nvGrpSpPr>
@@ -860,7 +877,7 @@
       </p:grpSpPr>
       <p:sp>
         <p:nvSpPr>
-          <p:cNvPr id="155" name="Google Shape;155;p1:notes"/>
+          <p:cNvPr id="60" name="Google Shape;60;p1:notes"/>
           <p:cNvSpPr>
             <a:spLocks noGrp="1" noRot="1" noChangeAspect="1"/>
           </p:cNvSpPr>
@@ -911,7 +928,7 @@
       </p:sp>
       <p:sp>
         <p:nvSpPr>
-          <p:cNvPr id="156" name="Google Shape;156;p1:notes"/>
+          <p:cNvPr id="61" name="Google Shape;61;p1:notes"/>
           <p:cNvSpPr txBox="1">
             <a:spLocks noGrp="1"/>
           </p:cNvSpPr>
@@ -968,7 +985,7 @@
   <p:cSld>
     <p:spTree>
       <p:nvGrpSpPr>
-        <p:cNvPr id="1" name="Shape 129"/>
+        <p:cNvPr id="1" name="Shape 149"/>
         <p:cNvGrpSpPr/>
         <p:nvPr/>
       </p:nvGrpSpPr>
@@ -982,7 +999,7 @@
       </p:grpSpPr>
       <p:sp>
         <p:nvSpPr>
-          <p:cNvPr id="130" name="Google Shape;130;g35c89248b60_0_16:notes"/>
+          <p:cNvPr id="150" name="Google Shape;150;g33664e58bad_0_50:notes"/>
           <p:cNvSpPr>
             <a:spLocks noGrp="1" noRot="1" noChangeAspect="1"/>
           </p:cNvSpPr>
@@ -1033,7 +1050,7 @@
       </p:sp>
       <p:sp>
         <p:nvSpPr>
-          <p:cNvPr id="131" name="Google Shape;131;g35c89248b60_0_16:notes"/>
+          <p:cNvPr id="151" name="Google Shape;151;g33664e58bad_0_50:notes"/>
           <p:cNvSpPr txBox="1">
             <a:spLocks noGrp="1"/>
           </p:cNvSpPr>
@@ -1090,7 +1107,7 @@
   <p:cSld>
     <p:spTree>
       <p:nvGrpSpPr>
-        <p:cNvPr id="1" name="Shape 135"/>
+        <p:cNvPr id="1" name="Shape 162"/>
         <p:cNvGrpSpPr/>
         <p:nvPr/>
       </p:nvGrpSpPr>
@@ -1104,7 +1121,7 @@
       </p:grpSpPr>
       <p:sp>
         <p:nvSpPr>
-          <p:cNvPr id="136" name="Google Shape;136;g33664e58bad_0_62:notes"/>
+          <p:cNvPr id="163" name="Google Shape;163;g35c89248b60_0_16:notes"/>
           <p:cNvSpPr>
             <a:spLocks noGrp="1" noRot="1" noChangeAspect="1"/>
           </p:cNvSpPr>
@@ -1155,7 +1172,7 @@
       </p:sp>
       <p:sp>
         <p:nvSpPr>
-          <p:cNvPr id="137" name="Google Shape;137;g33664e58bad_0_62:notes"/>
+          <p:cNvPr id="164" name="Google Shape;164;g35c89248b60_0_16:notes"/>
           <p:cNvSpPr txBox="1">
             <a:spLocks noGrp="1"/>
           </p:cNvSpPr>
@@ -1212,7 +1229,7 @@
   <p:cSld>
     <p:spTree>
       <p:nvGrpSpPr>
-        <p:cNvPr id="1" name="Shape 142"/>
+        <p:cNvPr id="1" name="Shape 169"/>
         <p:cNvGrpSpPr/>
         <p:nvPr/>
       </p:nvGrpSpPr>
@@ -1226,7 +1243,7 @@
       </p:grpSpPr>
       <p:sp>
         <p:nvSpPr>
-          <p:cNvPr id="143" name="Google Shape;143;g33664e58bad_0_69:notes"/>
+          <p:cNvPr id="170" name="Google Shape;170;g33664e58bad_0_62:notes"/>
           <p:cNvSpPr>
             <a:spLocks noGrp="1" noRot="1" noChangeAspect="1"/>
           </p:cNvSpPr>
@@ -1277,7 +1294,7 @@
       </p:sp>
       <p:sp>
         <p:nvSpPr>
-          <p:cNvPr id="144" name="Google Shape;144;g33664e58bad_0_69:notes"/>
+          <p:cNvPr id="171" name="Google Shape;171;g33664e58bad_0_62:notes"/>
           <p:cNvSpPr txBox="1">
             <a:spLocks noGrp="1"/>
           </p:cNvSpPr>
@@ -1334,7 +1351,7 @@
   <p:cSld>
     <p:spTree>
       <p:nvGrpSpPr>
-        <p:cNvPr id="1" name="Shape 148"/>
+        <p:cNvPr id="1" name="Shape 176"/>
         <p:cNvGrpSpPr/>
         <p:nvPr/>
       </p:nvGrpSpPr>
@@ -1348,7 +1365,7 @@
       </p:grpSpPr>
       <p:sp>
         <p:nvSpPr>
-          <p:cNvPr id="149" name="Google Shape;149;g33664e58bad_0_42:notes"/>
+          <p:cNvPr id="177" name="Google Shape;177;g33664e58bad_0_69:notes"/>
           <p:cNvSpPr>
             <a:spLocks noGrp="1" noRot="1" noChangeAspect="1"/>
           </p:cNvSpPr>
@@ -1399,7 +1416,7 @@
       </p:sp>
       <p:sp>
         <p:nvSpPr>
-          <p:cNvPr id="150" name="Google Shape;150;g33664e58bad_0_42:notes"/>
+          <p:cNvPr id="178" name="Google Shape;178;g33664e58bad_0_69:notes"/>
           <p:cNvSpPr txBox="1">
             <a:spLocks noGrp="1"/>
           </p:cNvSpPr>
@@ -1456,7 +1473,7 @@
   <p:cSld>
     <p:spTree>
       <p:nvGrpSpPr>
-        <p:cNvPr id="1" name="Shape 165"/>
+        <p:cNvPr id="1" name="Shape 183"/>
         <p:cNvGrpSpPr/>
         <p:nvPr/>
       </p:nvGrpSpPr>
@@ -1470,7 +1487,7 @@
       </p:grpSpPr>
       <p:sp>
         <p:nvSpPr>
-          <p:cNvPr id="166" name="Google Shape;166;g33664e58bad_0_34:notes"/>
+          <p:cNvPr id="184" name="Google Shape;184;g33664e58bad_0_42:notes"/>
           <p:cNvSpPr>
             <a:spLocks noGrp="1" noRot="1" noChangeAspect="1"/>
           </p:cNvSpPr>
@@ -1521,7 +1538,7 @@
       </p:sp>
       <p:sp>
         <p:nvSpPr>
-          <p:cNvPr id="167" name="Google Shape;167;g33664e58bad_0_34:notes"/>
+          <p:cNvPr id="185" name="Google Shape;185;g33664e58bad_0_42:notes"/>
           <p:cNvSpPr txBox="1">
             <a:spLocks noGrp="1"/>
           </p:cNvSpPr>
@@ -1578,7 +1595,7 @@
   <p:cSld>
     <p:spTree>
       <p:nvGrpSpPr>
-        <p:cNvPr id="1" name="Shape 171"/>
+        <p:cNvPr id="1" name="Shape 190"/>
         <p:cNvGrpSpPr/>
         <p:nvPr/>
       </p:nvGrpSpPr>
@@ -1592,7 +1609,7 @@
       </p:grpSpPr>
       <p:sp>
         <p:nvSpPr>
-          <p:cNvPr id="172" name="Google Shape;172;g35c697a59d2_2_0:notes"/>
+          <p:cNvPr id="191" name="Google Shape;191;g33664e58bad_0_34:notes"/>
           <p:cNvSpPr>
             <a:spLocks noGrp="1" noRot="1" noChangeAspect="1"/>
           </p:cNvSpPr>
@@ -1643,7 +1660,7 @@
       </p:sp>
       <p:sp>
         <p:nvSpPr>
-          <p:cNvPr id="173" name="Google Shape;173;g35c697a59d2_2_0:notes"/>
+          <p:cNvPr id="192" name="Google Shape;192;g33664e58bad_0_34:notes"/>
           <p:cNvSpPr txBox="1">
             <a:spLocks noGrp="1"/>
           </p:cNvSpPr>
@@ -1700,7 +1717,7 @@
   <p:cSld>
     <p:spTree>
       <p:nvGrpSpPr>
-        <p:cNvPr id="1" name="Shape 182"/>
+        <p:cNvPr id="1" name="Shape 197"/>
         <p:cNvGrpSpPr/>
         <p:nvPr/>
       </p:nvGrpSpPr>
@@ -1714,7 +1731,129 @@
       </p:grpSpPr>
       <p:sp>
         <p:nvSpPr>
-          <p:cNvPr id="183" name="Google Shape;183;p22:notes"/>
+          <p:cNvPr id="198" name="Google Shape;198;g35c697a59d2_2_0:notes"/>
+          <p:cNvSpPr>
+            <a:spLocks noGrp="1" noRot="1" noChangeAspect="1"/>
+          </p:cNvSpPr>
+          <p:nvPr>
+            <p:ph type="sldImg" idx="2"/>
+          </p:nvPr>
+        </p:nvSpPr>
+        <p:spPr>
+          <a:xfrm>
+            <a:off x="381000" y="685800"/>
+            <a:ext cx="6096000" cy="3429000"/>
+          </a:xfrm>
+          <a:custGeom>
+            <a:avLst/>
+            <a:gdLst/>
+            <a:ahLst/>
+            <a:cxnLst/>
+            <a:rect l="l" t="t" r="r" b="b"/>
+            <a:pathLst>
+              <a:path w="120000" h="120000" extrusionOk="0">
+                <a:moveTo>
+                  <a:pt x="0" y="0"/>
+                </a:moveTo>
+                <a:lnTo>
+                  <a:pt x="120000" y="0"/>
+                </a:lnTo>
+                <a:lnTo>
+                  <a:pt x="120000" y="120000"/>
+                </a:lnTo>
+                <a:lnTo>
+                  <a:pt x="0" y="120000"/>
+                </a:lnTo>
+                <a:close/>
+              </a:path>
+            </a:pathLst>
+          </a:custGeom>
+          <a:noFill/>
+          <a:ln w="9525" cap="flat" cmpd="sng">
+            <a:solidFill>
+              <a:srgbClr val="000000"/>
+            </a:solidFill>
+            <a:prstDash val="solid"/>
+            <a:round/>
+            <a:headEnd type="none" w="sm" len="sm"/>
+            <a:tailEnd type="none" w="sm" len="sm"/>
+          </a:ln>
+        </p:spPr>
+      </p:sp>
+      <p:sp>
+        <p:nvSpPr>
+          <p:cNvPr id="199" name="Google Shape;199;g35c697a59d2_2_0:notes"/>
+          <p:cNvSpPr txBox="1">
+            <a:spLocks noGrp="1"/>
+          </p:cNvSpPr>
+          <p:nvPr>
+            <p:ph type="body" idx="1"/>
+          </p:nvPr>
+        </p:nvSpPr>
+        <p:spPr>
+          <a:xfrm>
+            <a:off x="685800" y="4343400"/>
+            <a:ext cx="5486400" cy="4114800"/>
+          </a:xfrm>
+          <a:prstGeom prst="rect">
+            <a:avLst/>
+          </a:prstGeom>
+          <a:noFill/>
+          <a:ln>
+            <a:noFill/>
+          </a:ln>
+        </p:spPr>
+        <p:txBody>
+          <a:bodyPr spcFirstLastPara="1" wrap="square" lIns="91425" tIns="91425" rIns="91425" bIns="91425" anchor="t" anchorCtr="0">
+            <a:noAutofit/>
+          </a:bodyPr>
+          <a:lstStyle/>
+          <a:p>
+            <a:pPr marL="0" lvl="0" indent="0" algn="l" rtl="0">
+              <a:lnSpc>
+                <a:spcPct val="100000"/>
+              </a:lnSpc>
+              <a:spcBef>
+                <a:spcPts val="0"/>
+              </a:spcBef>
+              <a:spcAft>
+                <a:spcPts val="0"/>
+              </a:spcAft>
+              <a:buSzPts val="1100"/>
+              <a:buNone/>
+            </a:pPr>
+            <a:endParaRPr/>
+          </a:p>
+        </p:txBody>
+      </p:sp>
+    </p:spTree>
+  </p:cSld>
+  <p:clrMapOvr>
+    <a:masterClrMapping/>
+  </p:clrMapOvr>
+</p:notes>
+</file>
+
+<file path=ppt/notesSlides/notesSlide17.xml><?xml version="1.0" encoding="utf-8"?>
+<p:notes xmlns:a="http://schemas.openxmlformats.org/drawingml/2006/main" xmlns:r="http://schemas.openxmlformats.org/officeDocument/2006/relationships" xmlns:p="http://schemas.openxmlformats.org/presentationml/2006/main" showMasterSp="0" showMasterPhAnim="0">
+  <p:cSld>
+    <p:spTree>
+      <p:nvGrpSpPr>
+        <p:cNvPr id="1" name="Shape 208"/>
+        <p:cNvGrpSpPr/>
+        <p:nvPr/>
+      </p:nvGrpSpPr>
+      <p:grpSpPr>
+        <a:xfrm>
+          <a:off x="0" y="0"/>
+          <a:ext cx="0" cy="0"/>
+          <a:chOff x="0" y="0"/>
+          <a:chExt cx="0" cy="0"/>
+        </a:xfrm>
+      </p:grpSpPr>
+      <p:sp>
+        <p:nvSpPr>
+          <p:cNvPr id="209" name="Google Shape;209;p22:notes"/>
           <p:cNvSpPr>
             <a:spLocks noGrp="1" noRot="1" noChangeAspect="1"/>
           </p:cNvSpPr>
@@ -1765,7 +1904,7 @@
       </p:sp>
       <p:sp>
         <p:nvSpPr>
-          <p:cNvPr id="184" name="Google Shape;184;p22:notes"/>
+          <p:cNvPr id="210" name="Google Shape;210;p22:notes"/>
           <p:cNvSpPr txBox="1">
             <a:spLocks noGrp="1"/>
           </p:cNvSpPr>
@@ -1817,12 +1956,12 @@
 </p:notes>
 </file>
 
-<file path=ppt/notesSlides/notesSlide17.xml><?xml version="1.0" encoding="utf-8"?>
+<file path=ppt/notesSlides/notesSlide18.xml><?xml version="1.0" encoding="utf-8"?>
 <p:notes xmlns:a="http://schemas.openxmlformats.org/drawingml/2006/main" xmlns:r="http://schemas.openxmlformats.org/officeDocument/2006/relationships" xmlns:p="http://schemas.openxmlformats.org/presentationml/2006/main" showMasterSp="0" showMasterPhAnim="0">
   <p:cSld>
     <p:spTree>
       <p:nvGrpSpPr>
-        <p:cNvPr id="1" name="Shape 246"/>
+        <p:cNvPr id="1" name="Shape 272"/>
         <p:cNvGrpSpPr/>
         <p:nvPr/>
       </p:nvGrpSpPr>
@@ -1836,7 +1975,7 @@
       </p:grpSpPr>
       <p:sp>
         <p:nvSpPr>
-          <p:cNvPr id="247" name="Google Shape;247;p23:notes"/>
+          <p:cNvPr id="273" name="Google Shape;273;p23:notes"/>
           <p:cNvSpPr>
             <a:spLocks noGrp="1" noRot="1" noChangeAspect="1"/>
           </p:cNvSpPr>
@@ -1887,7 +2026,7 @@
       </p:sp>
       <p:sp>
         <p:nvSpPr>
-          <p:cNvPr id="248" name="Google Shape;248;p23:notes"/>
+          <p:cNvPr id="274" name="Google Shape;274;p23:notes"/>
           <p:cNvSpPr txBox="1">
             <a:spLocks noGrp="1"/>
           </p:cNvSpPr>
@@ -1939,12 +2078,12 @@
 </p:notes>
 </file>
 
-<file path=ppt/notesSlides/notesSlide18.xml><?xml version="1.0" encoding="utf-8"?>
+<file path=ppt/notesSlides/notesSlide19.xml><?xml version="1.0" encoding="utf-8"?>
 <p:notes xmlns:a="http://schemas.openxmlformats.org/drawingml/2006/main" xmlns:r="http://schemas.openxmlformats.org/officeDocument/2006/relationships" xmlns:p="http://schemas.openxmlformats.org/presentationml/2006/main" showMasterSp="0" showMasterPhAnim="0">
   <p:cSld>
     <p:spTree>
       <p:nvGrpSpPr>
-        <p:cNvPr id="1" name="Shape 256"/>
+        <p:cNvPr id="1" name="Shape 282"/>
         <p:cNvGrpSpPr/>
         <p:nvPr/>
       </p:nvGrpSpPr>
@@ -1958,7 +2097,7 @@
       </p:grpSpPr>
       <p:sp>
         <p:nvSpPr>
-          <p:cNvPr id="257" name="Google Shape;257;p24:notes"/>
+          <p:cNvPr id="283" name="Google Shape;283;p24:notes"/>
           <p:cNvSpPr>
             <a:spLocks noGrp="1" noRot="1" noChangeAspect="1"/>
           </p:cNvSpPr>
@@ -2009,7 +2148,7 @@
       </p:sp>
       <p:sp>
         <p:nvSpPr>
-          <p:cNvPr id="258" name="Google Shape;258;p24:notes"/>
+          <p:cNvPr id="284" name="Google Shape;284;p24:notes"/>
           <p:cNvSpPr txBox="1">
             <a:spLocks noGrp="1"/>
           </p:cNvSpPr>
@@ -2061,12 +2200,12 @@
 </p:notes>
 </file>
 
-<file path=ppt/notesSlides/notesSlide19.xml><?xml version="1.0" encoding="utf-8"?>
+<file path=ppt/notesSlides/notesSlide2.xml><?xml version="1.0" encoding="utf-8"?>
 <p:notes xmlns:a="http://schemas.openxmlformats.org/drawingml/2006/main" xmlns:r="http://schemas.openxmlformats.org/officeDocument/2006/relationships" xmlns:p="http://schemas.openxmlformats.org/presentationml/2006/main" showMasterSp="0" showMasterPhAnim="0">
   <p:cSld>
     <p:spTree>
       <p:nvGrpSpPr>
-        <p:cNvPr id="1" name="Shape 266"/>
+        <p:cNvPr id="1" name="Shape 70"/>
         <p:cNvGrpSpPr/>
         <p:nvPr/>
       </p:nvGrpSpPr>
@@ -2080,7 +2219,129 @@
       </p:grpSpPr>
       <p:sp>
         <p:nvSpPr>
-          <p:cNvPr id="267" name="Google Shape;267;p25:notes"/>
+          <p:cNvPr id="71" name="Google Shape;71;g35c89248b60_0_2:notes"/>
+          <p:cNvSpPr>
+            <a:spLocks noGrp="1" noRot="1" noChangeAspect="1"/>
+          </p:cNvSpPr>
+          <p:nvPr>
+            <p:ph type="sldImg" idx="2"/>
+          </p:nvPr>
+        </p:nvSpPr>
+        <p:spPr>
+          <a:xfrm>
+            <a:off x="381000" y="685800"/>
+            <a:ext cx="6096000" cy="3429000"/>
+          </a:xfrm>
+          <a:custGeom>
+            <a:avLst/>
+            <a:gdLst/>
+            <a:ahLst/>
+            <a:cxnLst/>
+            <a:rect l="l" t="t" r="r" b="b"/>
+            <a:pathLst>
+              <a:path w="120000" h="120000" extrusionOk="0">
+                <a:moveTo>
+                  <a:pt x="0" y="0"/>
+                </a:moveTo>
+                <a:lnTo>
+                  <a:pt x="120000" y="0"/>
+                </a:lnTo>
+                <a:lnTo>
+                  <a:pt x="120000" y="120000"/>
+                </a:lnTo>
+                <a:lnTo>
+                  <a:pt x="0" y="120000"/>
+                </a:lnTo>
+                <a:close/>
+              </a:path>
+            </a:pathLst>
+          </a:custGeom>
+          <a:noFill/>
+          <a:ln w="9525" cap="flat" cmpd="sng">
+            <a:solidFill>
+              <a:srgbClr val="000000"/>
+            </a:solidFill>
+            <a:prstDash val="solid"/>
+            <a:round/>
+            <a:headEnd type="none" w="sm" len="sm"/>
+            <a:tailEnd type="none" w="sm" len="sm"/>
+          </a:ln>
+        </p:spPr>
+      </p:sp>
+      <p:sp>
+        <p:nvSpPr>
+          <p:cNvPr id="72" name="Google Shape;72;g35c89248b60_0_2:notes"/>
+          <p:cNvSpPr txBox="1">
+            <a:spLocks noGrp="1"/>
+          </p:cNvSpPr>
+          <p:nvPr>
+            <p:ph type="body" idx="1"/>
+          </p:nvPr>
+        </p:nvSpPr>
+        <p:spPr>
+          <a:xfrm>
+            <a:off x="685800" y="4343400"/>
+            <a:ext cx="5486400" cy="4114800"/>
+          </a:xfrm>
+          <a:prstGeom prst="rect">
+            <a:avLst/>
+          </a:prstGeom>
+          <a:noFill/>
+          <a:ln>
+            <a:noFill/>
+          </a:ln>
+        </p:spPr>
+        <p:txBody>
+          <a:bodyPr spcFirstLastPara="1" wrap="square" lIns="91425" tIns="91425" rIns="91425" bIns="91425" anchor="t" anchorCtr="0">
+            <a:noAutofit/>
+          </a:bodyPr>
+          <a:lstStyle/>
+          <a:p>
+            <a:pPr marL="0" lvl="0" indent="0" algn="l" rtl="0">
+              <a:lnSpc>
+                <a:spcPct val="100000"/>
+              </a:lnSpc>
+              <a:spcBef>
+                <a:spcPts val="0"/>
+              </a:spcBef>
+              <a:spcAft>
+                <a:spcPts val="0"/>
+              </a:spcAft>
+              <a:buSzPts val="1100"/>
+              <a:buNone/>
+            </a:pPr>
+            <a:endParaRPr/>
+          </a:p>
+        </p:txBody>
+      </p:sp>
+    </p:spTree>
+  </p:cSld>
+  <p:clrMapOvr>
+    <a:masterClrMapping/>
+  </p:clrMapOvr>
+</p:notes>
+</file>
+
+<file path=ppt/notesSlides/notesSlide20.xml><?xml version="1.0" encoding="utf-8"?>
+<p:notes xmlns:a="http://schemas.openxmlformats.org/drawingml/2006/main" xmlns:r="http://schemas.openxmlformats.org/officeDocument/2006/relationships" xmlns:p="http://schemas.openxmlformats.org/presentationml/2006/main" showMasterSp="0" showMasterPhAnim="0">
+  <p:cSld>
+    <p:spTree>
+      <p:nvGrpSpPr>
+        <p:cNvPr id="1" name="Shape 292"/>
+        <p:cNvGrpSpPr/>
+        <p:nvPr/>
+      </p:nvGrpSpPr>
+      <p:grpSpPr>
+        <a:xfrm>
+          <a:off x="0" y="0"/>
+          <a:ext cx="0" cy="0"/>
+          <a:chOff x="0" y="0"/>
+          <a:chExt cx="0" cy="0"/>
+        </a:xfrm>
+      </p:grpSpPr>
+      <p:sp>
+        <p:nvSpPr>
+          <p:cNvPr id="293" name="Google Shape;293;p25:notes"/>
           <p:cNvSpPr>
             <a:spLocks noGrp="1" noRot="1" noChangeAspect="1"/>
           </p:cNvSpPr>
@@ -2131,7 +2392,7 @@
       </p:sp>
       <p:sp>
         <p:nvSpPr>
-          <p:cNvPr id="268" name="Google Shape;268;p25:notes"/>
+          <p:cNvPr id="294" name="Google Shape;294;p25:notes"/>
           <p:cNvSpPr txBox="1">
             <a:spLocks noGrp="1"/>
           </p:cNvSpPr>
@@ -2183,12 +2444,12 @@
 </p:notes>
 </file>
 
-<file path=ppt/notesSlides/notesSlide2.xml><?xml version="1.0" encoding="utf-8"?>
+<file path=ppt/notesSlides/notesSlide3.xml><?xml version="1.0" encoding="utf-8"?>
 <p:notes xmlns:a="http://schemas.openxmlformats.org/drawingml/2006/main" xmlns:r="http://schemas.openxmlformats.org/officeDocument/2006/relationships" xmlns:p="http://schemas.openxmlformats.org/presentationml/2006/main" showMasterSp="0" showMasterPhAnim="0">
   <p:cSld>
     <p:spTree>
       <p:nvGrpSpPr>
-        <p:cNvPr id="1" name="Shape 59"/>
+        <p:cNvPr id="1" name="Shape 80"/>
         <p:cNvGrpSpPr/>
         <p:nvPr/>
       </p:nvGrpSpPr>
@@ -2202,7 +2463,7 @@
       </p:grpSpPr>
       <p:sp>
         <p:nvSpPr>
-          <p:cNvPr id="60" name="Google Shape;60;g35c89248b60_0_2:notes"/>
+          <p:cNvPr id="81" name="Google Shape;81;g3366cbcb355_0_0:notes"/>
           <p:cNvSpPr>
             <a:spLocks noGrp="1" noRot="1" noChangeAspect="1"/>
           </p:cNvSpPr>
@@ -2253,7 +2514,7 @@
       </p:sp>
       <p:sp>
         <p:nvSpPr>
-          <p:cNvPr id="61" name="Google Shape;61;g35c89248b60_0_2:notes"/>
+          <p:cNvPr id="82" name="Google Shape;82;g3366cbcb355_0_0:notes"/>
           <p:cNvSpPr txBox="1">
             <a:spLocks noGrp="1"/>
           </p:cNvSpPr>
@@ -2305,12 +2566,12 @@
 </p:notes>
 </file>
 
-<file path=ppt/notesSlides/notesSlide3.xml><?xml version="1.0" encoding="utf-8"?>
+<file path=ppt/notesSlides/notesSlide4.xml><?xml version="1.0" encoding="utf-8"?>
 <p:notes xmlns:a="http://schemas.openxmlformats.org/drawingml/2006/main" xmlns:r="http://schemas.openxmlformats.org/officeDocument/2006/relationships" xmlns:p="http://schemas.openxmlformats.org/presentationml/2006/main" showMasterSp="0" showMasterPhAnim="0">
   <p:cSld>
     <p:spTree>
       <p:nvGrpSpPr>
-        <p:cNvPr id="1" name="Shape 69"/>
+        <p:cNvPr id="1" name="Shape 88"/>
         <p:cNvGrpSpPr/>
         <p:nvPr/>
       </p:nvGrpSpPr>
@@ -2324,7 +2585,7 @@
       </p:grpSpPr>
       <p:sp>
         <p:nvSpPr>
-          <p:cNvPr id="70" name="Google Shape;70;p2:notes"/>
+          <p:cNvPr id="89" name="Google Shape;89;p2:notes"/>
           <p:cNvSpPr>
             <a:spLocks noGrp="1" noRot="1" noChangeAspect="1"/>
           </p:cNvSpPr>
@@ -2375,7 +2636,7 @@
       </p:sp>
       <p:sp>
         <p:nvSpPr>
-          <p:cNvPr id="71" name="Google Shape;71;p2:notes"/>
+          <p:cNvPr id="90" name="Google Shape;90;p2:notes"/>
           <p:cNvSpPr txBox="1">
             <a:spLocks noGrp="1"/>
           </p:cNvSpPr>
@@ -2427,12 +2688,12 @@
 </p:notes>
 </file>
 
-<file path=ppt/notesSlides/notesSlide4.xml><?xml version="1.0" encoding="utf-8"?>
+<file path=ppt/notesSlides/notesSlide5.xml><?xml version="1.0" encoding="utf-8"?>
 <p:notes xmlns:a="http://schemas.openxmlformats.org/drawingml/2006/main" xmlns:r="http://schemas.openxmlformats.org/officeDocument/2006/relationships" xmlns:p="http://schemas.openxmlformats.org/presentationml/2006/main" showMasterSp="0" showMasterPhAnim="0">
   <p:cSld>
     <p:spTree>
       <p:nvGrpSpPr>
-        <p:cNvPr id="1" name="Shape 76"/>
+        <p:cNvPr id="1" name="Shape 97"/>
         <p:cNvGrpSpPr/>
         <p:nvPr/>
       </p:nvGrpSpPr>
@@ -2446,7 +2707,7 @@
       </p:grpSpPr>
       <p:sp>
         <p:nvSpPr>
-          <p:cNvPr id="77" name="Google Shape;77;g33664e58bad_0_4:notes"/>
+          <p:cNvPr id="98" name="Google Shape;98;g33664e58bad_0_4:notes"/>
           <p:cNvSpPr>
             <a:spLocks noGrp="1" noRot="1" noChangeAspect="1"/>
           </p:cNvSpPr>
@@ -2497,7 +2758,7 @@
       </p:sp>
       <p:sp>
         <p:nvSpPr>
-          <p:cNvPr id="78" name="Google Shape;78;g33664e58bad_0_4:notes"/>
+          <p:cNvPr id="99" name="Google Shape;99;g33664e58bad_0_4:notes"/>
           <p:cNvSpPr txBox="1">
             <a:spLocks noGrp="1"/>
           </p:cNvSpPr>
@@ -2549,12 +2810,12 @@
 </p:notes>
 </file>
 
-<file path=ppt/notesSlides/notesSlide5.xml><?xml version="1.0" encoding="utf-8"?>
+<file path=ppt/notesSlides/notesSlide6.xml><?xml version="1.0" encoding="utf-8"?>
 <p:notes xmlns:a="http://schemas.openxmlformats.org/drawingml/2006/main" xmlns:r="http://schemas.openxmlformats.org/officeDocument/2006/relationships" xmlns:p="http://schemas.openxmlformats.org/presentationml/2006/main" showMasterSp="0" showMasterPhAnim="0">
   <p:cSld>
     <p:spTree>
       <p:nvGrpSpPr>
-        <p:cNvPr id="1" name="Shape 83"/>
+        <p:cNvPr id="1" name="Shape 107"/>
         <p:cNvGrpSpPr/>
         <p:nvPr/>
       </p:nvGrpSpPr>
@@ -2568,7 +2829,7 @@
       </p:grpSpPr>
       <p:sp>
         <p:nvSpPr>
-          <p:cNvPr id="84" name="Google Shape;84;g33664e58bad_0_13:notes"/>
+          <p:cNvPr id="108" name="Google Shape;108;g33664e58bad_0_13:notes"/>
           <p:cNvSpPr>
             <a:spLocks noGrp="1" noRot="1" noChangeAspect="1"/>
           </p:cNvSpPr>
@@ -2619,7 +2880,7 @@
       </p:sp>
       <p:sp>
         <p:nvSpPr>
-          <p:cNvPr id="85" name="Google Shape;85;g33664e58bad_0_13:notes"/>
+          <p:cNvPr id="109" name="Google Shape;109;g33664e58bad_0_13:notes"/>
           <p:cNvSpPr txBox="1">
             <a:spLocks noGrp="1"/>
           </p:cNvSpPr>
@@ -2671,12 +2932,12 @@
 </p:notes>
 </file>
 
-<file path=ppt/notesSlides/notesSlide6.xml><?xml version="1.0" encoding="utf-8"?>
+<file path=ppt/notesSlides/notesSlide7.xml><?xml version="1.0" encoding="utf-8"?>
 <p:notes xmlns:a="http://schemas.openxmlformats.org/drawingml/2006/main" xmlns:r="http://schemas.openxmlformats.org/officeDocument/2006/relationships" xmlns:p="http://schemas.openxmlformats.org/presentationml/2006/main" showMasterSp="0" showMasterPhAnim="0">
   <p:cSld>
     <p:spTree>
       <p:nvGrpSpPr>
-        <p:cNvPr id="1" name="Shape 91"/>
+        <p:cNvPr id="1" name="Shape 116"/>
         <p:cNvGrpSpPr/>
         <p:nvPr/>
       </p:nvGrpSpPr>
@@ -2690,7 +2951,7 @@
       </p:grpSpPr>
       <p:sp>
         <p:nvSpPr>
-          <p:cNvPr id="92" name="Google Shape;92;g35e98b54349_1_0:notes"/>
+          <p:cNvPr id="117" name="Google Shape;117;g35e98b54349_1_0:notes"/>
           <p:cNvSpPr>
             <a:spLocks noGrp="1" noRot="1" noChangeAspect="1"/>
           </p:cNvSpPr>
@@ -2741,7 +3002,7 @@
       </p:sp>
       <p:sp>
         <p:nvSpPr>
-          <p:cNvPr id="93" name="Google Shape;93;g35e98b54349_1_0:notes"/>
+          <p:cNvPr id="118" name="Google Shape;118;g35e98b54349_1_0:notes"/>
           <p:cNvSpPr txBox="1">
             <a:spLocks noGrp="1"/>
           </p:cNvSpPr>
@@ -2793,12 +3054,12 @@
 </p:notes>
 </file>
 
-<file path=ppt/notesSlides/notesSlide7.xml><?xml version="1.0" encoding="utf-8"?>
+<file path=ppt/notesSlides/notesSlide8.xml><?xml version="1.0" encoding="utf-8"?>
 <p:notes xmlns:a="http://schemas.openxmlformats.org/drawingml/2006/main" xmlns:r="http://schemas.openxmlformats.org/officeDocument/2006/relationships" xmlns:p="http://schemas.openxmlformats.org/presentationml/2006/main" showMasterSp="0" showMasterPhAnim="0">
   <p:cSld>
     <p:spTree>
       <p:nvGrpSpPr>
-        <p:cNvPr id="1" name="Shape 102"/>
+        <p:cNvPr id="1" name="Shape 127"/>
         <p:cNvGrpSpPr/>
         <p:nvPr/>
       </p:nvGrpSpPr>
@@ -2812,7 +3073,7 @@
       </p:grpSpPr>
       <p:sp>
         <p:nvSpPr>
-          <p:cNvPr id="103" name="Google Shape;103;g35e98b54349_2_0:notes"/>
+          <p:cNvPr id="128" name="Google Shape;128;g35e98b54349_2_0:notes"/>
           <p:cNvSpPr>
             <a:spLocks noGrp="1" noRot="1" noChangeAspect="1"/>
           </p:cNvSpPr>
@@ -2863,7 +3124,7 @@
       </p:sp>
       <p:sp>
         <p:nvSpPr>
-          <p:cNvPr id="104" name="Google Shape;104;g35e98b54349_2_0:notes"/>
+          <p:cNvPr id="129" name="Google Shape;129;g35e98b54349_2_0:notes"/>
           <p:cNvSpPr txBox="1">
             <a:spLocks noGrp="1"/>
           </p:cNvSpPr>
@@ -2915,12 +3176,12 @@
 </p:notes>
 </file>
 
-<file path=ppt/notesSlides/notesSlide8.xml><?xml version="1.0" encoding="utf-8"?>
+<file path=ppt/notesSlides/notesSlide9.xml><?xml version="1.0" encoding="utf-8"?>
 <p:notes xmlns:a="http://schemas.openxmlformats.org/drawingml/2006/main" xmlns:r="http://schemas.openxmlformats.org/officeDocument/2006/relationships" xmlns:p="http://schemas.openxmlformats.org/presentationml/2006/main" showMasterSp="0" showMasterPhAnim="0">
   <p:cSld>
     <p:spTree>
       <p:nvGrpSpPr>
-        <p:cNvPr id="1" name="Shape 111"/>
+        <p:cNvPr id="1" name="Shape 136"/>
         <p:cNvGrpSpPr/>
         <p:nvPr/>
       </p:nvGrpSpPr>
@@ -2934,7 +3195,7 @@
       </p:grpSpPr>
       <p:sp>
         <p:nvSpPr>
-          <p:cNvPr id="112" name="Google Shape;112;g33664e58bad_0_24:notes"/>
+          <p:cNvPr id="137" name="Google Shape;137;g33664e58bad_0_24:notes"/>
           <p:cNvSpPr>
             <a:spLocks noGrp="1" noRot="1" noChangeAspect="1"/>
           </p:cNvSpPr>
@@ -2985,129 +3246,7 @@
       </p:sp>
       <p:sp>
         <p:nvSpPr>
-          <p:cNvPr id="113" name="Google Shape;113;g33664e58bad_0_24:notes"/>
-          <p:cNvSpPr txBox="1">
-            <a:spLocks noGrp="1"/>
-          </p:cNvSpPr>
-          <p:nvPr>
-            <p:ph type="body" idx="1"/>
-          </p:nvPr>
-        </p:nvSpPr>
-        <p:spPr>
-          <a:xfrm>
-            <a:off x="685800" y="4343400"/>
-            <a:ext cx="5486400" cy="4114800"/>
-          </a:xfrm>
-          <a:prstGeom prst="rect">
-            <a:avLst/>
-          </a:prstGeom>
-          <a:noFill/>
-          <a:ln>
-            <a:noFill/>
-          </a:ln>
-        </p:spPr>
-        <p:txBody>
-          <a:bodyPr spcFirstLastPara="1" wrap="square" lIns="91425" tIns="91425" rIns="91425" bIns="91425" anchor="t" anchorCtr="0">
-            <a:noAutofit/>
-          </a:bodyPr>
-          <a:lstStyle/>
-          <a:p>
-            <a:pPr marL="0" lvl="0" indent="0" algn="l" rtl="0">
-              <a:lnSpc>
-                <a:spcPct val="100000"/>
-              </a:lnSpc>
-              <a:spcBef>
-                <a:spcPts val="0"/>
-              </a:spcBef>
-              <a:spcAft>
-                <a:spcPts val="0"/>
-              </a:spcAft>
-              <a:buSzPts val="1100"/>
-              <a:buNone/>
-            </a:pPr>
-            <a:endParaRPr/>
-          </a:p>
-        </p:txBody>
-      </p:sp>
-    </p:spTree>
-  </p:cSld>
-  <p:clrMapOvr>
-    <a:masterClrMapping/>
-  </p:clrMapOvr>
-</p:notes>
-</file>
-
-<file path=ppt/notesSlides/notesSlide9.xml><?xml version="1.0" encoding="utf-8"?>
-<p:notes xmlns:a="http://schemas.openxmlformats.org/drawingml/2006/main" xmlns:r="http://schemas.openxmlformats.org/officeDocument/2006/relationships" xmlns:p="http://schemas.openxmlformats.org/presentationml/2006/main" showMasterSp="0" showMasterPhAnim="0">
-  <p:cSld>
-    <p:spTree>
-      <p:nvGrpSpPr>
-        <p:cNvPr id="1" name="Shape 120"/>
-        <p:cNvGrpSpPr/>
-        <p:nvPr/>
-      </p:nvGrpSpPr>
-      <p:grpSpPr>
-        <a:xfrm>
-          <a:off x="0" y="0"/>
-          <a:ext cx="0" cy="0"/>
-          <a:chOff x="0" y="0"/>
-          <a:chExt cx="0" cy="0"/>
-        </a:xfrm>
-      </p:grpSpPr>
-      <p:sp>
-        <p:nvSpPr>
-          <p:cNvPr id="121" name="Google Shape;121;g33664e58bad_0_50:notes"/>
-          <p:cNvSpPr>
-            <a:spLocks noGrp="1" noRot="1" noChangeAspect="1"/>
-          </p:cNvSpPr>
-          <p:nvPr>
-            <p:ph type="sldImg" idx="2"/>
-          </p:nvPr>
-        </p:nvSpPr>
-        <p:spPr>
-          <a:xfrm>
-            <a:off x="381000" y="685800"/>
-            <a:ext cx="6096000" cy="3429000"/>
-          </a:xfrm>
-          <a:custGeom>
-            <a:avLst/>
-            <a:gdLst/>
-            <a:ahLst/>
-            <a:cxnLst/>
-            <a:rect l="l" t="t" r="r" b="b"/>
-            <a:pathLst>
-              <a:path w="120000" h="120000" extrusionOk="0">
-                <a:moveTo>
-                  <a:pt x="0" y="0"/>
-                </a:moveTo>
-                <a:lnTo>
-                  <a:pt x="120000" y="0"/>
-                </a:lnTo>
-                <a:lnTo>
-                  <a:pt x="120000" y="120000"/>
-                </a:lnTo>
-                <a:lnTo>
-                  <a:pt x="0" y="120000"/>
-                </a:lnTo>
-                <a:close/>
-              </a:path>
-            </a:pathLst>
-          </a:custGeom>
-          <a:noFill/>
-          <a:ln w="9525" cap="flat" cmpd="sng">
-            <a:solidFill>
-              <a:srgbClr val="000000"/>
-            </a:solidFill>
-            <a:prstDash val="solid"/>
-            <a:round/>
-            <a:headEnd type="none" w="sm" len="sm"/>
-            <a:tailEnd type="none" w="sm" len="sm"/>
-          </a:ln>
-        </p:spPr>
-      </p:sp>
-      <p:sp>
-        <p:nvSpPr>
-          <p:cNvPr id="122" name="Google Shape;122;g33664e58bad_0_50:notes"/>
+          <p:cNvPr id="138" name="Google Shape;138;g33664e58bad_0_24:notes"/>
           <p:cNvSpPr txBox="1">
             <a:spLocks noGrp="1"/>
           </p:cNvSpPr>
@@ -12536,7 +12675,7 @@
   <p:cSld>
     <p:spTree>
       <p:nvGrpSpPr>
-        <p:cNvPr id="1" name="Shape 157"/>
+        <p:cNvPr id="1" name="Shape 62"/>
         <p:cNvGrpSpPr/>
         <p:nvPr/>
       </p:nvGrpSpPr>
@@ -12550,14 +12689,14 @@
       </p:grpSpPr>
       <p:sp>
         <p:nvSpPr>
-          <p:cNvPr id="158" name="Google Shape;158;p27"/>
+          <p:cNvPr id="63" name="Google Shape;63;p15"/>
           <p:cNvSpPr txBox="1"/>
           <p:nvPr/>
         </p:nvSpPr>
         <p:spPr>
           <a:xfrm>
-            <a:off x="78651" y="1058731"/>
-            <a:ext cx="4420200" cy="1742400"/>
+            <a:off x="78651" y="1022044"/>
+            <a:ext cx="4420200" cy="1988700"/>
           </a:xfrm>
           <a:prstGeom prst="rect">
             <a:avLst/>
@@ -12648,7 +12787,7 @@
                 <a:cs typeface="Calibri"/>
                 <a:sym typeface="Calibri"/>
               </a:rPr>
-              <a:t>AI models hallucinate less than humans</a:t>
+              <a:t>DeepSeek-R1-0528</a:t>
             </a:r>
             <a:endParaRPr sz="1600" b="1">
               <a:solidFill>
@@ -12688,7 +12827,7 @@
                 <a:cs typeface="Calibri"/>
                 <a:sym typeface="Calibri"/>
               </a:rPr>
-              <a:t>Anthropic Voice mode for Claude mobile apps</a:t>
+              <a:t>AI models hallucinate less than humans</a:t>
             </a:r>
             <a:endParaRPr sz="1600" b="1">
               <a:solidFill>
@@ -12728,7 +12867,7 @@
                 <a:cs typeface="Calibri"/>
                 <a:sym typeface="Calibri"/>
               </a:rPr>
-              <a:t>UAE provides ChatGPT-Plus to all its citizens</a:t>
+              <a:t>Anthropic Voice mode for Claude mobile apps</a:t>
             </a:r>
             <a:endParaRPr sz="1600" b="1">
               <a:solidFill>
@@ -12768,7 +12907,7 @@
                 <a:cs typeface="Calibri"/>
                 <a:sym typeface="Calibri"/>
               </a:rPr>
-              <a:t>UBS using AI Avatars</a:t>
+              <a:t>UAE provides ChatGPT-Plus to all its citizens</a:t>
             </a:r>
             <a:endParaRPr sz="1600" b="1">
               <a:solidFill>
@@ -12808,7 +12947,7 @@
                 <a:cs typeface="Calibri"/>
                 <a:sym typeface="Calibri"/>
               </a:rPr>
-              <a:t>ByteDance's Seed 1.5VL model</a:t>
+              <a:t>UBS using AI Avatars</a:t>
             </a:r>
             <a:endParaRPr sz="1600" b="1">
               <a:solidFill>
@@ -12848,7 +12987,7 @@
                 <a:cs typeface="Calibri"/>
                 <a:sym typeface="Calibri"/>
               </a:rPr>
-              <a:t>Tencent's Han Yuan Image 2.0</a:t>
+              <a:t>ByteDance's Seed 1.5VL model</a:t>
             </a:r>
             <a:endParaRPr sz="1600" b="1">
               <a:solidFill>
@@ -12860,11 +12999,51 @@
               <a:sym typeface="Calibri"/>
             </a:endParaRPr>
           </a:p>
+          <a:p>
+            <a:pPr marL="228600" marR="0" lvl="0" indent="-215900" algn="l" rtl="0">
+              <a:lnSpc>
+                <a:spcPct val="100000"/>
+              </a:lnSpc>
+              <a:spcBef>
+                <a:spcPts val="0"/>
+              </a:spcBef>
+              <a:spcAft>
+                <a:spcPts val="0"/>
+              </a:spcAft>
+              <a:buClr>
+                <a:srgbClr val="3C78D8"/>
+              </a:buClr>
+              <a:buSzPts val="1600"/>
+              <a:buFont typeface="Calibri"/>
+              <a:buChar char="●"/>
+            </a:pPr>
+            <a:r>
+              <a:rPr lang="en" sz="1600" b="1">
+                <a:solidFill>
+                  <a:srgbClr val="3C78D8"/>
+                </a:solidFill>
+                <a:latin typeface="Calibri"/>
+                <a:ea typeface="Calibri"/>
+                <a:cs typeface="Calibri"/>
+                <a:sym typeface="Calibri"/>
+              </a:rPr>
+              <a:t>Tencent's Han Yuan Image 2.0</a:t>
+            </a:r>
+            <a:endParaRPr sz="1600" b="1">
+              <a:solidFill>
+                <a:srgbClr val="3C78D8"/>
+              </a:solidFill>
+              <a:latin typeface="Calibri"/>
+              <a:ea typeface="Calibri"/>
+              <a:cs typeface="Calibri"/>
+              <a:sym typeface="Calibri"/>
+            </a:endParaRPr>
+          </a:p>
         </p:txBody>
       </p:sp>
       <p:sp>
         <p:nvSpPr>
-          <p:cNvPr id="159" name="Google Shape;159;p27"/>
+          <p:cNvPr id="64" name="Google Shape;64;p15"/>
           <p:cNvSpPr txBox="1"/>
           <p:nvPr/>
         </p:nvSpPr>
@@ -12994,7 +13173,7 @@
       </p:sp>
       <p:sp>
         <p:nvSpPr>
-          <p:cNvPr id="160" name="Google Shape;160;p27"/>
+          <p:cNvPr id="65" name="Google Shape;65;p15"/>
           <p:cNvSpPr txBox="1"/>
           <p:nvPr/>
         </p:nvSpPr>
@@ -13108,13 +13287,13 @@
       </p:sp>
       <p:sp>
         <p:nvSpPr>
-          <p:cNvPr id="161" name="Google Shape;161;p27"/>
+          <p:cNvPr id="66" name="Google Shape;66;p15"/>
           <p:cNvSpPr txBox="1"/>
           <p:nvPr/>
         </p:nvSpPr>
         <p:spPr>
           <a:xfrm>
-            <a:off x="78651" y="2897299"/>
+            <a:off x="78651" y="3064374"/>
             <a:ext cx="4420200" cy="1988700"/>
           </a:xfrm>
           <a:prstGeom prst="rect">
@@ -13462,13 +13641,13 @@
       </p:sp>
       <p:sp>
         <p:nvSpPr>
-          <p:cNvPr id="162" name="Google Shape;162;p27"/>
+          <p:cNvPr id="67" name="Google Shape;67;p15"/>
           <p:cNvSpPr txBox="1"/>
           <p:nvPr/>
         </p:nvSpPr>
         <p:spPr>
           <a:xfrm>
-            <a:off x="4576975" y="1053095"/>
+            <a:off x="4576975" y="1016408"/>
             <a:ext cx="4502400" cy="2727600"/>
           </a:xfrm>
           <a:prstGeom prst="rect">
@@ -13924,7 +14103,7 @@
       </p:sp>
       <p:sp>
         <p:nvSpPr>
-          <p:cNvPr id="163" name="Google Shape;163;p27"/>
+          <p:cNvPr id="68" name="Google Shape;68;p15"/>
           <p:cNvSpPr txBox="1"/>
           <p:nvPr/>
         </p:nvSpPr>
@@ -13990,7 +14169,7 @@
       </p:sp>
       <p:pic>
         <p:nvPicPr>
-          <p:cNvPr id="164" name="Google Shape;164;p27"/>
+          <p:cNvPr id="69" name="Google Shape;69;p15"/>
           <p:cNvPicPr preferRelativeResize="0"/>
           <p:nvPr/>
         </p:nvPicPr>
@@ -14040,7 +14219,7 @@
   <p:cSld>
     <p:spTree>
       <p:nvGrpSpPr>
-        <p:cNvPr id="1" name="Shape 132"/>
+        <p:cNvPr id="1" name="Shape 152"/>
         <p:cNvGrpSpPr/>
         <p:nvPr/>
       </p:nvGrpSpPr>
@@ -14054,7 +14233,7 @@
       </p:grpSpPr>
       <p:sp>
         <p:nvSpPr>
-          <p:cNvPr id="133" name="Google Shape;133;p23"/>
+          <p:cNvPr id="153" name="Google Shape;153;p24"/>
           <p:cNvSpPr txBox="1"/>
           <p:nvPr/>
         </p:nvSpPr>
@@ -14104,7 +14283,7 @@
                 <a:cs typeface="Calibri"/>
                 <a:sym typeface="Calibri"/>
               </a:rPr>
-              <a:t>AI Updates 6</a:t>
+              <a:t>AI Updates 5</a:t>
             </a:r>
             <a:endParaRPr sz="2000" b="1" i="0" u="none" strike="noStrike" cap="none">
               <a:solidFill>
@@ -14120,7 +14299,1190 @@
       </p:sp>
       <p:sp>
         <p:nvSpPr>
-          <p:cNvPr id="134" name="Google Shape;134;p23"/>
+          <p:cNvPr id="154" name="Google Shape;154;p24"/>
+          <p:cNvSpPr txBox="1"/>
+          <p:nvPr/>
+        </p:nvSpPr>
+        <p:spPr>
+          <a:xfrm>
+            <a:off x="64600" y="441922"/>
+            <a:ext cx="4453200" cy="634200"/>
+          </a:xfrm>
+          <a:prstGeom prst="rect">
+            <a:avLst/>
+          </a:prstGeom>
+          <a:solidFill>
+            <a:srgbClr val="FFF2CC"/>
+          </a:solidFill>
+          <a:ln w="9525" cap="flat" cmpd="sng">
+            <a:solidFill>
+              <a:srgbClr val="FF0000"/>
+            </a:solidFill>
+            <a:prstDash val="solid"/>
+            <a:round/>
+            <a:headEnd type="none" w="sm" len="sm"/>
+            <a:tailEnd type="none" w="sm" len="sm"/>
+          </a:ln>
+        </p:spPr>
+        <p:txBody>
+          <a:bodyPr spcFirstLastPara="1" wrap="square" lIns="9125" tIns="9125" rIns="9125" bIns="9125" anchor="t" anchorCtr="0">
+            <a:spAutoFit/>
+          </a:bodyPr>
+          <a:lstStyle/>
+          <a:p>
+            <a:pPr marL="171450" marR="0" lvl="0" indent="-133350" algn="l" rtl="0">
+              <a:lnSpc>
+                <a:spcPct val="100000"/>
+              </a:lnSpc>
+              <a:spcBef>
+                <a:spcPts val="0"/>
+              </a:spcBef>
+              <a:spcAft>
+                <a:spcPts val="0"/>
+              </a:spcAft>
+              <a:buClr>
+                <a:srgbClr val="FF0000"/>
+              </a:buClr>
+              <a:buSzPts val="1200"/>
+              <a:buFont typeface="Calibri"/>
+              <a:buChar char="●"/>
+            </a:pPr>
+            <a:r>
+              <a:rPr lang="en" sz="1200" b="1">
+                <a:solidFill>
+                  <a:srgbClr val="FF0000"/>
+                </a:solidFill>
+                <a:latin typeface="Calibri"/>
+                <a:ea typeface="Calibri"/>
+                <a:cs typeface="Calibri"/>
+                <a:sym typeface="Calibri"/>
+              </a:rPr>
+              <a:t>Nvidia to launch cheaper Blackwell AI chip for China in June</a:t>
+            </a:r>
+            <a:endParaRPr sz="1200" b="1">
+              <a:solidFill>
+                <a:srgbClr val="FF0000"/>
+              </a:solidFill>
+              <a:latin typeface="Calibri"/>
+              <a:ea typeface="Calibri"/>
+              <a:cs typeface="Calibri"/>
+              <a:sym typeface="Calibri"/>
+            </a:endParaRPr>
+          </a:p>
+          <a:p>
+            <a:pPr marL="171450" marR="0" lvl="0" indent="-133350" algn="l" rtl="0">
+              <a:lnSpc>
+                <a:spcPct val="100000"/>
+              </a:lnSpc>
+              <a:spcBef>
+                <a:spcPts val="0"/>
+              </a:spcBef>
+              <a:spcAft>
+                <a:spcPts val="0"/>
+              </a:spcAft>
+              <a:buClr>
+                <a:schemeClr val="dk1"/>
+              </a:buClr>
+              <a:buSzPts val="1200"/>
+              <a:buFont typeface="Calibri"/>
+              <a:buChar char="●"/>
+            </a:pPr>
+            <a:r>
+              <a:rPr lang="en" sz="1200">
+                <a:solidFill>
+                  <a:schemeClr val="dk1"/>
+                </a:solidFill>
+                <a:latin typeface="Calibri"/>
+                <a:ea typeface="Calibri"/>
+                <a:cs typeface="Calibri"/>
+                <a:sym typeface="Calibri"/>
+              </a:rPr>
+              <a:t>New chips are cheaper than H20 model: $7K vs $11K (weaker specs)</a:t>
+            </a:r>
+            <a:endParaRPr sz="1200">
+              <a:solidFill>
+                <a:schemeClr val="dk1"/>
+              </a:solidFill>
+              <a:latin typeface="Calibri"/>
+              <a:ea typeface="Calibri"/>
+              <a:cs typeface="Calibri"/>
+              <a:sym typeface="Calibri"/>
+            </a:endParaRPr>
+          </a:p>
+          <a:p>
+            <a:pPr marL="171450" marR="0" lvl="0" indent="-107950" algn="l" rtl="0">
+              <a:lnSpc>
+                <a:spcPct val="100000"/>
+              </a:lnSpc>
+              <a:spcBef>
+                <a:spcPts val="0"/>
+              </a:spcBef>
+              <a:spcAft>
+                <a:spcPts val="0"/>
+              </a:spcAft>
+              <a:buClr>
+                <a:schemeClr val="dk1"/>
+              </a:buClr>
+              <a:buSzPts val="800"/>
+              <a:buFont typeface="Calibri"/>
+              <a:buChar char="●"/>
+            </a:pPr>
+            <a:r>
+              <a:rPr lang="en" sz="800" u="sng">
+                <a:solidFill>
+                  <a:schemeClr val="hlink"/>
+                </a:solidFill>
+                <a:latin typeface="Calibri"/>
+                <a:ea typeface="Calibri"/>
+                <a:cs typeface="Calibri"/>
+                <a:sym typeface="Calibri"/>
+                <a:hlinkClick r:id="rId3"/>
+              </a:rPr>
+              <a:t>https://www.reuters.com/world/china/nvidia-launch-cheaper-blackwell-ai-chip-china-after-us-export-curbs-sources-say-2025-05-24/</a:t>
+            </a:r>
+            <a:r>
+              <a:rPr lang="en" sz="800">
+                <a:solidFill>
+                  <a:schemeClr val="dk1"/>
+                </a:solidFill>
+                <a:latin typeface="Calibri"/>
+                <a:ea typeface="Calibri"/>
+                <a:cs typeface="Calibri"/>
+                <a:sym typeface="Calibri"/>
+              </a:rPr>
+              <a:t> </a:t>
+            </a:r>
+            <a:endParaRPr sz="800">
+              <a:solidFill>
+                <a:schemeClr val="dk1"/>
+              </a:solidFill>
+              <a:latin typeface="Calibri"/>
+              <a:ea typeface="Calibri"/>
+              <a:cs typeface="Calibri"/>
+              <a:sym typeface="Calibri"/>
+            </a:endParaRPr>
+          </a:p>
+        </p:txBody>
+      </p:sp>
+      <p:sp>
+        <p:nvSpPr>
+          <p:cNvPr id="155" name="Google Shape;155;p24"/>
+          <p:cNvSpPr txBox="1"/>
+          <p:nvPr/>
+        </p:nvSpPr>
+        <p:spPr>
+          <a:xfrm>
+            <a:off x="64600" y="1100989"/>
+            <a:ext cx="4453200" cy="2173500"/>
+          </a:xfrm>
+          <a:prstGeom prst="rect">
+            <a:avLst/>
+          </a:prstGeom>
+          <a:solidFill>
+            <a:srgbClr val="FFF2CC"/>
+          </a:solidFill>
+          <a:ln w="9525" cap="flat" cmpd="sng">
+            <a:solidFill>
+              <a:srgbClr val="FF0000"/>
+            </a:solidFill>
+            <a:prstDash val="solid"/>
+            <a:round/>
+            <a:headEnd type="none" w="sm" len="sm"/>
+            <a:tailEnd type="none" w="sm" len="sm"/>
+          </a:ln>
+        </p:spPr>
+        <p:txBody>
+          <a:bodyPr spcFirstLastPara="1" wrap="square" lIns="9125" tIns="9125" rIns="9125" bIns="9125" anchor="t" anchorCtr="0">
+            <a:spAutoFit/>
+          </a:bodyPr>
+          <a:lstStyle/>
+          <a:p>
+            <a:pPr marL="171450" marR="0" lvl="0" indent="-133350" algn="l" rtl="0">
+              <a:lnSpc>
+                <a:spcPct val="100000"/>
+              </a:lnSpc>
+              <a:spcBef>
+                <a:spcPts val="0"/>
+              </a:spcBef>
+              <a:spcAft>
+                <a:spcPts val="0"/>
+              </a:spcAft>
+              <a:buClr>
+                <a:srgbClr val="FF0000"/>
+              </a:buClr>
+              <a:buSzPts val="1200"/>
+              <a:buFont typeface="Calibri"/>
+              <a:buChar char="●"/>
+            </a:pPr>
+            <a:r>
+              <a:rPr lang="en" sz="1200" b="1">
+                <a:solidFill>
+                  <a:srgbClr val="FF0000"/>
+                </a:solidFill>
+                <a:latin typeface="Calibri"/>
+                <a:ea typeface="Calibri"/>
+                <a:cs typeface="Calibri"/>
+                <a:sym typeface="Calibri"/>
+              </a:rPr>
+              <a:t>Microsoft GitHub Copilot coding agent</a:t>
+            </a:r>
+            <a:endParaRPr sz="1200" b="1">
+              <a:solidFill>
+                <a:srgbClr val="FF0000"/>
+              </a:solidFill>
+              <a:latin typeface="Calibri"/>
+              <a:ea typeface="Calibri"/>
+              <a:cs typeface="Calibri"/>
+              <a:sym typeface="Calibri"/>
+            </a:endParaRPr>
+          </a:p>
+          <a:p>
+            <a:pPr marL="171450" marR="0" lvl="0" indent="-133350" algn="l" rtl="0">
+              <a:lnSpc>
+                <a:spcPct val="100000"/>
+              </a:lnSpc>
+              <a:spcBef>
+                <a:spcPts val="0"/>
+              </a:spcBef>
+              <a:spcAft>
+                <a:spcPts val="0"/>
+              </a:spcAft>
+              <a:buClr>
+                <a:schemeClr val="dk1"/>
+              </a:buClr>
+              <a:buSzPts val="1200"/>
+              <a:buFont typeface="Calibri"/>
+              <a:buChar char="●"/>
+            </a:pPr>
+            <a:r>
+              <a:rPr lang="en" sz="1200">
+                <a:solidFill>
+                  <a:schemeClr val="dk1"/>
+                </a:solidFill>
+                <a:latin typeface="Calibri"/>
+                <a:ea typeface="Calibri"/>
+                <a:cs typeface="Calibri"/>
+                <a:sym typeface="Calibri"/>
+              </a:rPr>
+              <a:t>switch from an AI assistant to an autonomous team member</a:t>
+            </a:r>
+            <a:endParaRPr sz="1200">
+              <a:solidFill>
+                <a:schemeClr val="dk1"/>
+              </a:solidFill>
+              <a:latin typeface="Calibri"/>
+              <a:ea typeface="Calibri"/>
+              <a:cs typeface="Calibri"/>
+              <a:sym typeface="Calibri"/>
+            </a:endParaRPr>
+          </a:p>
+          <a:p>
+            <a:pPr marL="171450" marR="0" lvl="0" indent="-133350" algn="l" rtl="0">
+              <a:lnSpc>
+                <a:spcPct val="100000"/>
+              </a:lnSpc>
+              <a:spcBef>
+                <a:spcPts val="0"/>
+              </a:spcBef>
+              <a:spcAft>
+                <a:spcPts val="0"/>
+              </a:spcAft>
+              <a:buClr>
+                <a:schemeClr val="dk1"/>
+              </a:buClr>
+              <a:buSzPts val="1200"/>
+              <a:buFont typeface="Calibri"/>
+              <a:buChar char="●"/>
+            </a:pPr>
+            <a:r>
+              <a:rPr lang="en" sz="1200">
+                <a:solidFill>
+                  <a:schemeClr val="dk1"/>
+                </a:solidFill>
+                <a:latin typeface="Calibri"/>
+                <a:ea typeface="Calibri"/>
+                <a:cs typeface="Calibri"/>
+                <a:sym typeface="Calibri"/>
+              </a:rPr>
+              <a:t>Can resolve a GitHub issue, create a draft pull request and iterate based on review comments</a:t>
+            </a:r>
+            <a:endParaRPr sz="1200">
+              <a:solidFill>
+                <a:schemeClr val="dk1"/>
+              </a:solidFill>
+              <a:latin typeface="Calibri"/>
+              <a:ea typeface="Calibri"/>
+              <a:cs typeface="Calibri"/>
+              <a:sym typeface="Calibri"/>
+            </a:endParaRPr>
+          </a:p>
+          <a:p>
+            <a:pPr marL="171450" marR="0" lvl="0" indent="-133350" algn="l" rtl="0">
+              <a:lnSpc>
+                <a:spcPct val="100000"/>
+              </a:lnSpc>
+              <a:spcBef>
+                <a:spcPts val="0"/>
+              </a:spcBef>
+              <a:spcAft>
+                <a:spcPts val="0"/>
+              </a:spcAft>
+              <a:buClr>
+                <a:schemeClr val="dk1"/>
+              </a:buClr>
+              <a:buSzPts val="1200"/>
+              <a:buFont typeface="Calibri"/>
+              <a:buChar char="●"/>
+            </a:pPr>
+            <a:r>
+              <a:rPr lang="en" sz="1200">
+                <a:solidFill>
+                  <a:schemeClr val="dk1"/>
+                </a:solidFill>
+                <a:latin typeface="Calibri"/>
+                <a:ea typeface="Calibri"/>
+                <a:cs typeface="Calibri"/>
+                <a:sym typeface="Calibri"/>
+              </a:rPr>
+              <a:t>Operates asynchronously by spinning up a secure development environment, and analyzing code using advanced reasoning</a:t>
+            </a:r>
+            <a:endParaRPr sz="1200">
+              <a:solidFill>
+                <a:schemeClr val="dk1"/>
+              </a:solidFill>
+              <a:latin typeface="Calibri"/>
+              <a:ea typeface="Calibri"/>
+              <a:cs typeface="Calibri"/>
+              <a:sym typeface="Calibri"/>
+            </a:endParaRPr>
+          </a:p>
+          <a:p>
+            <a:pPr marL="171450" marR="0" lvl="0" indent="-133350" algn="l" rtl="0">
+              <a:lnSpc>
+                <a:spcPct val="100000"/>
+              </a:lnSpc>
+              <a:spcBef>
+                <a:spcPts val="0"/>
+              </a:spcBef>
+              <a:spcAft>
+                <a:spcPts val="0"/>
+              </a:spcAft>
+              <a:buClr>
+                <a:schemeClr val="dk1"/>
+              </a:buClr>
+              <a:buSzPts val="1200"/>
+              <a:buFont typeface="Calibri"/>
+              <a:buChar char="●"/>
+            </a:pPr>
+            <a:r>
+              <a:rPr lang="en" sz="1200">
+                <a:solidFill>
+                  <a:schemeClr val="dk1"/>
+                </a:solidFill>
+                <a:latin typeface="Calibri"/>
+                <a:ea typeface="Calibri"/>
+                <a:cs typeface="Calibri"/>
+                <a:sym typeface="Calibri"/>
+              </a:rPr>
+              <a:t>Available to Copilot Enterprise and Copilot Pro+ customers</a:t>
+            </a:r>
+            <a:endParaRPr sz="1200">
+              <a:solidFill>
+                <a:schemeClr val="dk1"/>
+              </a:solidFill>
+              <a:latin typeface="Calibri"/>
+              <a:ea typeface="Calibri"/>
+              <a:cs typeface="Calibri"/>
+              <a:sym typeface="Calibri"/>
+            </a:endParaRPr>
+          </a:p>
+          <a:p>
+            <a:pPr marL="171450" marR="0" lvl="0" indent="-133350" algn="l" rtl="0">
+              <a:lnSpc>
+                <a:spcPct val="100000"/>
+              </a:lnSpc>
+              <a:spcBef>
+                <a:spcPts val="0"/>
+              </a:spcBef>
+              <a:spcAft>
+                <a:spcPts val="0"/>
+              </a:spcAft>
+              <a:buClr>
+                <a:schemeClr val="dk1"/>
+              </a:buClr>
+              <a:buSzPts val="1200"/>
+              <a:buFont typeface="Calibri"/>
+              <a:buChar char="●"/>
+            </a:pPr>
+            <a:r>
+              <a:rPr lang="en" sz="1200">
+                <a:solidFill>
+                  <a:schemeClr val="dk1"/>
+                </a:solidFill>
+                <a:latin typeface="Calibri"/>
+                <a:ea typeface="Calibri"/>
+                <a:cs typeface="Calibri"/>
+                <a:sym typeface="Calibri"/>
+              </a:rPr>
+              <a:t>Adding features, fixing bugs, refactoring code, and improving docs</a:t>
+            </a:r>
+            <a:endParaRPr sz="1200">
+              <a:solidFill>
+                <a:schemeClr val="dk1"/>
+              </a:solidFill>
+              <a:latin typeface="Calibri"/>
+              <a:ea typeface="Calibri"/>
+              <a:cs typeface="Calibri"/>
+              <a:sym typeface="Calibri"/>
+            </a:endParaRPr>
+          </a:p>
+          <a:p>
+            <a:pPr marL="171450" marR="0" lvl="0" indent="-133350" algn="l" rtl="0">
+              <a:lnSpc>
+                <a:spcPct val="100000"/>
+              </a:lnSpc>
+              <a:spcBef>
+                <a:spcPts val="0"/>
+              </a:spcBef>
+              <a:spcAft>
+                <a:spcPts val="0"/>
+              </a:spcAft>
+              <a:buClr>
+                <a:schemeClr val="dk1"/>
+              </a:buClr>
+              <a:buSzPts val="1200"/>
+              <a:buFont typeface="Calibri"/>
+              <a:buChar char="●"/>
+            </a:pPr>
+            <a:r>
+              <a:rPr lang="en" sz="1200">
+                <a:solidFill>
+                  <a:schemeClr val="dk1"/>
+                </a:solidFill>
+                <a:latin typeface="Calibri"/>
+                <a:ea typeface="Calibri"/>
+                <a:cs typeface="Calibri"/>
+                <a:sym typeface="Calibri"/>
+              </a:rPr>
+              <a:t>Security is built-in</a:t>
+            </a:r>
+            <a:endParaRPr sz="800">
+              <a:solidFill>
+                <a:schemeClr val="dk1"/>
+              </a:solidFill>
+              <a:latin typeface="Calibri"/>
+              <a:ea typeface="Calibri"/>
+              <a:cs typeface="Calibri"/>
+              <a:sym typeface="Calibri"/>
+            </a:endParaRPr>
+          </a:p>
+          <a:p>
+            <a:pPr marL="171450" marR="0" lvl="0" indent="-107950" algn="l" rtl="0">
+              <a:lnSpc>
+                <a:spcPct val="100000"/>
+              </a:lnSpc>
+              <a:spcBef>
+                <a:spcPts val="0"/>
+              </a:spcBef>
+              <a:spcAft>
+                <a:spcPts val="0"/>
+              </a:spcAft>
+              <a:buClr>
+                <a:schemeClr val="dk1"/>
+              </a:buClr>
+              <a:buSzPts val="800"/>
+              <a:buFont typeface="Calibri"/>
+              <a:buChar char="●"/>
+            </a:pPr>
+            <a:r>
+              <a:rPr lang="en" sz="800" u="sng">
+                <a:solidFill>
+                  <a:schemeClr val="hlink"/>
+                </a:solidFill>
+                <a:latin typeface="Calibri"/>
+                <a:ea typeface="Calibri"/>
+                <a:cs typeface="Calibri"/>
+                <a:sym typeface="Calibri"/>
+                <a:hlinkClick r:id="rId4"/>
+              </a:rPr>
+              <a:t>https://github.blog/news-insights/product-news/github-copilot-meet-the-new-coding-agent/</a:t>
+            </a:r>
+            <a:r>
+              <a:rPr lang="en" sz="800">
+                <a:solidFill>
+                  <a:schemeClr val="dk1"/>
+                </a:solidFill>
+                <a:latin typeface="Calibri"/>
+                <a:ea typeface="Calibri"/>
+                <a:cs typeface="Calibri"/>
+                <a:sym typeface="Calibri"/>
+              </a:rPr>
+              <a:t> </a:t>
+            </a:r>
+            <a:endParaRPr sz="800">
+              <a:solidFill>
+                <a:schemeClr val="dk1"/>
+              </a:solidFill>
+              <a:latin typeface="Calibri"/>
+              <a:ea typeface="Calibri"/>
+              <a:cs typeface="Calibri"/>
+              <a:sym typeface="Calibri"/>
+            </a:endParaRPr>
+          </a:p>
+          <a:p>
+            <a:pPr marL="171450" marR="0" lvl="0" indent="-107950" algn="l" rtl="0">
+              <a:lnSpc>
+                <a:spcPct val="100000"/>
+              </a:lnSpc>
+              <a:spcBef>
+                <a:spcPts val="0"/>
+              </a:spcBef>
+              <a:spcAft>
+                <a:spcPts val="0"/>
+              </a:spcAft>
+              <a:buClr>
+                <a:schemeClr val="dk1"/>
+              </a:buClr>
+              <a:buSzPts val="800"/>
+              <a:buFont typeface="Calibri"/>
+              <a:buChar char="●"/>
+            </a:pPr>
+            <a:r>
+              <a:rPr lang="en" sz="800">
+                <a:solidFill>
+                  <a:schemeClr val="dk1"/>
+                </a:solidFill>
+                <a:latin typeface="Calibri"/>
+                <a:ea typeface="Calibri"/>
+                <a:cs typeface="Calibri"/>
+                <a:sym typeface="Calibri"/>
+              </a:rPr>
+              <a:t> </a:t>
+            </a:r>
+            <a:r>
+              <a:rPr lang="en" sz="1200">
+                <a:solidFill>
+                  <a:schemeClr val="dk1"/>
+                </a:solidFill>
+                <a:latin typeface="Calibri"/>
+                <a:ea typeface="Calibri"/>
+                <a:cs typeface="Calibri"/>
+                <a:sym typeface="Calibri"/>
+              </a:rPr>
+              <a:t>Microsoft Azure AI Foundry offers more than 10K models</a:t>
+            </a:r>
+            <a:br>
+              <a:rPr lang="en" sz="1200">
+                <a:solidFill>
+                  <a:schemeClr val="dk1"/>
+                </a:solidFill>
+                <a:latin typeface="Calibri"/>
+                <a:ea typeface="Calibri"/>
+                <a:cs typeface="Calibri"/>
+                <a:sym typeface="Calibri"/>
+              </a:rPr>
+            </a:br>
+            <a:r>
+              <a:rPr lang="en" sz="1200" u="sng">
+                <a:solidFill>
+                  <a:schemeClr val="accent5"/>
+                </a:solidFill>
+                <a:latin typeface="Calibri"/>
+                <a:ea typeface="Calibri"/>
+                <a:cs typeface="Calibri"/>
+                <a:sym typeface="Calibri"/>
+                <a:hlinkClick r:id="rId5">
+                  <a:extLst>
+                    <a:ext uri="{A12FA001-AC4F-418D-AE19-62706E023703}">
+                      <ahyp:hlinkClr xmlns:ahyp="http://schemas.microsoft.com/office/drawing/2018/hyperlinkcolor" val="tx"/>
+                    </a:ext>
+                  </a:extLst>
+                </a:hlinkClick>
+              </a:rPr>
+              <a:t>https://ai.azure.com/explore/models/leaderboard</a:t>
+            </a:r>
+            <a:r>
+              <a:rPr lang="en" sz="1200">
+                <a:solidFill>
+                  <a:schemeClr val="dk1"/>
+                </a:solidFill>
+                <a:latin typeface="Calibri"/>
+                <a:ea typeface="Calibri"/>
+                <a:cs typeface="Calibri"/>
+                <a:sym typeface="Calibri"/>
+              </a:rPr>
+              <a:t>  </a:t>
+            </a:r>
+            <a:endParaRPr sz="800">
+              <a:solidFill>
+                <a:schemeClr val="dk1"/>
+              </a:solidFill>
+              <a:latin typeface="Calibri"/>
+              <a:ea typeface="Calibri"/>
+              <a:cs typeface="Calibri"/>
+              <a:sym typeface="Calibri"/>
+            </a:endParaRPr>
+          </a:p>
+        </p:txBody>
+      </p:sp>
+      <p:sp>
+        <p:nvSpPr>
+          <p:cNvPr id="156" name="Google Shape;156;p24"/>
+          <p:cNvSpPr txBox="1"/>
+          <p:nvPr/>
+        </p:nvSpPr>
+        <p:spPr>
+          <a:xfrm>
+            <a:off x="64600" y="3302885"/>
+            <a:ext cx="4453200" cy="942000"/>
+          </a:xfrm>
+          <a:prstGeom prst="rect">
+            <a:avLst/>
+          </a:prstGeom>
+          <a:solidFill>
+            <a:srgbClr val="FFF2CC"/>
+          </a:solidFill>
+          <a:ln w="9525" cap="flat" cmpd="sng">
+            <a:solidFill>
+              <a:srgbClr val="FF0000"/>
+            </a:solidFill>
+            <a:prstDash val="solid"/>
+            <a:round/>
+            <a:headEnd type="none" w="sm" len="sm"/>
+            <a:tailEnd type="none" w="sm" len="sm"/>
+          </a:ln>
+        </p:spPr>
+        <p:txBody>
+          <a:bodyPr spcFirstLastPara="1" wrap="square" lIns="9125" tIns="9125" rIns="9125" bIns="9125" anchor="t" anchorCtr="0">
+            <a:spAutoFit/>
+          </a:bodyPr>
+          <a:lstStyle/>
+          <a:p>
+            <a:pPr marL="171450" marR="0" lvl="0" indent="-133350" algn="l" rtl="0">
+              <a:lnSpc>
+                <a:spcPct val="100000"/>
+              </a:lnSpc>
+              <a:spcBef>
+                <a:spcPts val="0"/>
+              </a:spcBef>
+              <a:spcAft>
+                <a:spcPts val="0"/>
+              </a:spcAft>
+              <a:buClr>
+                <a:schemeClr val="dk1"/>
+              </a:buClr>
+              <a:buSzPts val="1200"/>
+              <a:buFont typeface="Calibri"/>
+              <a:buChar char="●"/>
+            </a:pPr>
+            <a:r>
+              <a:rPr lang="en" sz="1200" b="1">
+                <a:solidFill>
+                  <a:srgbClr val="FF0000"/>
+                </a:solidFill>
+                <a:latin typeface="Calibri"/>
+                <a:ea typeface="Calibri"/>
+                <a:cs typeface="Calibri"/>
+                <a:sym typeface="Calibri"/>
+              </a:rPr>
+              <a:t>Mistral Launches Agents API</a:t>
+            </a:r>
+            <a:endParaRPr sz="1200">
+              <a:solidFill>
+                <a:schemeClr val="dk1"/>
+              </a:solidFill>
+              <a:latin typeface="Calibri"/>
+              <a:ea typeface="Calibri"/>
+              <a:cs typeface="Calibri"/>
+              <a:sym typeface="Calibri"/>
+            </a:endParaRPr>
+          </a:p>
+          <a:p>
+            <a:pPr marL="171450" marR="0" lvl="0" indent="-133350" algn="l" rtl="0">
+              <a:lnSpc>
+                <a:spcPct val="100000"/>
+              </a:lnSpc>
+              <a:spcBef>
+                <a:spcPts val="0"/>
+              </a:spcBef>
+              <a:spcAft>
+                <a:spcPts val="0"/>
+              </a:spcAft>
+              <a:buClr>
+                <a:schemeClr val="dk1"/>
+              </a:buClr>
+              <a:buSzPts val="1200"/>
+              <a:buFont typeface="Calibri"/>
+              <a:buChar char="●"/>
+            </a:pPr>
+            <a:r>
+              <a:rPr lang="en" sz="1200">
+                <a:solidFill>
+                  <a:schemeClr val="dk1"/>
+                </a:solidFill>
+                <a:latin typeface="Calibri"/>
+                <a:ea typeface="Calibri"/>
+                <a:cs typeface="Calibri"/>
+                <a:sym typeface="Calibri"/>
+              </a:rPr>
+              <a:t>Web Search, Python Code Execution, Image Generation using Flux1.1, RAG using uploaded files, MCP for external API calls</a:t>
+            </a:r>
+            <a:endParaRPr sz="1200">
+              <a:solidFill>
+                <a:schemeClr val="dk1"/>
+              </a:solidFill>
+              <a:latin typeface="Calibri"/>
+              <a:ea typeface="Calibri"/>
+              <a:cs typeface="Calibri"/>
+              <a:sym typeface="Calibri"/>
+            </a:endParaRPr>
+          </a:p>
+          <a:p>
+            <a:pPr marL="171450" marR="0" lvl="0" indent="-133350" algn="l" rtl="0">
+              <a:lnSpc>
+                <a:spcPct val="100000"/>
+              </a:lnSpc>
+              <a:spcBef>
+                <a:spcPts val="0"/>
+              </a:spcBef>
+              <a:spcAft>
+                <a:spcPts val="0"/>
+              </a:spcAft>
+              <a:buClr>
+                <a:schemeClr val="dk1"/>
+              </a:buClr>
+              <a:buSzPts val="1200"/>
+              <a:buFont typeface="Calibri"/>
+              <a:buChar char="●"/>
+            </a:pPr>
+            <a:r>
+              <a:rPr lang="en" sz="1200">
+                <a:solidFill>
+                  <a:schemeClr val="dk1"/>
+                </a:solidFill>
+                <a:latin typeface="Calibri"/>
+                <a:ea typeface="Calibri"/>
+                <a:cs typeface="Calibri"/>
+                <a:sym typeface="Calibri"/>
+              </a:rPr>
+              <a:t>Adding web search increased accuracy fro m23% to 75% on SimpleQA benchmark using Mistral Large model</a:t>
+            </a:r>
+            <a:endParaRPr sz="1200">
+              <a:solidFill>
+                <a:schemeClr val="dk1"/>
+              </a:solidFill>
+              <a:latin typeface="Calibri"/>
+              <a:ea typeface="Calibri"/>
+              <a:cs typeface="Calibri"/>
+              <a:sym typeface="Calibri"/>
+            </a:endParaRPr>
+          </a:p>
+        </p:txBody>
+      </p:sp>
+      <p:sp>
+        <p:nvSpPr>
+          <p:cNvPr id="157" name="Google Shape;157;p24"/>
+          <p:cNvSpPr txBox="1"/>
+          <p:nvPr/>
+        </p:nvSpPr>
+        <p:spPr>
+          <a:xfrm>
+            <a:off x="64600" y="4277269"/>
+            <a:ext cx="4453200" cy="757200"/>
+          </a:xfrm>
+          <a:prstGeom prst="rect">
+            <a:avLst/>
+          </a:prstGeom>
+          <a:solidFill>
+            <a:srgbClr val="FFF2CC"/>
+          </a:solidFill>
+          <a:ln w="9525" cap="flat" cmpd="sng">
+            <a:solidFill>
+              <a:srgbClr val="FF0000"/>
+            </a:solidFill>
+            <a:prstDash val="solid"/>
+            <a:round/>
+            <a:headEnd type="none" w="sm" len="sm"/>
+            <a:tailEnd type="none" w="sm" len="sm"/>
+          </a:ln>
+        </p:spPr>
+        <p:txBody>
+          <a:bodyPr spcFirstLastPara="1" wrap="square" lIns="9125" tIns="9125" rIns="9125" bIns="9125" anchor="t" anchorCtr="0">
+            <a:spAutoFit/>
+          </a:bodyPr>
+          <a:lstStyle/>
+          <a:p>
+            <a:pPr marL="171450" marR="0" lvl="0" indent="-133350" algn="l" rtl="0">
+              <a:lnSpc>
+                <a:spcPct val="100000"/>
+              </a:lnSpc>
+              <a:spcBef>
+                <a:spcPts val="0"/>
+              </a:spcBef>
+              <a:spcAft>
+                <a:spcPts val="0"/>
+              </a:spcAft>
+              <a:buClr>
+                <a:srgbClr val="FF0000"/>
+              </a:buClr>
+              <a:buSzPts val="1200"/>
+              <a:buFont typeface="Calibri"/>
+              <a:buChar char="●"/>
+            </a:pPr>
+            <a:r>
+              <a:rPr lang="en" sz="1200" b="1">
+                <a:solidFill>
+                  <a:srgbClr val="FF0000"/>
+                </a:solidFill>
+                <a:latin typeface="Calibri"/>
+                <a:ea typeface="Calibri"/>
+                <a:cs typeface="Calibri"/>
+                <a:sym typeface="Calibri"/>
+              </a:rPr>
+              <a:t>Meta is splitting its AI org into two groups: </a:t>
+            </a:r>
+            <a:endParaRPr sz="1200" b="1">
+              <a:solidFill>
+                <a:srgbClr val="FF0000"/>
+              </a:solidFill>
+              <a:latin typeface="Calibri"/>
+              <a:ea typeface="Calibri"/>
+              <a:cs typeface="Calibri"/>
+              <a:sym typeface="Calibri"/>
+            </a:endParaRPr>
+          </a:p>
+          <a:p>
+            <a:pPr marL="342900" marR="0" lvl="1" indent="-133350" algn="l" rtl="0">
+              <a:lnSpc>
+                <a:spcPct val="100000"/>
+              </a:lnSpc>
+              <a:spcBef>
+                <a:spcPts val="0"/>
+              </a:spcBef>
+              <a:spcAft>
+                <a:spcPts val="0"/>
+              </a:spcAft>
+              <a:buClr>
+                <a:schemeClr val="dk1"/>
+              </a:buClr>
+              <a:buSzPts val="1200"/>
+              <a:buFont typeface="Calibri"/>
+              <a:buChar char="○"/>
+            </a:pPr>
+            <a:r>
+              <a:rPr lang="en" sz="1200">
+                <a:solidFill>
+                  <a:schemeClr val="dk1"/>
+                </a:solidFill>
+                <a:latin typeface="Calibri"/>
+                <a:ea typeface="Calibri"/>
+                <a:cs typeface="Calibri"/>
+                <a:sym typeface="Calibri"/>
+              </a:rPr>
+              <a:t>The AI Products Team - consumer products</a:t>
+            </a:r>
+            <a:endParaRPr sz="1200">
+              <a:solidFill>
+                <a:schemeClr val="dk1"/>
+              </a:solidFill>
+              <a:latin typeface="Calibri"/>
+              <a:ea typeface="Calibri"/>
+              <a:cs typeface="Calibri"/>
+              <a:sym typeface="Calibri"/>
+            </a:endParaRPr>
+          </a:p>
+          <a:p>
+            <a:pPr marL="342900" marR="0" lvl="1" indent="-133350" algn="l" rtl="0">
+              <a:lnSpc>
+                <a:spcPct val="100000"/>
+              </a:lnSpc>
+              <a:spcBef>
+                <a:spcPts val="0"/>
+              </a:spcBef>
+              <a:spcAft>
+                <a:spcPts val="0"/>
+              </a:spcAft>
+              <a:buClr>
+                <a:schemeClr val="dk1"/>
+              </a:buClr>
+              <a:buSzPts val="1200"/>
+              <a:buFont typeface="Calibri"/>
+              <a:buChar char="○"/>
+            </a:pPr>
+            <a:r>
+              <a:rPr lang="en" sz="1200">
+                <a:solidFill>
+                  <a:schemeClr val="dk1"/>
+                </a:solidFill>
+                <a:latin typeface="Calibri"/>
+                <a:ea typeface="Calibri"/>
+                <a:cs typeface="Calibri"/>
+                <a:sym typeface="Calibri"/>
+              </a:rPr>
+              <a:t>The AGI Foundations Team - research, foundation models, reasoning, multimedia, and voice</a:t>
+            </a:r>
+            <a:endParaRPr sz="1200">
+              <a:solidFill>
+                <a:schemeClr val="dk1"/>
+              </a:solidFill>
+              <a:latin typeface="Calibri"/>
+              <a:ea typeface="Calibri"/>
+              <a:cs typeface="Calibri"/>
+              <a:sym typeface="Calibri"/>
+            </a:endParaRPr>
+          </a:p>
+        </p:txBody>
+      </p:sp>
+      <p:pic>
+        <p:nvPicPr>
+          <p:cNvPr id="158" name="Google Shape;158;p24"/>
+          <p:cNvPicPr preferRelativeResize="0"/>
+          <p:nvPr/>
+        </p:nvPicPr>
+        <p:blipFill>
+          <a:blip r:embed="rId6" cstate="email">
+            <a:alphaModFix/>
+            <a:extLst>
+              <a:ext uri="{28A0092B-C50C-407E-A947-70E740481C1C}">
+                <a14:useLocalDpi xmlns:a14="http://schemas.microsoft.com/office/drawing/2010/main"/>
+              </a:ext>
+            </a:extLst>
+          </a:blip>
+          <a:stretch>
+            <a:fillRect/>
+          </a:stretch>
+        </p:blipFill>
+        <p:spPr>
+          <a:xfrm>
+            <a:off x="4870725" y="175269"/>
+            <a:ext cx="2184525" cy="1167506"/>
+          </a:xfrm>
+          <a:prstGeom prst="rect">
+            <a:avLst/>
+          </a:prstGeom>
+          <a:noFill/>
+          <a:ln w="9525" cap="flat" cmpd="sng">
+            <a:solidFill>
+              <a:srgbClr val="FF0000"/>
+            </a:solidFill>
+            <a:prstDash val="solid"/>
+            <a:round/>
+            <a:headEnd type="none" w="sm" len="sm"/>
+            <a:tailEnd type="none" w="sm" len="sm"/>
+          </a:ln>
+        </p:spPr>
+      </p:pic>
+      <p:pic>
+        <p:nvPicPr>
+          <p:cNvPr id="159" name="Google Shape;159;p24"/>
+          <p:cNvPicPr preferRelativeResize="0"/>
+          <p:nvPr/>
+        </p:nvPicPr>
+        <p:blipFill>
+          <a:blip r:embed="rId7" cstate="email">
+            <a:alphaModFix/>
+            <a:extLst>
+              <a:ext uri="{28A0092B-C50C-407E-A947-70E740481C1C}">
+                <a14:useLocalDpi xmlns:a14="http://schemas.microsoft.com/office/drawing/2010/main"/>
+              </a:ext>
+            </a:extLst>
+          </a:blip>
+          <a:stretch>
+            <a:fillRect/>
+          </a:stretch>
+        </p:blipFill>
+        <p:spPr>
+          <a:xfrm>
+            <a:off x="4870713" y="1542176"/>
+            <a:ext cx="2184525" cy="1437200"/>
+          </a:xfrm>
+          <a:prstGeom prst="rect">
+            <a:avLst/>
+          </a:prstGeom>
+          <a:noFill/>
+          <a:ln w="9525" cap="flat" cmpd="sng">
+            <a:solidFill>
+              <a:srgbClr val="FF0000"/>
+            </a:solidFill>
+            <a:prstDash val="solid"/>
+            <a:round/>
+            <a:headEnd type="none" w="sm" len="sm"/>
+            <a:tailEnd type="none" w="sm" len="sm"/>
+          </a:ln>
+        </p:spPr>
+      </p:pic>
+      <p:pic>
+        <p:nvPicPr>
+          <p:cNvPr id="160" name="Google Shape;160;p24"/>
+          <p:cNvPicPr preferRelativeResize="0"/>
+          <p:nvPr/>
+        </p:nvPicPr>
+        <p:blipFill>
+          <a:blip r:embed="rId8" cstate="email">
+            <a:alphaModFix/>
+            <a:extLst>
+              <a:ext uri="{28A0092B-C50C-407E-A947-70E740481C1C}">
+                <a14:useLocalDpi xmlns:a14="http://schemas.microsoft.com/office/drawing/2010/main"/>
+              </a:ext>
+            </a:extLst>
+          </a:blip>
+          <a:stretch>
+            <a:fillRect/>
+          </a:stretch>
+        </p:blipFill>
+        <p:spPr>
+          <a:xfrm>
+            <a:off x="4870726" y="3368100"/>
+            <a:ext cx="2713300" cy="876775"/>
+          </a:xfrm>
+          <a:prstGeom prst="rect">
+            <a:avLst/>
+          </a:prstGeom>
+          <a:noFill/>
+          <a:ln w="9525" cap="flat" cmpd="sng">
+            <a:solidFill>
+              <a:srgbClr val="FF0000"/>
+            </a:solidFill>
+            <a:prstDash val="solid"/>
+            <a:round/>
+            <a:headEnd type="none" w="sm" len="sm"/>
+            <a:tailEnd type="none" w="sm" len="sm"/>
+          </a:ln>
+        </p:spPr>
+      </p:pic>
+      <p:pic>
+        <p:nvPicPr>
+          <p:cNvPr id="161" name="Google Shape;161;p24"/>
+          <p:cNvPicPr preferRelativeResize="0"/>
+          <p:nvPr/>
+        </p:nvPicPr>
+        <p:blipFill>
+          <a:blip r:embed="rId9" cstate="email">
+            <a:alphaModFix/>
+            <a:extLst>
+              <a:ext uri="{28A0092B-C50C-407E-A947-70E740481C1C}">
+                <a14:useLocalDpi xmlns:a14="http://schemas.microsoft.com/office/drawing/2010/main"/>
+              </a:ext>
+            </a:extLst>
+          </a:blip>
+          <a:stretch>
+            <a:fillRect/>
+          </a:stretch>
+        </p:blipFill>
+        <p:spPr>
+          <a:xfrm>
+            <a:off x="4870725" y="4277275"/>
+            <a:ext cx="2713300" cy="757200"/>
+          </a:xfrm>
+          <a:prstGeom prst="rect">
+            <a:avLst/>
+          </a:prstGeom>
+          <a:noFill/>
+          <a:ln w="9525" cap="flat" cmpd="sng">
+            <a:solidFill>
+              <a:srgbClr val="FF0000"/>
+            </a:solidFill>
+            <a:prstDash val="solid"/>
+            <a:round/>
+            <a:headEnd type="none" w="sm" len="sm"/>
+            <a:tailEnd type="none" w="sm" len="sm"/>
+          </a:ln>
+        </p:spPr>
+      </p:pic>
+    </p:spTree>
+  </p:cSld>
+  <p:clrMapOvr>
+    <a:masterClrMapping/>
+  </p:clrMapOvr>
+</p:sld>
+</file>
+
+<file path=ppt/slides/slide11.xml><?xml version="1.0" encoding="utf-8"?>
+<p:sld xmlns:a="http://schemas.openxmlformats.org/drawingml/2006/main" xmlns:r="http://schemas.openxmlformats.org/officeDocument/2006/relationships" xmlns:p="http://schemas.openxmlformats.org/presentationml/2006/main">
+  <p:cSld>
+    <p:spTree>
+      <p:nvGrpSpPr>
+        <p:cNvPr id="1" name="Shape 165"/>
+        <p:cNvGrpSpPr/>
+        <p:nvPr/>
+      </p:nvGrpSpPr>
+      <p:grpSpPr>
+        <a:xfrm>
+          <a:off x="0" y="0"/>
+          <a:ext cx="0" cy="0"/>
+          <a:chOff x="0" y="0"/>
+          <a:chExt cx="0" cy="0"/>
+        </a:xfrm>
+      </p:grpSpPr>
+      <p:sp>
+        <p:nvSpPr>
+          <p:cNvPr id="166" name="Google Shape;166;p25"/>
+          <p:cNvSpPr txBox="1"/>
+          <p:nvPr/>
+        </p:nvSpPr>
+        <p:spPr>
+          <a:xfrm>
+            <a:off x="55075" y="52750"/>
+            <a:ext cx="2438700" cy="326400"/>
+          </a:xfrm>
+          <a:prstGeom prst="rect">
+            <a:avLst/>
+          </a:prstGeom>
+          <a:noFill/>
+          <a:ln>
+            <a:noFill/>
+          </a:ln>
+        </p:spPr>
+        <p:txBody>
+          <a:bodyPr spcFirstLastPara="1" wrap="square" lIns="9125" tIns="9125" rIns="9125" bIns="9125" anchor="t" anchorCtr="0">
+            <a:spAutoFit/>
+          </a:bodyPr>
+          <a:lstStyle/>
+          <a:p>
+            <a:pPr marL="0" marR="0" lvl="0" indent="0" algn="l" rtl="0">
+              <a:lnSpc>
+                <a:spcPct val="100000"/>
+              </a:lnSpc>
+              <a:spcBef>
+                <a:spcPts val="0"/>
+              </a:spcBef>
+              <a:spcAft>
+                <a:spcPts val="0"/>
+              </a:spcAft>
+              <a:buClr>
+                <a:schemeClr val="dk1"/>
+              </a:buClr>
+              <a:buSzPts val="1100"/>
+              <a:buFont typeface="Arial"/>
+              <a:buNone/>
+            </a:pPr>
+            <a:r>
+              <a:rPr lang="en" sz="2000" b="1">
+                <a:solidFill>
+                  <a:schemeClr val="dk1"/>
+                </a:solidFill>
+                <a:latin typeface="Calibri"/>
+                <a:ea typeface="Calibri"/>
+                <a:cs typeface="Calibri"/>
+                <a:sym typeface="Calibri"/>
+              </a:rPr>
+              <a:t>AI Updates 6</a:t>
+            </a:r>
+            <a:endParaRPr sz="2000" b="1" i="0" u="none" strike="noStrike" cap="none">
+              <a:solidFill>
+                <a:schemeClr val="dk1"/>
+              </a:solidFill>
+              <a:latin typeface="Calibri"/>
+              <a:ea typeface="Calibri"/>
+              <a:cs typeface="Calibri"/>
+              <a:sym typeface="Calibri"/>
+            </a:endParaRPr>
+          </a:p>
+        </p:txBody>
+      </p:sp>
+      <p:sp>
+        <p:nvSpPr>
+          <p:cNvPr id="167" name="Google Shape;167;p25"/>
           <p:cNvSpPr txBox="1"/>
           <p:nvPr/>
         </p:nvSpPr>
@@ -14325,713 +15687,14 @@
           </a:p>
         </p:txBody>
       </p:sp>
-    </p:spTree>
-  </p:cSld>
-  <p:clrMapOvr>
-    <a:masterClrMapping/>
-  </p:clrMapOvr>
-</p:sld>
-</file>
-
-<file path=ppt/slides/slide11.xml><?xml version="1.0" encoding="utf-8"?>
-<p:sld xmlns:a="http://schemas.openxmlformats.org/drawingml/2006/main" xmlns:r="http://schemas.openxmlformats.org/officeDocument/2006/relationships" xmlns:p="http://schemas.openxmlformats.org/presentationml/2006/main">
-  <p:cSld>
-    <p:spTree>
-      <p:nvGrpSpPr>
-        <p:cNvPr id="1" name="Shape 138"/>
-        <p:cNvGrpSpPr/>
-        <p:nvPr/>
-      </p:nvGrpSpPr>
-      <p:grpSpPr>
-        <a:xfrm>
-          <a:off x="0" y="0"/>
-          <a:ext cx="0" cy="0"/>
-          <a:chOff x="0" y="0"/>
-          <a:chExt cx="0" cy="0"/>
-        </a:xfrm>
-      </p:grpSpPr>
-      <p:sp>
-        <p:nvSpPr>
-          <p:cNvPr id="139" name="Google Shape;139;p24"/>
-          <p:cNvSpPr txBox="1"/>
-          <p:nvPr/>
-        </p:nvSpPr>
-        <p:spPr>
-          <a:xfrm>
-            <a:off x="55075" y="52750"/>
-            <a:ext cx="4453200" cy="326400"/>
-          </a:xfrm>
-          <a:prstGeom prst="rect">
-            <a:avLst/>
-          </a:prstGeom>
-          <a:noFill/>
-          <a:ln>
-            <a:noFill/>
-          </a:ln>
-        </p:spPr>
-        <p:txBody>
-          <a:bodyPr spcFirstLastPara="1" wrap="square" lIns="9125" tIns="9125" rIns="9125" bIns="9125" anchor="t" anchorCtr="0">
-            <a:spAutoFit/>
-          </a:bodyPr>
-          <a:lstStyle/>
-          <a:p>
-            <a:pPr marL="0" marR="0" lvl="0" indent="0" algn="l" rtl="0">
-              <a:lnSpc>
-                <a:spcPct val="100000"/>
-              </a:lnSpc>
-              <a:spcBef>
-                <a:spcPts val="0"/>
-              </a:spcBef>
-              <a:spcAft>
-                <a:spcPts val="0"/>
-              </a:spcAft>
-              <a:buClr>
-                <a:schemeClr val="dk1"/>
-              </a:buClr>
-              <a:buSzPts val="1100"/>
-              <a:buFont typeface="Arial"/>
-              <a:buNone/>
-            </a:pPr>
-            <a:r>
-              <a:rPr lang="en" sz="2000" b="1">
-                <a:solidFill>
-                  <a:schemeClr val="dk1"/>
-                </a:solidFill>
-                <a:latin typeface="Calibri"/>
-                <a:ea typeface="Calibri"/>
-                <a:cs typeface="Calibri"/>
-                <a:sym typeface="Calibri"/>
-              </a:rPr>
-              <a:t>Nvidia Nemotron Models</a:t>
-            </a:r>
-            <a:endParaRPr sz="2000" b="1" i="0" u="none" strike="noStrike" cap="none">
-              <a:solidFill>
-                <a:schemeClr val="dk1"/>
-              </a:solidFill>
-              <a:latin typeface="Calibri"/>
-              <a:ea typeface="Calibri"/>
-              <a:cs typeface="Calibri"/>
-              <a:sym typeface="Calibri"/>
-            </a:endParaRPr>
-          </a:p>
-        </p:txBody>
-      </p:sp>
-      <p:sp>
-        <p:nvSpPr>
-          <p:cNvPr id="140" name="Google Shape;140;p24"/>
-          <p:cNvSpPr txBox="1"/>
-          <p:nvPr/>
-        </p:nvSpPr>
-        <p:spPr>
-          <a:xfrm>
-            <a:off x="140800" y="578375"/>
-            <a:ext cx="5020500" cy="2789100"/>
-          </a:xfrm>
-          <a:prstGeom prst="rect">
-            <a:avLst/>
-          </a:prstGeom>
-          <a:solidFill>
-            <a:srgbClr val="FFF2CC"/>
-          </a:solidFill>
-          <a:ln w="9525" cap="flat" cmpd="sng">
-            <a:solidFill>
-              <a:srgbClr val="FF0000"/>
-            </a:solidFill>
-            <a:prstDash val="solid"/>
-            <a:round/>
-            <a:headEnd type="none" w="sm" len="sm"/>
-            <a:tailEnd type="none" w="sm" len="sm"/>
-          </a:ln>
-        </p:spPr>
-        <p:txBody>
-          <a:bodyPr spcFirstLastPara="1" wrap="square" lIns="9125" tIns="9125" rIns="9125" bIns="9125" anchor="t" anchorCtr="0">
-            <a:spAutoFit/>
-          </a:bodyPr>
-          <a:lstStyle/>
-          <a:p>
-            <a:pPr marL="171450" marR="0" lvl="0" indent="-133350" algn="l" rtl="0">
-              <a:lnSpc>
-                <a:spcPct val="100000"/>
-              </a:lnSpc>
-              <a:spcBef>
-                <a:spcPts val="0"/>
-              </a:spcBef>
-              <a:spcAft>
-                <a:spcPts val="0"/>
-              </a:spcAft>
-              <a:buClr>
-                <a:srgbClr val="FF0000"/>
-              </a:buClr>
-              <a:buSzPts val="1200"/>
-              <a:buFont typeface="Calibri"/>
-              <a:buChar char="●"/>
-            </a:pPr>
-            <a:r>
-              <a:rPr lang="en" sz="1200" b="1">
-                <a:solidFill>
-                  <a:srgbClr val="FF0000"/>
-                </a:solidFill>
-                <a:latin typeface="Calibri"/>
-                <a:ea typeface="Calibri"/>
-                <a:cs typeface="Calibri"/>
-                <a:sym typeface="Calibri"/>
-              </a:rPr>
-              <a:t>Nvidia Nemotron models</a:t>
-            </a:r>
-            <a:endParaRPr sz="1200" b="1">
-              <a:solidFill>
-                <a:srgbClr val="FF0000"/>
-              </a:solidFill>
-              <a:latin typeface="Calibri"/>
-              <a:ea typeface="Calibri"/>
-              <a:cs typeface="Calibri"/>
-              <a:sym typeface="Calibri"/>
-            </a:endParaRPr>
-          </a:p>
-          <a:p>
-            <a:pPr marL="400050" marR="0" lvl="1" indent="-133350" algn="l" rtl="0">
-              <a:lnSpc>
-                <a:spcPct val="100000"/>
-              </a:lnSpc>
-              <a:spcBef>
-                <a:spcPts val="0"/>
-              </a:spcBef>
-              <a:spcAft>
-                <a:spcPts val="0"/>
-              </a:spcAft>
-              <a:buClr>
-                <a:schemeClr val="dk1"/>
-              </a:buClr>
-              <a:buSzPts val="1200"/>
-              <a:buFont typeface="Calibri"/>
-              <a:buChar char="○"/>
-            </a:pPr>
-            <a:r>
-              <a:rPr lang="en" sz="1200">
-                <a:solidFill>
-                  <a:schemeClr val="dk1"/>
-                </a:solidFill>
-                <a:latin typeface="Calibri"/>
-                <a:ea typeface="Calibri"/>
-                <a:cs typeface="Calibri"/>
-                <a:sym typeface="Calibri"/>
-              </a:rPr>
-              <a:t>Llama-3.1-Nemotron-Nano-4B-v1.1 - 128Ktokens, reasoning</a:t>
-            </a:r>
-            <a:endParaRPr sz="1200">
-              <a:solidFill>
-                <a:schemeClr val="dk1"/>
-              </a:solidFill>
-              <a:latin typeface="Calibri"/>
-              <a:ea typeface="Calibri"/>
-              <a:cs typeface="Calibri"/>
-              <a:sym typeface="Calibri"/>
-            </a:endParaRPr>
-          </a:p>
-          <a:p>
-            <a:pPr marL="400050" marR="0" lvl="1" indent="-133350" algn="l" rtl="0">
-              <a:lnSpc>
-                <a:spcPct val="100000"/>
-              </a:lnSpc>
-              <a:spcBef>
-                <a:spcPts val="0"/>
-              </a:spcBef>
-              <a:spcAft>
-                <a:spcPts val="0"/>
-              </a:spcAft>
-              <a:buClr>
-                <a:schemeClr val="dk1"/>
-              </a:buClr>
-              <a:buSzPts val="1200"/>
-              <a:buFont typeface="Calibri"/>
-              <a:buChar char="○"/>
-            </a:pPr>
-            <a:r>
-              <a:rPr lang="en" sz="1200">
-                <a:solidFill>
-                  <a:schemeClr val="dk1"/>
-                </a:solidFill>
-                <a:latin typeface="Calibri"/>
-                <a:ea typeface="Calibri"/>
-                <a:cs typeface="Calibri"/>
-                <a:sym typeface="Calibri"/>
-              </a:rPr>
-              <a:t>Llama-3.1-Nemotron-Nano-8B-v1 - 128Ktokens, reasoning</a:t>
-            </a:r>
-            <a:endParaRPr sz="1200">
-              <a:solidFill>
-                <a:schemeClr val="dk1"/>
-              </a:solidFill>
-              <a:latin typeface="Calibri"/>
-              <a:ea typeface="Calibri"/>
-              <a:cs typeface="Calibri"/>
-              <a:sym typeface="Calibri"/>
-            </a:endParaRPr>
-          </a:p>
-          <a:p>
-            <a:pPr marL="400050" marR="0" lvl="1" indent="-133350" algn="l" rtl="0">
-              <a:lnSpc>
-                <a:spcPct val="100000"/>
-              </a:lnSpc>
-              <a:spcBef>
-                <a:spcPts val="0"/>
-              </a:spcBef>
-              <a:spcAft>
-                <a:spcPts val="0"/>
-              </a:spcAft>
-              <a:buClr>
-                <a:schemeClr val="dk1"/>
-              </a:buClr>
-              <a:buSzPts val="1200"/>
-              <a:buFont typeface="Calibri"/>
-              <a:buChar char="○"/>
-            </a:pPr>
-            <a:r>
-              <a:rPr lang="en" sz="1200">
-                <a:solidFill>
-                  <a:schemeClr val="dk1"/>
-                </a:solidFill>
-                <a:latin typeface="Calibri"/>
-                <a:ea typeface="Calibri"/>
-                <a:cs typeface="Calibri"/>
-                <a:sym typeface="Calibri"/>
-              </a:rPr>
-              <a:t>Llama-3.1-Nemotron-70B-Instruct - reasoning</a:t>
-            </a:r>
-            <a:endParaRPr sz="1200">
-              <a:solidFill>
-                <a:schemeClr val="dk1"/>
-              </a:solidFill>
-              <a:latin typeface="Calibri"/>
-              <a:ea typeface="Calibri"/>
-              <a:cs typeface="Calibri"/>
-              <a:sym typeface="Calibri"/>
-            </a:endParaRPr>
-          </a:p>
-          <a:p>
-            <a:pPr marL="400050" marR="0" lvl="1" indent="-133350" algn="l" rtl="0">
-              <a:lnSpc>
-                <a:spcPct val="100000"/>
-              </a:lnSpc>
-              <a:spcBef>
-                <a:spcPts val="0"/>
-              </a:spcBef>
-              <a:spcAft>
-                <a:spcPts val="0"/>
-              </a:spcAft>
-              <a:buClr>
-                <a:schemeClr val="dk1"/>
-              </a:buClr>
-              <a:buSzPts val="1200"/>
-              <a:buFont typeface="Calibri"/>
-              <a:buChar char="○"/>
-            </a:pPr>
-            <a:r>
-              <a:rPr lang="en" sz="1200">
-                <a:solidFill>
-                  <a:schemeClr val="dk1"/>
-                </a:solidFill>
-                <a:latin typeface="Calibri"/>
-                <a:ea typeface="Calibri"/>
-                <a:cs typeface="Calibri"/>
-                <a:sym typeface="Calibri"/>
-              </a:rPr>
-              <a:t>Llama Nemotron Feedback-Edit - for enterprise use</a:t>
-            </a:r>
-            <a:endParaRPr sz="1200">
-              <a:solidFill>
-                <a:schemeClr val="dk1"/>
-              </a:solidFill>
-              <a:latin typeface="Calibri"/>
-              <a:ea typeface="Calibri"/>
-              <a:cs typeface="Calibri"/>
-              <a:sym typeface="Calibri"/>
-            </a:endParaRPr>
-          </a:p>
-          <a:p>
-            <a:pPr marL="400050" marR="0" lvl="1" indent="-133350" algn="l" rtl="0">
-              <a:lnSpc>
-                <a:spcPct val="100000"/>
-              </a:lnSpc>
-              <a:spcBef>
-                <a:spcPts val="0"/>
-              </a:spcBef>
-              <a:spcAft>
-                <a:spcPts val="0"/>
-              </a:spcAft>
-              <a:buClr>
-                <a:schemeClr val="dk1"/>
-              </a:buClr>
-              <a:buSzPts val="1200"/>
-              <a:buFont typeface="Calibri"/>
-              <a:buChar char="○"/>
-            </a:pPr>
-            <a:r>
-              <a:rPr lang="en" sz="1200">
-                <a:solidFill>
-                  <a:schemeClr val="dk1"/>
-                </a:solidFill>
-                <a:latin typeface="Calibri"/>
-                <a:ea typeface="Calibri"/>
-                <a:cs typeface="Calibri"/>
-                <a:sym typeface="Calibri"/>
-              </a:rPr>
-              <a:t>Llama Nemotron UltraLong - ultra long context for enterprise AI agents.</a:t>
-            </a:r>
-            <a:endParaRPr sz="1200">
-              <a:solidFill>
-                <a:schemeClr val="dk1"/>
-              </a:solidFill>
-              <a:latin typeface="Calibri"/>
-              <a:ea typeface="Calibri"/>
-              <a:cs typeface="Calibri"/>
-              <a:sym typeface="Calibri"/>
-            </a:endParaRPr>
-          </a:p>
-          <a:p>
-            <a:pPr marL="400050" marR="0" lvl="1" indent="-133350" algn="l" rtl="0">
-              <a:lnSpc>
-                <a:spcPct val="100000"/>
-              </a:lnSpc>
-              <a:spcBef>
-                <a:spcPts val="0"/>
-              </a:spcBef>
-              <a:spcAft>
-                <a:spcPts val="0"/>
-              </a:spcAft>
-              <a:buClr>
-                <a:schemeClr val="dk1"/>
-              </a:buClr>
-              <a:buSzPts val="1200"/>
-              <a:buFont typeface="Calibri"/>
-              <a:buChar char="○"/>
-            </a:pPr>
-            <a:r>
-              <a:rPr lang="en" sz="1200">
-                <a:solidFill>
-                  <a:schemeClr val="dk1"/>
-                </a:solidFill>
-                <a:latin typeface="Calibri"/>
-                <a:ea typeface="Calibri"/>
-                <a:cs typeface="Calibri"/>
-                <a:sym typeface="Calibri"/>
-              </a:rPr>
-              <a:t>Nemotron-H-56B-Base-8K - hybrid (Mamba-2, MLP, 10 Attention layers), 8Ktokens</a:t>
-            </a:r>
-            <a:endParaRPr sz="1200">
-              <a:solidFill>
-                <a:schemeClr val="dk1"/>
-              </a:solidFill>
-              <a:latin typeface="Calibri"/>
-              <a:ea typeface="Calibri"/>
-              <a:cs typeface="Calibri"/>
-              <a:sym typeface="Calibri"/>
-            </a:endParaRPr>
-          </a:p>
-          <a:p>
-            <a:pPr marL="400050" marR="0" lvl="1" indent="-133350" algn="l" rtl="0">
-              <a:lnSpc>
-                <a:spcPct val="100000"/>
-              </a:lnSpc>
-              <a:spcBef>
-                <a:spcPts val="0"/>
-              </a:spcBef>
-              <a:spcAft>
-                <a:spcPts val="0"/>
-              </a:spcAft>
-              <a:buClr>
-                <a:schemeClr val="dk1"/>
-              </a:buClr>
-              <a:buSzPts val="1200"/>
-              <a:buFont typeface="Calibri"/>
-              <a:buChar char="○"/>
-            </a:pPr>
-            <a:r>
-              <a:rPr lang="en" sz="1200">
-                <a:solidFill>
-                  <a:schemeClr val="dk1"/>
-                </a:solidFill>
-                <a:latin typeface="Calibri"/>
-                <a:ea typeface="Calibri"/>
-                <a:cs typeface="Calibri"/>
-                <a:sym typeface="Calibri"/>
-              </a:rPr>
-              <a:t>Nemotron-3 8B - chat &amp; QA</a:t>
-            </a:r>
-            <a:endParaRPr sz="1200">
-              <a:solidFill>
-                <a:schemeClr val="dk1"/>
-              </a:solidFill>
-              <a:latin typeface="Calibri"/>
-              <a:ea typeface="Calibri"/>
-              <a:cs typeface="Calibri"/>
-              <a:sym typeface="Calibri"/>
-            </a:endParaRPr>
-          </a:p>
-          <a:p>
-            <a:pPr marL="400050" marR="0" lvl="1" indent="-133350" algn="l" rtl="0">
-              <a:lnSpc>
-                <a:spcPct val="100000"/>
-              </a:lnSpc>
-              <a:spcBef>
-                <a:spcPts val="0"/>
-              </a:spcBef>
-              <a:spcAft>
-                <a:spcPts val="0"/>
-              </a:spcAft>
-              <a:buClr>
-                <a:schemeClr val="dk1"/>
-              </a:buClr>
-              <a:buSzPts val="1200"/>
-              <a:buFont typeface="Calibri"/>
-              <a:buChar char="○"/>
-            </a:pPr>
-            <a:r>
-              <a:rPr lang="en" sz="1200">
-                <a:solidFill>
-                  <a:schemeClr val="dk1"/>
-                </a:solidFill>
-                <a:latin typeface="Calibri"/>
-                <a:ea typeface="Calibri"/>
-                <a:cs typeface="Calibri"/>
-                <a:sym typeface="Calibri"/>
-              </a:rPr>
-              <a:t>Nemotron 253B v1 - outperforms DeepSeek R1 and Llama 4</a:t>
-            </a:r>
-            <a:endParaRPr sz="1200">
-              <a:solidFill>
-                <a:schemeClr val="dk1"/>
-              </a:solidFill>
-              <a:latin typeface="Calibri"/>
-              <a:ea typeface="Calibri"/>
-              <a:cs typeface="Calibri"/>
-              <a:sym typeface="Calibri"/>
-            </a:endParaRPr>
-          </a:p>
-          <a:p>
-            <a:pPr marL="400050" marR="0" lvl="1" indent="-133350" algn="l" rtl="0">
-              <a:lnSpc>
-                <a:spcPct val="100000"/>
-              </a:lnSpc>
-              <a:spcBef>
-                <a:spcPts val="0"/>
-              </a:spcBef>
-              <a:spcAft>
-                <a:spcPts val="0"/>
-              </a:spcAft>
-              <a:buClr>
-                <a:schemeClr val="dk1"/>
-              </a:buClr>
-              <a:buSzPts val="1200"/>
-              <a:buFont typeface="Calibri"/>
-              <a:buChar char="○"/>
-            </a:pPr>
-            <a:r>
-              <a:rPr lang="en" sz="1200">
-                <a:solidFill>
-                  <a:schemeClr val="dk1"/>
-                </a:solidFill>
-                <a:latin typeface="Calibri"/>
-                <a:ea typeface="Calibri"/>
-                <a:cs typeface="Calibri"/>
-                <a:sym typeface="Calibri"/>
-              </a:rPr>
-              <a:t>Nemotron 4 340B</a:t>
-            </a:r>
-            <a:endParaRPr sz="1200">
-              <a:solidFill>
-                <a:schemeClr val="dk1"/>
-              </a:solidFill>
-              <a:latin typeface="Calibri"/>
-              <a:ea typeface="Calibri"/>
-              <a:cs typeface="Calibri"/>
-              <a:sym typeface="Calibri"/>
-            </a:endParaRPr>
-          </a:p>
-          <a:p>
-            <a:pPr marL="400050" marR="0" lvl="1" indent="-133350" algn="l" rtl="0">
-              <a:lnSpc>
-                <a:spcPct val="100000"/>
-              </a:lnSpc>
-              <a:spcBef>
-                <a:spcPts val="0"/>
-              </a:spcBef>
-              <a:spcAft>
-                <a:spcPts val="0"/>
-              </a:spcAft>
-              <a:buClr>
-                <a:schemeClr val="dk1"/>
-              </a:buClr>
-              <a:buSzPts val="1200"/>
-              <a:buFont typeface="Calibri"/>
-              <a:buChar char="○"/>
-            </a:pPr>
-            <a:r>
-              <a:rPr lang="en" sz="1200">
-                <a:solidFill>
-                  <a:schemeClr val="dk1"/>
-                </a:solidFill>
-                <a:latin typeface="Calibri"/>
-                <a:ea typeface="Calibri"/>
-                <a:cs typeface="Calibri"/>
-                <a:sym typeface="Calibri"/>
-              </a:rPr>
-              <a:t>AceReason-Nemotron-14B - math and code reasoning</a:t>
-            </a:r>
-            <a:endParaRPr sz="1200">
-              <a:solidFill>
-                <a:schemeClr val="dk1"/>
-              </a:solidFill>
-              <a:latin typeface="Calibri"/>
-              <a:ea typeface="Calibri"/>
-              <a:cs typeface="Calibri"/>
-              <a:sym typeface="Calibri"/>
-            </a:endParaRPr>
-          </a:p>
-          <a:p>
-            <a:pPr marL="400050" marR="0" lvl="1" indent="-133350" algn="l" rtl="0">
-              <a:lnSpc>
-                <a:spcPct val="100000"/>
-              </a:lnSpc>
-              <a:spcBef>
-                <a:spcPts val="0"/>
-              </a:spcBef>
-              <a:spcAft>
-                <a:spcPts val="0"/>
-              </a:spcAft>
-              <a:buClr>
-                <a:schemeClr val="dk1"/>
-              </a:buClr>
-              <a:buSzPts val="1200"/>
-              <a:buFont typeface="Calibri"/>
-              <a:buChar char="○"/>
-            </a:pPr>
-            <a:r>
-              <a:rPr lang="en" sz="1200">
-                <a:solidFill>
-                  <a:schemeClr val="dk1"/>
-                </a:solidFill>
-                <a:latin typeface="Calibri"/>
-                <a:ea typeface="Calibri"/>
-                <a:cs typeface="Calibri"/>
-                <a:sym typeface="Calibri"/>
-              </a:rPr>
-              <a:t>AceReason-Nemotron-7B - similar to 14B version</a:t>
-            </a:r>
-            <a:endParaRPr sz="1200">
-              <a:solidFill>
-                <a:schemeClr val="dk1"/>
-              </a:solidFill>
-              <a:latin typeface="Calibri"/>
-              <a:ea typeface="Calibri"/>
-              <a:cs typeface="Calibri"/>
-              <a:sym typeface="Calibri"/>
-            </a:endParaRPr>
-          </a:p>
-          <a:p>
-            <a:pPr marL="171450" marR="0" lvl="0" indent="-133350" algn="l" rtl="0">
-              <a:lnSpc>
-                <a:spcPct val="100000"/>
-              </a:lnSpc>
-              <a:spcBef>
-                <a:spcPts val="0"/>
-              </a:spcBef>
-              <a:spcAft>
-                <a:spcPts val="0"/>
-              </a:spcAft>
-              <a:buClr>
-                <a:schemeClr val="dk1"/>
-              </a:buClr>
-              <a:buSzPts val="1200"/>
-              <a:buFont typeface="Calibri"/>
-              <a:buChar char="●"/>
-            </a:pPr>
-            <a:r>
-              <a:rPr lang="en" sz="1200" u="sng">
-                <a:solidFill>
-                  <a:schemeClr val="hlink"/>
-                </a:solidFill>
-                <a:latin typeface="Calibri"/>
-                <a:ea typeface="Calibri"/>
-                <a:cs typeface="Calibri"/>
-                <a:sym typeface="Calibri"/>
-                <a:hlinkClick r:id="rId3"/>
-              </a:rPr>
-              <a:t>https://huggingface.co/nvidia/AceReason-Nemotron-14B</a:t>
-            </a:r>
-            <a:endParaRPr sz="1200">
-              <a:solidFill>
-                <a:schemeClr val="dk1"/>
-              </a:solidFill>
-              <a:latin typeface="Calibri"/>
-              <a:ea typeface="Calibri"/>
-              <a:cs typeface="Calibri"/>
-              <a:sym typeface="Calibri"/>
-            </a:endParaRPr>
-          </a:p>
-          <a:p>
-            <a:pPr marL="171450" marR="0" lvl="0" indent="-133350" algn="l" rtl="0">
-              <a:lnSpc>
-                <a:spcPct val="100000"/>
-              </a:lnSpc>
-              <a:spcBef>
-                <a:spcPts val="0"/>
-              </a:spcBef>
-              <a:spcAft>
-                <a:spcPts val="0"/>
-              </a:spcAft>
-              <a:buClr>
-                <a:schemeClr val="dk1"/>
-              </a:buClr>
-              <a:buSzPts val="1200"/>
-              <a:buFont typeface="Calibri"/>
-              <a:buChar char="●"/>
-            </a:pPr>
-            <a:r>
-              <a:rPr lang="en" sz="1200" u="sng">
-                <a:solidFill>
-                  <a:schemeClr val="hlink"/>
-                </a:solidFill>
-                <a:latin typeface="Calibri"/>
-                <a:ea typeface="Calibri"/>
-                <a:cs typeface="Calibri"/>
-                <a:sym typeface="Calibri"/>
-                <a:hlinkClick r:id="rId4"/>
-              </a:rPr>
-              <a:t>https://huggingface.co/nvidia/Llama-3.1-Nemotron-Nano-4B-v1.1</a:t>
-            </a:r>
-            <a:r>
-              <a:rPr lang="en" sz="1200">
-                <a:solidFill>
-                  <a:schemeClr val="dk1"/>
-                </a:solidFill>
-                <a:latin typeface="Calibri"/>
-                <a:ea typeface="Calibri"/>
-                <a:cs typeface="Calibri"/>
-                <a:sym typeface="Calibri"/>
-              </a:rPr>
-              <a:t> </a:t>
-            </a:r>
-            <a:endParaRPr sz="1200">
-              <a:solidFill>
-                <a:schemeClr val="dk1"/>
-              </a:solidFill>
-              <a:latin typeface="Calibri"/>
-              <a:ea typeface="Calibri"/>
-              <a:cs typeface="Calibri"/>
-              <a:sym typeface="Calibri"/>
-            </a:endParaRPr>
-          </a:p>
-        </p:txBody>
-      </p:sp>
       <p:pic>
         <p:nvPicPr>
-          <p:cNvPr id="141" name="Google Shape;141;p24"/>
+          <p:cNvPr id="168" name="Google Shape;168;p25"/>
           <p:cNvPicPr preferRelativeResize="0"/>
           <p:nvPr/>
         </p:nvPicPr>
         <p:blipFill>
-          <a:blip r:embed="rId5" cstate="email">
+          <a:blip r:embed="rId4" cstate="email">
             <a:alphaModFix/>
             <a:extLst>
               <a:ext uri="{28A0092B-C50C-407E-A947-70E740481C1C}">
@@ -15045,8 +15708,8 @@
         </p:blipFill>
         <p:spPr>
           <a:xfrm>
-            <a:off x="5277975" y="578375"/>
-            <a:ext cx="3677900" cy="2069489"/>
+            <a:off x="4807625" y="167096"/>
+            <a:ext cx="2581625" cy="2156324"/>
           </a:xfrm>
           <a:prstGeom prst="rect">
             <a:avLst/>
@@ -15076,7 +15739,7 @@
   <p:cSld>
     <p:spTree>
       <p:nvGrpSpPr>
-        <p:cNvPr id="1" name="Shape 145"/>
+        <p:cNvPr id="1" name="Shape 172"/>
         <p:cNvGrpSpPr/>
         <p:nvPr/>
       </p:nvGrpSpPr>
@@ -15090,7 +15753,7 @@
       </p:grpSpPr>
       <p:sp>
         <p:nvSpPr>
-          <p:cNvPr id="146" name="Google Shape;146;p25"/>
+          <p:cNvPr id="173" name="Google Shape;173;p26"/>
           <p:cNvSpPr txBox="1"/>
           <p:nvPr/>
         </p:nvSpPr>
@@ -15140,7 +15803,7 @@
                 <a:cs typeface="Calibri"/>
                 <a:sym typeface="Calibri"/>
               </a:rPr>
-              <a:t>Augmentcode - coding assistant</a:t>
+              <a:t>Nvidia Nemotron Models</a:t>
             </a:r>
             <a:endParaRPr sz="2000" b="1" i="0" u="none" strike="noStrike" cap="none">
               <a:solidFill>
@@ -15156,7 +15819,877 @@
       </p:sp>
       <p:sp>
         <p:nvSpPr>
-          <p:cNvPr id="147" name="Google Shape;147;p25"/>
+          <p:cNvPr id="174" name="Google Shape;174;p26"/>
+          <p:cNvSpPr txBox="1"/>
+          <p:nvPr/>
+        </p:nvSpPr>
+        <p:spPr>
+          <a:xfrm>
+            <a:off x="140800" y="578375"/>
+            <a:ext cx="5020500" cy="3897300"/>
+          </a:xfrm>
+          <a:prstGeom prst="rect">
+            <a:avLst/>
+          </a:prstGeom>
+          <a:solidFill>
+            <a:srgbClr val="FFF2CC"/>
+          </a:solidFill>
+          <a:ln w="9525" cap="flat" cmpd="sng">
+            <a:solidFill>
+              <a:srgbClr val="FF0000"/>
+            </a:solidFill>
+            <a:prstDash val="solid"/>
+            <a:round/>
+            <a:headEnd type="none" w="sm" len="sm"/>
+            <a:tailEnd type="none" w="sm" len="sm"/>
+          </a:ln>
+        </p:spPr>
+        <p:txBody>
+          <a:bodyPr spcFirstLastPara="1" wrap="square" lIns="9125" tIns="9125" rIns="9125" bIns="9125" anchor="t" anchorCtr="0">
+            <a:spAutoFit/>
+          </a:bodyPr>
+          <a:lstStyle/>
+          <a:p>
+            <a:pPr marL="171450" marR="0" lvl="0" indent="-133350" algn="l" rtl="0">
+              <a:lnSpc>
+                <a:spcPct val="100000"/>
+              </a:lnSpc>
+              <a:spcBef>
+                <a:spcPts val="0"/>
+              </a:spcBef>
+              <a:spcAft>
+                <a:spcPts val="0"/>
+              </a:spcAft>
+              <a:buClr>
+                <a:srgbClr val="FF0000"/>
+              </a:buClr>
+              <a:buSzPts val="1200"/>
+              <a:buFont typeface="Calibri"/>
+              <a:buChar char="●"/>
+            </a:pPr>
+            <a:r>
+              <a:rPr lang="en" sz="1200" b="1">
+                <a:solidFill>
+                  <a:srgbClr val="FF0000"/>
+                </a:solidFill>
+                <a:latin typeface="Calibri"/>
+                <a:ea typeface="Calibri"/>
+                <a:cs typeface="Calibri"/>
+                <a:sym typeface="Calibri"/>
+              </a:rPr>
+              <a:t>Nvidia Nemotron models</a:t>
+            </a:r>
+            <a:endParaRPr sz="1200" b="1">
+              <a:solidFill>
+                <a:srgbClr val="FF0000"/>
+              </a:solidFill>
+              <a:latin typeface="Calibri"/>
+              <a:ea typeface="Calibri"/>
+              <a:cs typeface="Calibri"/>
+              <a:sym typeface="Calibri"/>
+            </a:endParaRPr>
+          </a:p>
+          <a:p>
+            <a:pPr marL="400050" marR="0" lvl="1" indent="-133350" algn="l" rtl="0">
+              <a:lnSpc>
+                <a:spcPct val="100000"/>
+              </a:lnSpc>
+              <a:spcBef>
+                <a:spcPts val="0"/>
+              </a:spcBef>
+              <a:spcAft>
+                <a:spcPts val="0"/>
+              </a:spcAft>
+              <a:buClr>
+                <a:schemeClr val="dk1"/>
+              </a:buClr>
+              <a:buSzPts val="1200"/>
+              <a:buFont typeface="Calibri"/>
+              <a:buChar char="○"/>
+            </a:pPr>
+            <a:r>
+              <a:rPr lang="en" sz="1200">
+                <a:solidFill>
+                  <a:schemeClr val="dk1"/>
+                </a:solidFill>
+                <a:latin typeface="Calibri"/>
+                <a:ea typeface="Calibri"/>
+                <a:cs typeface="Calibri"/>
+                <a:sym typeface="Calibri"/>
+              </a:rPr>
+              <a:t>Llama-3.1-Nemotron-Nano-4B-v1.1 - 128Ktokens, reasoning</a:t>
+            </a:r>
+            <a:endParaRPr sz="1200">
+              <a:solidFill>
+                <a:schemeClr val="dk1"/>
+              </a:solidFill>
+              <a:latin typeface="Calibri"/>
+              <a:ea typeface="Calibri"/>
+              <a:cs typeface="Calibri"/>
+              <a:sym typeface="Calibri"/>
+            </a:endParaRPr>
+          </a:p>
+          <a:p>
+            <a:pPr marL="400050" marR="0" lvl="1" indent="-133350" algn="l" rtl="0">
+              <a:lnSpc>
+                <a:spcPct val="100000"/>
+              </a:lnSpc>
+              <a:spcBef>
+                <a:spcPts val="0"/>
+              </a:spcBef>
+              <a:spcAft>
+                <a:spcPts val="0"/>
+              </a:spcAft>
+              <a:buClr>
+                <a:schemeClr val="dk1"/>
+              </a:buClr>
+              <a:buSzPts val="1200"/>
+              <a:buFont typeface="Calibri"/>
+              <a:buChar char="○"/>
+            </a:pPr>
+            <a:r>
+              <a:rPr lang="en" sz="1200">
+                <a:solidFill>
+                  <a:schemeClr val="dk1"/>
+                </a:solidFill>
+                <a:latin typeface="Calibri"/>
+                <a:ea typeface="Calibri"/>
+                <a:cs typeface="Calibri"/>
+                <a:sym typeface="Calibri"/>
+              </a:rPr>
+              <a:t>Llama-3.1-Nemotron-Nano-8B-v1 - 128Ktokens, reasoning</a:t>
+            </a:r>
+            <a:endParaRPr sz="1200">
+              <a:solidFill>
+                <a:schemeClr val="dk1"/>
+              </a:solidFill>
+              <a:latin typeface="Calibri"/>
+              <a:ea typeface="Calibri"/>
+              <a:cs typeface="Calibri"/>
+              <a:sym typeface="Calibri"/>
+            </a:endParaRPr>
+          </a:p>
+          <a:p>
+            <a:pPr marL="400050" marR="0" lvl="1" indent="-133350" algn="l" rtl="0">
+              <a:lnSpc>
+                <a:spcPct val="100000"/>
+              </a:lnSpc>
+              <a:spcBef>
+                <a:spcPts val="0"/>
+              </a:spcBef>
+              <a:spcAft>
+                <a:spcPts val="0"/>
+              </a:spcAft>
+              <a:buClr>
+                <a:schemeClr val="dk1"/>
+              </a:buClr>
+              <a:buSzPts val="1200"/>
+              <a:buFont typeface="Calibri"/>
+              <a:buChar char="○"/>
+            </a:pPr>
+            <a:r>
+              <a:rPr lang="en" sz="1200">
+                <a:solidFill>
+                  <a:schemeClr val="dk1"/>
+                </a:solidFill>
+                <a:latin typeface="Calibri"/>
+                <a:ea typeface="Calibri"/>
+                <a:cs typeface="Calibri"/>
+                <a:sym typeface="Calibri"/>
+              </a:rPr>
+              <a:t>Llama-3.1-Nemotron-70B-Instruct - reasoning</a:t>
+            </a:r>
+            <a:endParaRPr sz="1200">
+              <a:solidFill>
+                <a:schemeClr val="dk1"/>
+              </a:solidFill>
+              <a:latin typeface="Calibri"/>
+              <a:ea typeface="Calibri"/>
+              <a:cs typeface="Calibri"/>
+              <a:sym typeface="Calibri"/>
+            </a:endParaRPr>
+          </a:p>
+          <a:p>
+            <a:pPr marL="400050" marR="0" lvl="1" indent="-133350" algn="l" rtl="0">
+              <a:lnSpc>
+                <a:spcPct val="100000"/>
+              </a:lnSpc>
+              <a:spcBef>
+                <a:spcPts val="0"/>
+              </a:spcBef>
+              <a:spcAft>
+                <a:spcPts val="0"/>
+              </a:spcAft>
+              <a:buClr>
+                <a:schemeClr val="dk1"/>
+              </a:buClr>
+              <a:buSzPts val="1200"/>
+              <a:buFont typeface="Calibri"/>
+              <a:buChar char="○"/>
+            </a:pPr>
+            <a:r>
+              <a:rPr lang="en" sz="1200">
+                <a:solidFill>
+                  <a:schemeClr val="dk1"/>
+                </a:solidFill>
+                <a:latin typeface="Calibri"/>
+                <a:ea typeface="Calibri"/>
+                <a:cs typeface="Calibri"/>
+                <a:sym typeface="Calibri"/>
+              </a:rPr>
+              <a:t>Llama Nemotron Feedback-Edit - for enterprise use</a:t>
+            </a:r>
+            <a:endParaRPr sz="1200">
+              <a:solidFill>
+                <a:schemeClr val="dk1"/>
+              </a:solidFill>
+              <a:latin typeface="Calibri"/>
+              <a:ea typeface="Calibri"/>
+              <a:cs typeface="Calibri"/>
+              <a:sym typeface="Calibri"/>
+            </a:endParaRPr>
+          </a:p>
+          <a:p>
+            <a:pPr marL="400050" marR="0" lvl="1" indent="-133350" algn="l" rtl="0">
+              <a:lnSpc>
+                <a:spcPct val="100000"/>
+              </a:lnSpc>
+              <a:spcBef>
+                <a:spcPts val="0"/>
+              </a:spcBef>
+              <a:spcAft>
+                <a:spcPts val="0"/>
+              </a:spcAft>
+              <a:buClr>
+                <a:schemeClr val="dk1"/>
+              </a:buClr>
+              <a:buSzPts val="1200"/>
+              <a:buFont typeface="Calibri"/>
+              <a:buChar char="○"/>
+            </a:pPr>
+            <a:r>
+              <a:rPr lang="en" sz="1200">
+                <a:solidFill>
+                  <a:schemeClr val="dk1"/>
+                </a:solidFill>
+                <a:latin typeface="Calibri"/>
+                <a:ea typeface="Calibri"/>
+                <a:cs typeface="Calibri"/>
+                <a:sym typeface="Calibri"/>
+              </a:rPr>
+              <a:t>Llama Nemotron UltraLong - ultra long context for enterprise AI agents.</a:t>
+            </a:r>
+            <a:endParaRPr sz="1200">
+              <a:solidFill>
+                <a:schemeClr val="dk1"/>
+              </a:solidFill>
+              <a:latin typeface="Calibri"/>
+              <a:ea typeface="Calibri"/>
+              <a:cs typeface="Calibri"/>
+              <a:sym typeface="Calibri"/>
+            </a:endParaRPr>
+          </a:p>
+          <a:p>
+            <a:pPr marL="400050" marR="0" lvl="1" indent="-133350" algn="l" rtl="0">
+              <a:lnSpc>
+                <a:spcPct val="100000"/>
+              </a:lnSpc>
+              <a:spcBef>
+                <a:spcPts val="0"/>
+              </a:spcBef>
+              <a:spcAft>
+                <a:spcPts val="0"/>
+              </a:spcAft>
+              <a:buClr>
+                <a:schemeClr val="dk1"/>
+              </a:buClr>
+              <a:buSzPts val="1200"/>
+              <a:buFont typeface="Calibri"/>
+              <a:buChar char="○"/>
+            </a:pPr>
+            <a:r>
+              <a:rPr lang="en" sz="1200">
+                <a:solidFill>
+                  <a:schemeClr val="dk1"/>
+                </a:solidFill>
+                <a:latin typeface="Calibri"/>
+                <a:ea typeface="Calibri"/>
+                <a:cs typeface="Calibri"/>
+                <a:sym typeface="Calibri"/>
+              </a:rPr>
+              <a:t>Nemotron-H-8B</a:t>
+            </a:r>
+            <a:endParaRPr sz="1200">
+              <a:solidFill>
+                <a:schemeClr val="dk1"/>
+              </a:solidFill>
+              <a:latin typeface="Calibri"/>
+              <a:ea typeface="Calibri"/>
+              <a:cs typeface="Calibri"/>
+              <a:sym typeface="Calibri"/>
+            </a:endParaRPr>
+          </a:p>
+          <a:p>
+            <a:pPr marL="400050" marR="0" lvl="1" indent="-133350" algn="l" rtl="0">
+              <a:lnSpc>
+                <a:spcPct val="100000"/>
+              </a:lnSpc>
+              <a:spcBef>
+                <a:spcPts val="0"/>
+              </a:spcBef>
+              <a:spcAft>
+                <a:spcPts val="0"/>
+              </a:spcAft>
+              <a:buClr>
+                <a:schemeClr val="dk1"/>
+              </a:buClr>
+              <a:buSzPts val="1200"/>
+              <a:buFont typeface="Calibri"/>
+              <a:buChar char="○"/>
+            </a:pPr>
+            <a:r>
+              <a:rPr lang="en" sz="1200">
+                <a:solidFill>
+                  <a:schemeClr val="dk1"/>
+                </a:solidFill>
+                <a:latin typeface="Calibri"/>
+                <a:ea typeface="Calibri"/>
+                <a:cs typeface="Calibri"/>
+                <a:sym typeface="Calibri"/>
+              </a:rPr>
+              <a:t>Nemotron-H-56B, Nemotron-H-56B-Base-8K - hybrid (Mamba-2, MLP, 10 Attention layers), 8Ktokens</a:t>
+            </a:r>
+            <a:endParaRPr sz="1200">
+              <a:solidFill>
+                <a:schemeClr val="dk1"/>
+              </a:solidFill>
+              <a:latin typeface="Calibri"/>
+              <a:ea typeface="Calibri"/>
+              <a:cs typeface="Calibri"/>
+              <a:sym typeface="Calibri"/>
+            </a:endParaRPr>
+          </a:p>
+          <a:p>
+            <a:pPr marL="400050" marR="0" lvl="1" indent="-133350" algn="l" rtl="0">
+              <a:lnSpc>
+                <a:spcPct val="100000"/>
+              </a:lnSpc>
+              <a:spcBef>
+                <a:spcPts val="0"/>
+              </a:spcBef>
+              <a:spcAft>
+                <a:spcPts val="0"/>
+              </a:spcAft>
+              <a:buClr>
+                <a:schemeClr val="dk1"/>
+              </a:buClr>
+              <a:buSzPts val="1200"/>
+              <a:buFont typeface="Calibri"/>
+              <a:buChar char="○"/>
+            </a:pPr>
+            <a:r>
+              <a:rPr lang="en" sz="1200">
+                <a:solidFill>
+                  <a:schemeClr val="dk1"/>
+                </a:solidFill>
+                <a:latin typeface="Calibri"/>
+                <a:ea typeface="Calibri"/>
+                <a:cs typeface="Calibri"/>
+                <a:sym typeface="Calibri"/>
+              </a:rPr>
+              <a:t>Nemotron-3 8B - chat &amp; QA</a:t>
+            </a:r>
+            <a:endParaRPr sz="1200">
+              <a:solidFill>
+                <a:schemeClr val="dk1"/>
+              </a:solidFill>
+              <a:latin typeface="Calibri"/>
+              <a:ea typeface="Calibri"/>
+              <a:cs typeface="Calibri"/>
+              <a:sym typeface="Calibri"/>
+            </a:endParaRPr>
+          </a:p>
+          <a:p>
+            <a:pPr marL="400050" marR="0" lvl="1" indent="-133350" algn="l" rtl="0">
+              <a:lnSpc>
+                <a:spcPct val="100000"/>
+              </a:lnSpc>
+              <a:spcBef>
+                <a:spcPts val="0"/>
+              </a:spcBef>
+              <a:spcAft>
+                <a:spcPts val="0"/>
+              </a:spcAft>
+              <a:buClr>
+                <a:schemeClr val="dk1"/>
+              </a:buClr>
+              <a:buSzPts val="1200"/>
+              <a:buFont typeface="Calibri"/>
+              <a:buChar char="○"/>
+            </a:pPr>
+            <a:r>
+              <a:rPr lang="en" sz="1200">
+                <a:solidFill>
+                  <a:schemeClr val="dk1"/>
+                </a:solidFill>
+                <a:latin typeface="Calibri"/>
+                <a:ea typeface="Calibri"/>
+                <a:cs typeface="Calibri"/>
+                <a:sym typeface="Calibri"/>
+              </a:rPr>
+              <a:t>Nemotron 253B v1 - outperforms DeepSeek R1 and Llama 4</a:t>
+            </a:r>
+            <a:endParaRPr sz="1200">
+              <a:solidFill>
+                <a:schemeClr val="dk1"/>
+              </a:solidFill>
+              <a:latin typeface="Calibri"/>
+              <a:ea typeface="Calibri"/>
+              <a:cs typeface="Calibri"/>
+              <a:sym typeface="Calibri"/>
+            </a:endParaRPr>
+          </a:p>
+          <a:p>
+            <a:pPr marL="400050" marR="0" lvl="1" indent="-133350" algn="l" rtl="0">
+              <a:lnSpc>
+                <a:spcPct val="100000"/>
+              </a:lnSpc>
+              <a:spcBef>
+                <a:spcPts val="0"/>
+              </a:spcBef>
+              <a:spcAft>
+                <a:spcPts val="0"/>
+              </a:spcAft>
+              <a:buClr>
+                <a:schemeClr val="dk1"/>
+              </a:buClr>
+              <a:buSzPts val="1200"/>
+              <a:buFont typeface="Calibri"/>
+              <a:buChar char="○"/>
+            </a:pPr>
+            <a:r>
+              <a:rPr lang="en" sz="1200">
+                <a:solidFill>
+                  <a:schemeClr val="dk1"/>
+                </a:solidFill>
+                <a:latin typeface="Calibri"/>
+                <a:ea typeface="Calibri"/>
+                <a:cs typeface="Calibri"/>
+                <a:sym typeface="Calibri"/>
+              </a:rPr>
+              <a:t>Nemotron-4 15B</a:t>
+            </a:r>
+            <a:endParaRPr sz="1200">
+              <a:solidFill>
+                <a:schemeClr val="dk1"/>
+              </a:solidFill>
+              <a:latin typeface="Calibri"/>
+              <a:ea typeface="Calibri"/>
+              <a:cs typeface="Calibri"/>
+              <a:sym typeface="Calibri"/>
+            </a:endParaRPr>
+          </a:p>
+          <a:p>
+            <a:pPr marL="400050" marR="0" lvl="1" indent="-133350" algn="l" rtl="0">
+              <a:lnSpc>
+                <a:spcPct val="100000"/>
+              </a:lnSpc>
+              <a:spcBef>
+                <a:spcPts val="0"/>
+              </a:spcBef>
+              <a:spcAft>
+                <a:spcPts val="0"/>
+              </a:spcAft>
+              <a:buClr>
+                <a:schemeClr val="dk1"/>
+              </a:buClr>
+              <a:buSzPts val="1200"/>
+              <a:buFont typeface="Calibri"/>
+              <a:buChar char="○"/>
+            </a:pPr>
+            <a:r>
+              <a:rPr lang="en" sz="1200">
+                <a:solidFill>
+                  <a:schemeClr val="dk1"/>
+                </a:solidFill>
+                <a:latin typeface="Calibri"/>
+                <a:ea typeface="Calibri"/>
+                <a:cs typeface="Calibri"/>
+                <a:sym typeface="Calibri"/>
+              </a:rPr>
+              <a:t>Nemotron-4 340B</a:t>
+            </a:r>
+            <a:endParaRPr sz="1200">
+              <a:solidFill>
+                <a:schemeClr val="dk1"/>
+              </a:solidFill>
+              <a:latin typeface="Calibri"/>
+              <a:ea typeface="Calibri"/>
+              <a:cs typeface="Calibri"/>
+              <a:sym typeface="Calibri"/>
+            </a:endParaRPr>
+          </a:p>
+          <a:p>
+            <a:pPr marL="400050" marR="0" lvl="1" indent="-133350" algn="l" rtl="0">
+              <a:lnSpc>
+                <a:spcPct val="100000"/>
+              </a:lnSpc>
+              <a:spcBef>
+                <a:spcPts val="0"/>
+              </a:spcBef>
+              <a:spcAft>
+                <a:spcPts val="0"/>
+              </a:spcAft>
+              <a:buClr>
+                <a:schemeClr val="dk1"/>
+              </a:buClr>
+              <a:buSzPts val="1200"/>
+              <a:buFont typeface="Calibri"/>
+              <a:buChar char="○"/>
+            </a:pPr>
+            <a:r>
+              <a:rPr lang="en" sz="1200">
+                <a:solidFill>
+                  <a:schemeClr val="dk1"/>
+                </a:solidFill>
+                <a:latin typeface="Calibri"/>
+                <a:ea typeface="Calibri"/>
+                <a:cs typeface="Calibri"/>
+                <a:sym typeface="Calibri"/>
+              </a:rPr>
+              <a:t>AceReason-Nemotron-14B - math and code reasoning</a:t>
+            </a:r>
+            <a:endParaRPr sz="1200">
+              <a:solidFill>
+                <a:schemeClr val="dk1"/>
+              </a:solidFill>
+              <a:latin typeface="Calibri"/>
+              <a:ea typeface="Calibri"/>
+              <a:cs typeface="Calibri"/>
+              <a:sym typeface="Calibri"/>
+            </a:endParaRPr>
+          </a:p>
+          <a:p>
+            <a:pPr marL="400050" marR="0" lvl="1" indent="-133350" algn="l" rtl="0">
+              <a:lnSpc>
+                <a:spcPct val="100000"/>
+              </a:lnSpc>
+              <a:spcBef>
+                <a:spcPts val="0"/>
+              </a:spcBef>
+              <a:spcAft>
+                <a:spcPts val="0"/>
+              </a:spcAft>
+              <a:buClr>
+                <a:schemeClr val="dk1"/>
+              </a:buClr>
+              <a:buSzPts val="1200"/>
+              <a:buFont typeface="Calibri"/>
+              <a:buChar char="○"/>
+            </a:pPr>
+            <a:r>
+              <a:rPr lang="en" sz="1200">
+                <a:solidFill>
+                  <a:schemeClr val="dk1"/>
+                </a:solidFill>
+                <a:latin typeface="Calibri"/>
+                <a:ea typeface="Calibri"/>
+                <a:cs typeface="Calibri"/>
+                <a:sym typeface="Calibri"/>
+              </a:rPr>
+              <a:t>AceReason-Nemotron-7B - similar to 14B version</a:t>
+            </a:r>
+            <a:endParaRPr sz="1200">
+              <a:solidFill>
+                <a:schemeClr val="dk1"/>
+              </a:solidFill>
+              <a:latin typeface="Calibri"/>
+              <a:ea typeface="Calibri"/>
+              <a:cs typeface="Calibri"/>
+              <a:sym typeface="Calibri"/>
+            </a:endParaRPr>
+          </a:p>
+          <a:p>
+            <a:pPr marL="400050" marR="0" lvl="1" indent="-133350" algn="l" rtl="0">
+              <a:lnSpc>
+                <a:spcPct val="100000"/>
+              </a:lnSpc>
+              <a:spcBef>
+                <a:spcPts val="0"/>
+              </a:spcBef>
+              <a:spcAft>
+                <a:spcPts val="0"/>
+              </a:spcAft>
+              <a:buClr>
+                <a:schemeClr val="dk1"/>
+              </a:buClr>
+              <a:buSzPts val="1200"/>
+              <a:buFont typeface="Calibri"/>
+              <a:buChar char="○"/>
+            </a:pPr>
+            <a:r>
+              <a:rPr lang="en" sz="1200">
+                <a:solidFill>
+                  <a:schemeClr val="dk1"/>
+                </a:solidFill>
+                <a:latin typeface="Calibri"/>
+                <a:ea typeface="Calibri"/>
+                <a:cs typeface="Calibri"/>
+                <a:sym typeface="Calibri"/>
+              </a:rPr>
+              <a:t>Nemotron-CORTEXA - reached the top of the SWEBench leaderboard, solving 68.2% of SWEBench GitHub issues by using a multi-step problem localization and repair process. Average inference cost of $3.28 per problem. Most probably it is built on top of </a:t>
+            </a:r>
+            <a:r>
+              <a:rPr lang="en" sz="1200">
+                <a:solidFill>
+                  <a:schemeClr val="dk1"/>
+                </a:solidFill>
+                <a:latin typeface="Roboto"/>
+                <a:ea typeface="Roboto"/>
+                <a:cs typeface="Roboto"/>
+                <a:sym typeface="Roboto"/>
+              </a:rPr>
+              <a:t>Nemotron-4 15B</a:t>
+            </a:r>
+            <a:endParaRPr sz="1200">
+              <a:solidFill>
+                <a:schemeClr val="dk1"/>
+              </a:solidFill>
+              <a:latin typeface="Calibri"/>
+              <a:ea typeface="Calibri"/>
+              <a:cs typeface="Calibri"/>
+              <a:sym typeface="Calibri"/>
+            </a:endParaRPr>
+          </a:p>
+          <a:p>
+            <a:pPr marL="171450" marR="0" lvl="0" indent="-133350" algn="l" rtl="0">
+              <a:lnSpc>
+                <a:spcPct val="100000"/>
+              </a:lnSpc>
+              <a:spcBef>
+                <a:spcPts val="0"/>
+              </a:spcBef>
+              <a:spcAft>
+                <a:spcPts val="0"/>
+              </a:spcAft>
+              <a:buClr>
+                <a:schemeClr val="dk1"/>
+              </a:buClr>
+              <a:buSzPts val="1200"/>
+              <a:buFont typeface="Calibri"/>
+              <a:buChar char="●"/>
+            </a:pPr>
+            <a:r>
+              <a:rPr lang="en" sz="1200" u="sng">
+                <a:solidFill>
+                  <a:schemeClr val="hlink"/>
+                </a:solidFill>
+                <a:latin typeface="Calibri"/>
+                <a:ea typeface="Calibri"/>
+                <a:cs typeface="Calibri"/>
+                <a:sym typeface="Calibri"/>
+                <a:hlinkClick r:id="rId3"/>
+              </a:rPr>
+              <a:t>https://huggingface.co/nvidia/AceReason-Nemotron-14B</a:t>
+            </a:r>
+            <a:endParaRPr sz="1200">
+              <a:solidFill>
+                <a:schemeClr val="dk1"/>
+              </a:solidFill>
+              <a:latin typeface="Calibri"/>
+              <a:ea typeface="Calibri"/>
+              <a:cs typeface="Calibri"/>
+              <a:sym typeface="Calibri"/>
+            </a:endParaRPr>
+          </a:p>
+          <a:p>
+            <a:pPr marL="171450" marR="0" lvl="0" indent="-133350" algn="l" rtl="0">
+              <a:lnSpc>
+                <a:spcPct val="100000"/>
+              </a:lnSpc>
+              <a:spcBef>
+                <a:spcPts val="0"/>
+              </a:spcBef>
+              <a:spcAft>
+                <a:spcPts val="0"/>
+              </a:spcAft>
+              <a:buClr>
+                <a:schemeClr val="dk1"/>
+              </a:buClr>
+              <a:buSzPts val="1200"/>
+              <a:buFont typeface="Calibri"/>
+              <a:buChar char="●"/>
+            </a:pPr>
+            <a:r>
+              <a:rPr lang="en" sz="1200" u="sng">
+                <a:solidFill>
+                  <a:schemeClr val="hlink"/>
+                </a:solidFill>
+                <a:latin typeface="Calibri"/>
+                <a:ea typeface="Calibri"/>
+                <a:cs typeface="Calibri"/>
+                <a:sym typeface="Calibri"/>
+                <a:hlinkClick r:id="rId4"/>
+              </a:rPr>
+              <a:t>https://huggingface.co/nvidia/Llama-3.1-Nemotron-Nano-4B-v1.1</a:t>
+            </a:r>
+            <a:r>
+              <a:rPr lang="en" sz="1200">
+                <a:solidFill>
+                  <a:schemeClr val="dk1"/>
+                </a:solidFill>
+                <a:latin typeface="Calibri"/>
+                <a:ea typeface="Calibri"/>
+                <a:cs typeface="Calibri"/>
+                <a:sym typeface="Calibri"/>
+              </a:rPr>
+              <a:t> </a:t>
+            </a:r>
+            <a:endParaRPr sz="1200">
+              <a:solidFill>
+                <a:schemeClr val="dk1"/>
+              </a:solidFill>
+              <a:latin typeface="Calibri"/>
+              <a:ea typeface="Calibri"/>
+              <a:cs typeface="Calibri"/>
+              <a:sym typeface="Calibri"/>
+            </a:endParaRPr>
+          </a:p>
+        </p:txBody>
+      </p:sp>
+      <p:pic>
+        <p:nvPicPr>
+          <p:cNvPr id="175" name="Google Shape;175;p26"/>
+          <p:cNvPicPr preferRelativeResize="0"/>
+          <p:nvPr/>
+        </p:nvPicPr>
+        <p:blipFill>
+          <a:blip r:embed="rId5" cstate="email">
+            <a:alphaModFix/>
+            <a:extLst>
+              <a:ext uri="{28A0092B-C50C-407E-A947-70E740481C1C}">
+                <a14:useLocalDpi xmlns:a14="http://schemas.microsoft.com/office/drawing/2010/main"/>
+              </a:ext>
+            </a:extLst>
+          </a:blip>
+          <a:stretch>
+            <a:fillRect/>
+          </a:stretch>
+        </p:blipFill>
+        <p:spPr>
+          <a:xfrm>
+            <a:off x="5277975" y="1340375"/>
+            <a:ext cx="3677900" cy="2069489"/>
+          </a:xfrm>
+          <a:prstGeom prst="rect">
+            <a:avLst/>
+          </a:prstGeom>
+          <a:noFill/>
+          <a:ln w="9525" cap="flat" cmpd="sng">
+            <a:solidFill>
+              <a:srgbClr val="FF0000"/>
+            </a:solidFill>
+            <a:prstDash val="solid"/>
+            <a:round/>
+            <a:headEnd type="none" w="sm" len="sm"/>
+            <a:tailEnd type="none" w="sm" len="sm"/>
+          </a:ln>
+        </p:spPr>
+      </p:pic>
+    </p:spTree>
+  </p:cSld>
+  <p:clrMapOvr>
+    <a:masterClrMapping/>
+  </p:clrMapOvr>
+</p:sld>
+</file>
+
+<file path=ppt/slides/slide13.xml><?xml version="1.0" encoding="utf-8"?>
+<p:sld xmlns:a="http://schemas.openxmlformats.org/drawingml/2006/main" xmlns:r="http://schemas.openxmlformats.org/officeDocument/2006/relationships" xmlns:p="http://schemas.openxmlformats.org/presentationml/2006/main">
+  <p:cSld>
+    <p:spTree>
+      <p:nvGrpSpPr>
+        <p:cNvPr id="1" name="Shape 179"/>
+        <p:cNvGrpSpPr/>
+        <p:nvPr/>
+      </p:nvGrpSpPr>
+      <p:grpSpPr>
+        <a:xfrm>
+          <a:off x="0" y="0"/>
+          <a:ext cx="0" cy="0"/>
+          <a:chOff x="0" y="0"/>
+          <a:chExt cx="0" cy="0"/>
+        </a:xfrm>
+      </p:grpSpPr>
+      <p:sp>
+        <p:nvSpPr>
+          <p:cNvPr id="180" name="Google Shape;180;p27"/>
+          <p:cNvSpPr txBox="1"/>
+          <p:nvPr/>
+        </p:nvSpPr>
+        <p:spPr>
+          <a:xfrm>
+            <a:off x="55075" y="52750"/>
+            <a:ext cx="4453200" cy="326400"/>
+          </a:xfrm>
+          <a:prstGeom prst="rect">
+            <a:avLst/>
+          </a:prstGeom>
+          <a:noFill/>
+          <a:ln>
+            <a:noFill/>
+          </a:ln>
+        </p:spPr>
+        <p:txBody>
+          <a:bodyPr spcFirstLastPara="1" wrap="square" lIns="9125" tIns="9125" rIns="9125" bIns="9125" anchor="t" anchorCtr="0">
+            <a:spAutoFit/>
+          </a:bodyPr>
+          <a:lstStyle/>
+          <a:p>
+            <a:pPr marL="0" marR="0" lvl="0" indent="0" algn="l" rtl="0">
+              <a:lnSpc>
+                <a:spcPct val="100000"/>
+              </a:lnSpc>
+              <a:spcBef>
+                <a:spcPts val="0"/>
+              </a:spcBef>
+              <a:spcAft>
+                <a:spcPts val="0"/>
+              </a:spcAft>
+              <a:buClr>
+                <a:schemeClr val="dk1"/>
+              </a:buClr>
+              <a:buSzPts val="1100"/>
+              <a:buFont typeface="Arial"/>
+              <a:buNone/>
+            </a:pPr>
+            <a:r>
+              <a:rPr lang="en" sz="2000" b="1">
+                <a:solidFill>
+                  <a:schemeClr val="dk1"/>
+                </a:solidFill>
+                <a:latin typeface="Calibri"/>
+                <a:ea typeface="Calibri"/>
+                <a:cs typeface="Calibri"/>
+                <a:sym typeface="Calibri"/>
+              </a:rPr>
+              <a:t>Augmentcode - coding assistant</a:t>
+            </a:r>
+            <a:endParaRPr sz="2000" b="1" i="0" u="none" strike="noStrike" cap="none">
+              <a:solidFill>
+                <a:schemeClr val="dk1"/>
+              </a:solidFill>
+              <a:latin typeface="Calibri"/>
+              <a:ea typeface="Calibri"/>
+              <a:cs typeface="Calibri"/>
+              <a:sym typeface="Calibri"/>
+            </a:endParaRPr>
+          </a:p>
+        </p:txBody>
+      </p:sp>
+      <p:sp>
+        <p:nvSpPr>
+          <p:cNvPr id="181" name="Google Shape;181;p27"/>
           <p:cNvSpPr txBox="1"/>
           <p:nvPr/>
         </p:nvSpPr>
@@ -15588,6 +17121,45 @@
           </a:p>
         </p:txBody>
       </p:sp>
+      <p:pic>
+        <p:nvPicPr>
+          <p:cNvPr id="182" name="Google Shape;182;p27"/>
+          <p:cNvPicPr preferRelativeResize="0"/>
+          <p:nvPr/>
+        </p:nvPicPr>
+        <p:blipFill>
+          <a:blip r:embed="rId3" cstate="email">
+            <a:alphaModFix/>
+            <a:extLst>
+              <a:ext uri="{28A0092B-C50C-407E-A947-70E740481C1C}">
+                <a14:useLocalDpi xmlns:a14="http://schemas.microsoft.com/office/drawing/2010/main"/>
+              </a:ext>
+            </a:extLst>
+          </a:blip>
+          <a:stretch>
+            <a:fillRect/>
+          </a:stretch>
+        </p:blipFill>
+        <p:spPr>
+          <a:xfrm>
+            <a:off x="6348725" y="799325"/>
+            <a:ext cx="2032750" cy="2056200"/>
+          </a:xfrm>
+          <a:prstGeom prst="rect">
+            <a:avLst/>
+          </a:prstGeom>
+          <a:noFill/>
+          <a:ln w="9525" cap="flat" cmpd="sng">
+            <a:solidFill>
+              <a:srgbClr val="FF0000"/>
+            </a:solidFill>
+            <a:prstDash val="solid"/>
+            <a:round/>
+            <a:headEnd type="none" w="sm" len="sm"/>
+            <a:tailEnd type="none" w="sm" len="sm"/>
+          </a:ln>
+        </p:spPr>
+      </p:pic>
     </p:spTree>
   </p:cSld>
   <p:clrMapOvr>
@@ -15596,12 +17168,12 @@
 </p:sld>
 </file>
 
-<file path=ppt/slides/slide13.xml><?xml version="1.0" encoding="utf-8"?>
+<file path=ppt/slides/slide14.xml><?xml version="1.0" encoding="utf-8"?>
 <p:sld xmlns:a="http://schemas.openxmlformats.org/drawingml/2006/main" xmlns:r="http://schemas.openxmlformats.org/officeDocument/2006/relationships" xmlns:p="http://schemas.openxmlformats.org/presentationml/2006/main">
   <p:cSld>
     <p:spTree>
       <p:nvGrpSpPr>
-        <p:cNvPr id="1" name="Shape 151"/>
+        <p:cNvPr id="1" name="Shape 186"/>
         <p:cNvGrpSpPr/>
         <p:nvPr/>
       </p:nvGrpSpPr>
@@ -15615,7 +17187,7 @@
       </p:grpSpPr>
       <p:sp>
         <p:nvSpPr>
-          <p:cNvPr id="152" name="Google Shape;152;p26"/>
+          <p:cNvPr id="187" name="Google Shape;187;p28"/>
           <p:cNvSpPr txBox="1"/>
           <p:nvPr/>
         </p:nvSpPr>
@@ -15681,7 +17253,7 @@
       </p:sp>
       <p:sp>
         <p:nvSpPr>
-          <p:cNvPr id="153" name="Google Shape;153;p26"/>
+          <p:cNvPr id="188" name="Google Shape;188;p28"/>
           <p:cNvSpPr txBox="1"/>
           <p:nvPr/>
         </p:nvSpPr>
@@ -16073,6 +17645,45 @@
           </a:p>
         </p:txBody>
       </p:sp>
+      <p:pic>
+        <p:nvPicPr>
+          <p:cNvPr id="189" name="Google Shape;189;p28"/>
+          <p:cNvPicPr preferRelativeResize="0"/>
+          <p:nvPr/>
+        </p:nvPicPr>
+        <p:blipFill>
+          <a:blip r:embed="rId3" cstate="email">
+            <a:alphaModFix/>
+            <a:extLst>
+              <a:ext uri="{28A0092B-C50C-407E-A947-70E740481C1C}">
+                <a14:useLocalDpi xmlns:a14="http://schemas.microsoft.com/office/drawing/2010/main"/>
+              </a:ext>
+            </a:extLst>
+          </a:blip>
+          <a:stretch>
+            <a:fillRect/>
+          </a:stretch>
+        </p:blipFill>
+        <p:spPr>
+          <a:xfrm>
+            <a:off x="5165225" y="1697212"/>
+            <a:ext cx="3108450" cy="1749075"/>
+          </a:xfrm>
+          <a:prstGeom prst="rect">
+            <a:avLst/>
+          </a:prstGeom>
+          <a:noFill/>
+          <a:ln w="9525" cap="flat" cmpd="sng">
+            <a:solidFill>
+              <a:srgbClr val="FF0000"/>
+            </a:solidFill>
+            <a:prstDash val="solid"/>
+            <a:round/>
+            <a:headEnd type="none" w="sm" len="sm"/>
+            <a:tailEnd type="none" w="sm" len="sm"/>
+          </a:ln>
+        </p:spPr>
+      </p:pic>
     </p:spTree>
   </p:cSld>
   <p:clrMapOvr>
@@ -16081,12 +17692,12 @@
 </p:sld>
 </file>
 
-<file path=ppt/slides/slide14.xml><?xml version="1.0" encoding="utf-8"?>
+<file path=ppt/slides/slide15.xml><?xml version="1.0" encoding="utf-8"?>
 <p:sld xmlns:a="http://schemas.openxmlformats.org/drawingml/2006/main" xmlns:r="http://schemas.openxmlformats.org/officeDocument/2006/relationships" xmlns:p="http://schemas.openxmlformats.org/presentationml/2006/main">
   <p:cSld>
     <p:spTree>
       <p:nvGrpSpPr>
-        <p:cNvPr id="1" name="Shape 168"/>
+        <p:cNvPr id="1" name="Shape 193"/>
         <p:cNvGrpSpPr/>
         <p:nvPr/>
       </p:nvGrpSpPr>
@@ -16100,7 +17711,7 @@
       </p:grpSpPr>
       <p:sp>
         <p:nvSpPr>
-          <p:cNvPr id="169" name="Google Shape;169;p28"/>
+          <p:cNvPr id="194" name="Google Shape;194;p29"/>
           <p:cNvSpPr txBox="1"/>
           <p:nvPr/>
         </p:nvSpPr>
@@ -16166,14 +17777,14 @@
       </p:sp>
       <p:sp>
         <p:nvSpPr>
-          <p:cNvPr id="170" name="Google Shape;170;p28"/>
+          <p:cNvPr id="195" name="Google Shape;195;p29"/>
           <p:cNvSpPr txBox="1"/>
           <p:nvPr/>
         </p:nvSpPr>
         <p:spPr>
           <a:xfrm>
-            <a:off x="140800" y="578375"/>
-            <a:ext cx="4453200" cy="203100"/>
+            <a:off x="115075" y="563050"/>
+            <a:ext cx="4793100" cy="4451400"/>
           </a:xfrm>
           <a:prstGeom prst="rect">
             <a:avLst/>
@@ -16224,7 +17835,7 @@
                 <a:cs typeface="Calibri"/>
                 <a:sym typeface="Calibri"/>
               </a:rPr>
-              <a:t>xxxx</a:t>
+              <a:t>Suppose we want to create a web application using Python FastAPI as a backend server, and ReactJS as frontend.</a:t>
             </a:r>
             <a:endParaRPr sz="1200">
               <a:solidFill>
@@ -16234,6 +17845,1280 @@
               <a:ea typeface="Calibri"/>
               <a:cs typeface="Calibri"/>
               <a:sym typeface="Calibri"/>
+            </a:endParaRPr>
+          </a:p>
+          <a:p>
+            <a:pPr marL="171450" marR="0" lvl="0" indent="-133350" algn="l" rtl="0">
+              <a:lnSpc>
+                <a:spcPct val="100000"/>
+              </a:lnSpc>
+              <a:spcBef>
+                <a:spcPts val="0"/>
+              </a:spcBef>
+              <a:spcAft>
+                <a:spcPts val="0"/>
+              </a:spcAft>
+              <a:buClr>
+                <a:schemeClr val="dk1"/>
+              </a:buClr>
+              <a:buSzPts val="1200"/>
+              <a:buFont typeface="Calibri"/>
+              <a:buChar char="●"/>
+            </a:pPr>
+            <a:r>
+              <a:rPr lang="en" sz="1200">
+                <a:solidFill>
+                  <a:schemeClr val="dk1"/>
+                </a:solidFill>
+                <a:latin typeface="Calibri"/>
+                <a:ea typeface="Calibri"/>
+                <a:cs typeface="Calibri"/>
+                <a:sym typeface="Calibri"/>
+              </a:rPr>
+              <a:t>We create a Git repo with 3 directories: backend, frontend, prompts</a:t>
+            </a:r>
+            <a:endParaRPr sz="1200">
+              <a:solidFill>
+                <a:schemeClr val="dk1"/>
+              </a:solidFill>
+              <a:latin typeface="Calibri"/>
+              <a:ea typeface="Calibri"/>
+              <a:cs typeface="Calibri"/>
+              <a:sym typeface="Calibri"/>
+            </a:endParaRPr>
+          </a:p>
+          <a:p>
+            <a:pPr marL="171450" marR="0" lvl="0" indent="-133350" algn="l" rtl="0">
+              <a:lnSpc>
+                <a:spcPct val="100000"/>
+              </a:lnSpc>
+              <a:spcBef>
+                <a:spcPts val="0"/>
+              </a:spcBef>
+              <a:spcAft>
+                <a:spcPts val="0"/>
+              </a:spcAft>
+              <a:buClr>
+                <a:schemeClr val="dk1"/>
+              </a:buClr>
+              <a:buSzPts val="1200"/>
+              <a:buFont typeface="Calibri"/>
+              <a:buChar char="●"/>
+            </a:pPr>
+            <a:r>
+              <a:rPr lang="en" sz="1200">
+                <a:solidFill>
+                  <a:schemeClr val="dk1"/>
+                </a:solidFill>
+                <a:latin typeface="Calibri"/>
+                <a:ea typeface="Calibri"/>
+                <a:cs typeface="Calibri"/>
+                <a:sym typeface="Calibri"/>
+              </a:rPr>
+              <a:t>In backend we use uv and pyproject.toml to configure python virtual environment</a:t>
+            </a:r>
+            <a:endParaRPr sz="1200">
+              <a:solidFill>
+                <a:schemeClr val="dk1"/>
+              </a:solidFill>
+              <a:latin typeface="Calibri"/>
+              <a:ea typeface="Calibri"/>
+              <a:cs typeface="Calibri"/>
+              <a:sym typeface="Calibri"/>
+            </a:endParaRPr>
+          </a:p>
+          <a:p>
+            <a:pPr marL="171450" marR="0" lvl="0" indent="-133350" algn="l" rtl="0">
+              <a:lnSpc>
+                <a:spcPct val="100000"/>
+              </a:lnSpc>
+              <a:spcBef>
+                <a:spcPts val="0"/>
+              </a:spcBef>
+              <a:spcAft>
+                <a:spcPts val="0"/>
+              </a:spcAft>
+              <a:buClr>
+                <a:schemeClr val="dk1"/>
+              </a:buClr>
+              <a:buSzPts val="1200"/>
+              <a:buFont typeface="Calibri"/>
+              <a:buChar char="●"/>
+            </a:pPr>
+            <a:r>
+              <a:rPr lang="en" sz="1200">
+                <a:solidFill>
+                  <a:schemeClr val="dk1"/>
+                </a:solidFill>
+                <a:latin typeface="Calibri"/>
+                <a:ea typeface="Calibri"/>
+                <a:cs typeface="Calibri"/>
+                <a:sym typeface="Calibri"/>
+              </a:rPr>
+              <a:t>In frontend we use yarn to configure basic ReactJS environment</a:t>
+            </a:r>
+            <a:endParaRPr sz="1200">
+              <a:solidFill>
+                <a:schemeClr val="dk1"/>
+              </a:solidFill>
+              <a:latin typeface="Calibri"/>
+              <a:ea typeface="Calibri"/>
+              <a:cs typeface="Calibri"/>
+              <a:sym typeface="Calibri"/>
+            </a:endParaRPr>
+          </a:p>
+          <a:p>
+            <a:pPr marL="171450" marR="0" lvl="0" indent="-133350" algn="l" rtl="0">
+              <a:lnSpc>
+                <a:spcPct val="100000"/>
+              </a:lnSpc>
+              <a:spcBef>
+                <a:spcPts val="0"/>
+              </a:spcBef>
+              <a:spcAft>
+                <a:spcPts val="0"/>
+              </a:spcAft>
+              <a:buClr>
+                <a:schemeClr val="dk1"/>
+              </a:buClr>
+              <a:buSzPts val="1200"/>
+              <a:buFont typeface="Calibri"/>
+              <a:buChar char="●"/>
+            </a:pPr>
+            <a:r>
+              <a:rPr lang="en" sz="1200">
+                <a:solidFill>
+                  <a:schemeClr val="dk1"/>
+                </a:solidFill>
+                <a:latin typeface="Calibri"/>
+                <a:ea typeface="Calibri"/>
+                <a:cs typeface="Calibri"/>
+                <a:sym typeface="Calibri"/>
+              </a:rPr>
+              <a:t>in prompts we create prompts for AI (Claude, Gemini, ...)</a:t>
+            </a:r>
+            <a:br>
+              <a:rPr lang="en" sz="1200">
+                <a:solidFill>
+                  <a:schemeClr val="dk1"/>
+                </a:solidFill>
+                <a:latin typeface="Calibri"/>
+                <a:ea typeface="Calibri"/>
+                <a:cs typeface="Calibri"/>
+                <a:sym typeface="Calibri"/>
+              </a:rPr>
+            </a:br>
+            <a:r>
+              <a:rPr lang="en" sz="1200" b="1">
+                <a:solidFill>
+                  <a:srgbClr val="FF0000"/>
+                </a:solidFill>
+                <a:latin typeface="Calibri"/>
+                <a:ea typeface="Calibri"/>
+                <a:cs typeface="Calibri"/>
+                <a:sym typeface="Calibri"/>
+              </a:rPr>
+              <a:t>first prompt</a:t>
+            </a:r>
+            <a:r>
+              <a:rPr lang="en" sz="1200">
+                <a:solidFill>
+                  <a:schemeClr val="dk1"/>
+                </a:solidFill>
+                <a:latin typeface="Calibri"/>
+                <a:ea typeface="Calibri"/>
+                <a:cs typeface="Calibri"/>
+                <a:sym typeface="Calibri"/>
+              </a:rPr>
+              <a:t> - we provide a detailed description of the required result - and ask LLM to provide the architecture with the list of files and directories. The requirement is to make the design modular, split responsibilities, etc. In my case Claude created an architecture with more than 160 files</a:t>
+            </a:r>
+            <a:br>
+              <a:rPr lang="en" sz="1200">
+                <a:solidFill>
+                  <a:schemeClr val="dk1"/>
+                </a:solidFill>
+                <a:latin typeface="Calibri"/>
+                <a:ea typeface="Calibri"/>
+                <a:cs typeface="Calibri"/>
+                <a:sym typeface="Calibri"/>
+              </a:rPr>
+            </a:br>
+            <a:r>
+              <a:rPr lang="en" sz="1200" b="1">
+                <a:solidFill>
+                  <a:srgbClr val="FF0000"/>
+                </a:solidFill>
+                <a:latin typeface="Calibri"/>
+                <a:ea typeface="Calibri"/>
+                <a:cs typeface="Calibri"/>
+                <a:sym typeface="Calibri"/>
+              </a:rPr>
+              <a:t>second prompt</a:t>
+            </a:r>
+            <a:r>
+              <a:rPr lang="en" sz="1200">
+                <a:solidFill>
+                  <a:schemeClr val="dk1"/>
+                </a:solidFill>
+                <a:latin typeface="Calibri"/>
+                <a:ea typeface="Calibri"/>
+                <a:cs typeface="Calibri"/>
+                <a:sym typeface="Calibri"/>
+              </a:rPr>
+              <a:t> - to create a step-by-step roadmap for building the app - starting with minimum viable state, then adding features as needed. In my case Claude created 20 steps.</a:t>
+            </a:r>
+            <a:endParaRPr sz="1200">
+              <a:solidFill>
+                <a:schemeClr val="dk1"/>
+              </a:solidFill>
+              <a:latin typeface="Calibri"/>
+              <a:ea typeface="Calibri"/>
+              <a:cs typeface="Calibri"/>
+              <a:sym typeface="Calibri"/>
+            </a:endParaRPr>
+          </a:p>
+          <a:p>
+            <a:pPr marL="171450" marR="0" lvl="0" indent="-133350" algn="l" rtl="0">
+              <a:lnSpc>
+                <a:spcPct val="100000"/>
+              </a:lnSpc>
+              <a:spcBef>
+                <a:spcPts val="0"/>
+              </a:spcBef>
+              <a:spcAft>
+                <a:spcPts val="0"/>
+              </a:spcAft>
+              <a:buClr>
+                <a:schemeClr val="dk1"/>
+              </a:buClr>
+              <a:buSzPts val="1200"/>
+              <a:buFont typeface="Calibri"/>
+              <a:buChar char="●"/>
+            </a:pPr>
+            <a:r>
+              <a:rPr lang="en" sz="1200">
+                <a:solidFill>
+                  <a:schemeClr val="dk1"/>
+                </a:solidFill>
+                <a:latin typeface="Calibri"/>
+                <a:ea typeface="Calibri"/>
+                <a:cs typeface="Calibri"/>
+                <a:sym typeface="Calibri"/>
+              </a:rPr>
+              <a:t>Once you create some files, it gets difficult to update them manually. </a:t>
+            </a:r>
+            <a:br>
+              <a:rPr lang="en" sz="1200">
+                <a:solidFill>
+                  <a:schemeClr val="dk1"/>
+                </a:solidFill>
+                <a:latin typeface="Calibri"/>
+                <a:ea typeface="Calibri"/>
+                <a:cs typeface="Calibri"/>
+                <a:sym typeface="Calibri"/>
+              </a:rPr>
+            </a:br>
+            <a:r>
+              <a:rPr lang="en" sz="1200">
+                <a:solidFill>
+                  <a:schemeClr val="dk1"/>
+                </a:solidFill>
+                <a:latin typeface="Calibri"/>
+                <a:ea typeface="Calibri"/>
+                <a:cs typeface="Calibri"/>
+                <a:sym typeface="Calibri"/>
+              </a:rPr>
+              <a:t>So you want Claude to have access to your code to update multiple files</a:t>
+            </a:r>
+            <a:endParaRPr sz="1200">
+              <a:solidFill>
+                <a:schemeClr val="dk1"/>
+              </a:solidFill>
+              <a:latin typeface="Calibri"/>
+              <a:ea typeface="Calibri"/>
+              <a:cs typeface="Calibri"/>
+              <a:sym typeface="Calibri"/>
+            </a:endParaRPr>
+          </a:p>
+          <a:p>
+            <a:pPr marL="171450" marR="0" lvl="0" indent="-133350" algn="l" rtl="0">
+              <a:lnSpc>
+                <a:spcPct val="100000"/>
+              </a:lnSpc>
+              <a:spcBef>
+                <a:spcPts val="0"/>
+              </a:spcBef>
+              <a:spcAft>
+                <a:spcPts val="0"/>
+              </a:spcAft>
+              <a:buClr>
+                <a:schemeClr val="dk1"/>
+              </a:buClr>
+              <a:buSzPts val="1200"/>
+              <a:buFont typeface="Calibri"/>
+              <a:buChar char="●"/>
+            </a:pPr>
+            <a:r>
+              <a:rPr lang="en" sz="1200">
+                <a:solidFill>
+                  <a:schemeClr val="dk1"/>
+                </a:solidFill>
+                <a:latin typeface="Calibri"/>
+                <a:ea typeface="Calibri"/>
+                <a:cs typeface="Calibri"/>
+                <a:sym typeface="Calibri"/>
+              </a:rPr>
+              <a:t>You can use Cline extension for VS Code which can use Claude and Gemini</a:t>
+            </a:r>
+            <a:endParaRPr sz="1200">
+              <a:solidFill>
+                <a:schemeClr val="dk1"/>
+              </a:solidFill>
+              <a:latin typeface="Calibri"/>
+              <a:ea typeface="Calibri"/>
+              <a:cs typeface="Calibri"/>
+              <a:sym typeface="Calibri"/>
+            </a:endParaRPr>
+          </a:p>
+          <a:p>
+            <a:pPr marL="171450" marR="0" lvl="0" indent="-133350" algn="l" rtl="0">
+              <a:lnSpc>
+                <a:spcPct val="100000"/>
+              </a:lnSpc>
+              <a:spcBef>
+                <a:spcPts val="0"/>
+              </a:spcBef>
+              <a:spcAft>
+                <a:spcPts val="0"/>
+              </a:spcAft>
+              <a:buClr>
+                <a:schemeClr val="dk1"/>
+              </a:buClr>
+              <a:buSzPts val="1200"/>
+              <a:buFont typeface="Calibri"/>
+              <a:buChar char="●"/>
+            </a:pPr>
+            <a:r>
+              <a:rPr lang="en" sz="1200">
+                <a:solidFill>
+                  <a:schemeClr val="dk1"/>
+                </a:solidFill>
+                <a:latin typeface="Calibri"/>
+                <a:ea typeface="Calibri"/>
+                <a:cs typeface="Calibri"/>
+                <a:sym typeface="Calibri"/>
+              </a:rPr>
+              <a:t>Cline maintain context between prompts. While you are working within a single task or conversation in Cline, Claude will have access to the previous exchanges, enabling it to "remember" and build on earlier prompts and answers. </a:t>
+            </a:r>
+            <a:endParaRPr sz="1200">
+              <a:solidFill>
+                <a:schemeClr val="dk1"/>
+              </a:solidFill>
+              <a:latin typeface="Calibri"/>
+              <a:ea typeface="Calibri"/>
+              <a:cs typeface="Calibri"/>
+              <a:sym typeface="Calibri"/>
+            </a:endParaRPr>
+          </a:p>
+          <a:p>
+            <a:pPr marL="171450" marR="0" lvl="0" indent="-133350" algn="l" rtl="0">
+              <a:lnSpc>
+                <a:spcPct val="100000"/>
+              </a:lnSpc>
+              <a:spcBef>
+                <a:spcPts val="0"/>
+              </a:spcBef>
+              <a:spcAft>
+                <a:spcPts val="0"/>
+              </a:spcAft>
+              <a:buClr>
+                <a:schemeClr val="dk1"/>
+              </a:buClr>
+              <a:buSzPts val="1200"/>
+              <a:buFont typeface="Calibri"/>
+              <a:buChar char="●"/>
+            </a:pPr>
+            <a:r>
+              <a:rPr lang="en" sz="1200">
+                <a:solidFill>
+                  <a:schemeClr val="dk1"/>
+                </a:solidFill>
+                <a:latin typeface="Calibri"/>
+                <a:ea typeface="Calibri"/>
+                <a:cs typeface="Calibri"/>
+                <a:sym typeface="Calibri"/>
+              </a:rPr>
+              <a:t>If you start a new task or reset the session, or exhausted the memory of the session, you will lose the context.</a:t>
+            </a:r>
+            <a:endParaRPr sz="1200">
+              <a:solidFill>
+                <a:schemeClr val="dk1"/>
+              </a:solidFill>
+              <a:latin typeface="Calibri"/>
+              <a:ea typeface="Calibri"/>
+              <a:cs typeface="Calibri"/>
+              <a:sym typeface="Calibri"/>
+            </a:endParaRPr>
+          </a:p>
+        </p:txBody>
+      </p:sp>
+      <p:sp>
+        <p:nvSpPr>
+          <p:cNvPr id="196" name="Google Shape;196;p29"/>
+          <p:cNvSpPr txBox="1"/>
+          <p:nvPr/>
+        </p:nvSpPr>
+        <p:spPr>
+          <a:xfrm>
+            <a:off x="5335175" y="1083650"/>
+            <a:ext cx="3673800" cy="3096900"/>
+          </a:xfrm>
+          <a:prstGeom prst="rect">
+            <a:avLst/>
+          </a:prstGeom>
+          <a:solidFill>
+            <a:srgbClr val="FFF2CC"/>
+          </a:solidFill>
+          <a:ln w="9525" cap="flat" cmpd="sng">
+            <a:solidFill>
+              <a:srgbClr val="FF0000"/>
+            </a:solidFill>
+            <a:prstDash val="solid"/>
+            <a:round/>
+            <a:headEnd type="none" w="sm" len="sm"/>
+            <a:tailEnd type="none" w="sm" len="sm"/>
+          </a:ln>
+        </p:spPr>
+        <p:txBody>
+          <a:bodyPr spcFirstLastPara="1" wrap="square" lIns="9125" tIns="9125" rIns="9125" bIns="9125" anchor="t" anchorCtr="0">
+            <a:spAutoFit/>
+          </a:bodyPr>
+          <a:lstStyle/>
+          <a:p>
+            <a:pPr marL="0" marR="0" lvl="0" indent="0" algn="l" rtl="0">
+              <a:lnSpc>
+                <a:spcPct val="100000"/>
+              </a:lnSpc>
+              <a:spcBef>
+                <a:spcPts val="0"/>
+              </a:spcBef>
+              <a:spcAft>
+                <a:spcPts val="0"/>
+              </a:spcAft>
+              <a:buNone/>
+            </a:pPr>
+            <a:endParaRPr sz="800" b="1">
+              <a:solidFill>
+                <a:srgbClr val="3C78D8"/>
+              </a:solidFill>
+              <a:latin typeface="Victor Mono"/>
+              <a:ea typeface="Victor Mono"/>
+              <a:cs typeface="Victor Mono"/>
+              <a:sym typeface="Victor Mono"/>
+            </a:endParaRPr>
+          </a:p>
+          <a:p>
+            <a:pPr marL="0" marR="0" lvl="0" indent="0" algn="l" rtl="0">
+              <a:lnSpc>
+                <a:spcPct val="100000"/>
+              </a:lnSpc>
+              <a:spcBef>
+                <a:spcPts val="0"/>
+              </a:spcBef>
+              <a:spcAft>
+                <a:spcPts val="0"/>
+              </a:spcAft>
+              <a:buNone/>
+            </a:pPr>
+            <a:r>
+              <a:rPr lang="en" sz="800" b="1">
+                <a:solidFill>
+                  <a:srgbClr val="3C78D8"/>
+                </a:solidFill>
+                <a:latin typeface="Victor Mono"/>
+                <a:ea typeface="Victor Mono"/>
+                <a:cs typeface="Victor Mono"/>
+                <a:sym typeface="Victor Mono"/>
+              </a:rPr>
+              <a:t>backend/</a:t>
+            </a:r>
+            <a:endParaRPr sz="800" b="1">
+              <a:solidFill>
+                <a:srgbClr val="3C78D8"/>
+              </a:solidFill>
+              <a:latin typeface="Victor Mono"/>
+              <a:ea typeface="Victor Mono"/>
+              <a:cs typeface="Victor Mono"/>
+              <a:sym typeface="Victor Mono"/>
+            </a:endParaRPr>
+          </a:p>
+          <a:p>
+            <a:pPr marL="0" marR="0" lvl="0" indent="0" algn="l" rtl="0">
+              <a:lnSpc>
+                <a:spcPct val="100000"/>
+              </a:lnSpc>
+              <a:spcBef>
+                <a:spcPts val="0"/>
+              </a:spcBef>
+              <a:spcAft>
+                <a:spcPts val="0"/>
+              </a:spcAft>
+              <a:buNone/>
+            </a:pPr>
+            <a:r>
+              <a:rPr lang="en" sz="800" b="1">
+                <a:solidFill>
+                  <a:srgbClr val="3C78D8"/>
+                </a:solidFill>
+                <a:latin typeface="Victor Mono"/>
+                <a:ea typeface="Victor Mono"/>
+                <a:cs typeface="Victor Mono"/>
+                <a:sym typeface="Victor Mono"/>
+              </a:rPr>
+              <a:t>├── src/</a:t>
+            </a:r>
+            <a:endParaRPr sz="800" b="1">
+              <a:solidFill>
+                <a:srgbClr val="3C78D8"/>
+              </a:solidFill>
+              <a:latin typeface="Victor Mono"/>
+              <a:ea typeface="Victor Mono"/>
+              <a:cs typeface="Victor Mono"/>
+              <a:sym typeface="Victor Mono"/>
+            </a:endParaRPr>
+          </a:p>
+          <a:p>
+            <a:pPr marL="0" marR="0" lvl="0" indent="0" algn="l" rtl="0">
+              <a:lnSpc>
+                <a:spcPct val="100000"/>
+              </a:lnSpc>
+              <a:spcBef>
+                <a:spcPts val="0"/>
+              </a:spcBef>
+              <a:spcAft>
+                <a:spcPts val="0"/>
+              </a:spcAft>
+              <a:buNone/>
+            </a:pPr>
+            <a:r>
+              <a:rPr lang="en" sz="800" b="1">
+                <a:solidFill>
+                  <a:srgbClr val="3C78D8"/>
+                </a:solidFill>
+                <a:latin typeface="Victor Mono"/>
+                <a:ea typeface="Victor Mono"/>
+                <a:cs typeface="Victor Mono"/>
+                <a:sym typeface="Victor Mono"/>
+              </a:rPr>
+              <a:t>│   ├── core/              # Base configurations</a:t>
+            </a:r>
+            <a:endParaRPr sz="800" b="1">
+              <a:solidFill>
+                <a:srgbClr val="3C78D8"/>
+              </a:solidFill>
+              <a:latin typeface="Victor Mono"/>
+              <a:ea typeface="Victor Mono"/>
+              <a:cs typeface="Victor Mono"/>
+              <a:sym typeface="Victor Mono"/>
+            </a:endParaRPr>
+          </a:p>
+          <a:p>
+            <a:pPr marL="0" marR="0" lvl="0" indent="0" algn="l" rtl="0">
+              <a:lnSpc>
+                <a:spcPct val="100000"/>
+              </a:lnSpc>
+              <a:spcBef>
+                <a:spcPts val="0"/>
+              </a:spcBef>
+              <a:spcAft>
+                <a:spcPts val="0"/>
+              </a:spcAft>
+              <a:buNone/>
+            </a:pPr>
+            <a:r>
+              <a:rPr lang="en" sz="800" b="1">
+                <a:solidFill>
+                  <a:srgbClr val="3C78D8"/>
+                </a:solidFill>
+                <a:latin typeface="Victor Mono"/>
+                <a:ea typeface="Victor Mono"/>
+                <a:cs typeface="Victor Mono"/>
+                <a:sym typeface="Victor Mono"/>
+              </a:rPr>
+              <a:t>│   │   ├── config.py      # Environment variables</a:t>
+            </a:r>
+            <a:endParaRPr sz="800" b="1">
+              <a:solidFill>
+                <a:srgbClr val="3C78D8"/>
+              </a:solidFill>
+              <a:latin typeface="Victor Mono"/>
+              <a:ea typeface="Victor Mono"/>
+              <a:cs typeface="Victor Mono"/>
+              <a:sym typeface="Victor Mono"/>
+            </a:endParaRPr>
+          </a:p>
+          <a:p>
+            <a:pPr marL="0" marR="0" lvl="0" indent="0" algn="l" rtl="0">
+              <a:lnSpc>
+                <a:spcPct val="100000"/>
+              </a:lnSpc>
+              <a:spcBef>
+                <a:spcPts val="0"/>
+              </a:spcBef>
+              <a:spcAft>
+                <a:spcPts val="0"/>
+              </a:spcAft>
+              <a:buNone/>
+            </a:pPr>
+            <a:r>
+              <a:rPr lang="en" sz="800" b="1">
+                <a:solidFill>
+                  <a:srgbClr val="3C78D8"/>
+                </a:solidFill>
+                <a:latin typeface="Victor Mono"/>
+                <a:ea typeface="Victor Mono"/>
+                <a:cs typeface="Victor Mono"/>
+                <a:sym typeface="Victor Mono"/>
+              </a:rPr>
+              <a:t>│   │   ├── database.py    # DB connection setup</a:t>
+            </a:r>
+            <a:endParaRPr sz="800" b="1">
+              <a:solidFill>
+                <a:srgbClr val="3C78D8"/>
+              </a:solidFill>
+              <a:latin typeface="Victor Mono"/>
+              <a:ea typeface="Victor Mono"/>
+              <a:cs typeface="Victor Mono"/>
+              <a:sym typeface="Victor Mono"/>
+            </a:endParaRPr>
+          </a:p>
+          <a:p>
+            <a:pPr marL="0" marR="0" lvl="0" indent="0" algn="l" rtl="0">
+              <a:lnSpc>
+                <a:spcPct val="100000"/>
+              </a:lnSpc>
+              <a:spcBef>
+                <a:spcPts val="0"/>
+              </a:spcBef>
+              <a:spcAft>
+                <a:spcPts val="0"/>
+              </a:spcAft>
+              <a:buNone/>
+            </a:pPr>
+            <a:r>
+              <a:rPr lang="en" sz="800" b="1">
+                <a:solidFill>
+                  <a:srgbClr val="3C78D8"/>
+                </a:solidFill>
+                <a:latin typeface="Victor Mono"/>
+                <a:ea typeface="Victor Mono"/>
+                <a:cs typeface="Victor Mono"/>
+                <a:sym typeface="Victor Mono"/>
+              </a:rPr>
+              <a:t>│   │   └── security.py    # Auth base classes</a:t>
+            </a:r>
+            <a:endParaRPr sz="800" b="1">
+              <a:solidFill>
+                <a:srgbClr val="3C78D8"/>
+              </a:solidFill>
+              <a:latin typeface="Victor Mono"/>
+              <a:ea typeface="Victor Mono"/>
+              <a:cs typeface="Victor Mono"/>
+              <a:sym typeface="Victor Mono"/>
+            </a:endParaRPr>
+          </a:p>
+          <a:p>
+            <a:pPr marL="0" marR="0" lvl="0" indent="0" algn="l" rtl="0">
+              <a:lnSpc>
+                <a:spcPct val="100000"/>
+              </a:lnSpc>
+              <a:spcBef>
+                <a:spcPts val="0"/>
+              </a:spcBef>
+              <a:spcAft>
+                <a:spcPts val="0"/>
+              </a:spcAft>
+              <a:buNone/>
+            </a:pPr>
+            <a:r>
+              <a:rPr lang="en" sz="800" b="1">
+                <a:solidFill>
+                  <a:srgbClr val="3C78D8"/>
+                </a:solidFill>
+                <a:latin typeface="Victor Mono"/>
+                <a:ea typeface="Victor Mono"/>
+                <a:cs typeface="Victor Mono"/>
+                <a:sym typeface="Victor Mono"/>
+              </a:rPr>
+              <a:t>│   └── features/          # Dirs for future modules</a:t>
+            </a:r>
+            <a:endParaRPr sz="800" b="1">
+              <a:solidFill>
+                <a:srgbClr val="3C78D8"/>
+              </a:solidFill>
+              <a:latin typeface="Victor Mono"/>
+              <a:ea typeface="Victor Mono"/>
+              <a:cs typeface="Victor Mono"/>
+              <a:sym typeface="Victor Mono"/>
+            </a:endParaRPr>
+          </a:p>
+          <a:p>
+            <a:pPr marL="0" marR="0" lvl="0" indent="0" algn="l" rtl="0">
+              <a:lnSpc>
+                <a:spcPct val="100000"/>
+              </a:lnSpc>
+              <a:spcBef>
+                <a:spcPts val="0"/>
+              </a:spcBef>
+              <a:spcAft>
+                <a:spcPts val="0"/>
+              </a:spcAft>
+              <a:buNone/>
+            </a:pPr>
+            <a:r>
+              <a:rPr lang="en" sz="800" b="1">
+                <a:solidFill>
+                  <a:srgbClr val="3C78D8"/>
+                </a:solidFill>
+                <a:latin typeface="Victor Mono"/>
+                <a:ea typeface="Victor Mono"/>
+                <a:cs typeface="Victor Mono"/>
+                <a:sym typeface="Victor Mono"/>
+              </a:rPr>
+              <a:t>│       ├── auth/</a:t>
+            </a:r>
+            <a:endParaRPr sz="800" b="1">
+              <a:solidFill>
+                <a:srgbClr val="3C78D8"/>
+              </a:solidFill>
+              <a:latin typeface="Victor Mono"/>
+              <a:ea typeface="Victor Mono"/>
+              <a:cs typeface="Victor Mono"/>
+              <a:sym typeface="Victor Mono"/>
+            </a:endParaRPr>
+          </a:p>
+          <a:p>
+            <a:pPr marL="0" marR="0" lvl="0" indent="0" algn="l" rtl="0">
+              <a:lnSpc>
+                <a:spcPct val="100000"/>
+              </a:lnSpc>
+              <a:spcBef>
+                <a:spcPts val="0"/>
+              </a:spcBef>
+              <a:spcAft>
+                <a:spcPts val="0"/>
+              </a:spcAft>
+              <a:buNone/>
+            </a:pPr>
+            <a:r>
+              <a:rPr lang="en" sz="800" b="1">
+                <a:solidFill>
+                  <a:srgbClr val="3C78D8"/>
+                </a:solidFill>
+                <a:latin typeface="Victor Mono"/>
+                <a:ea typeface="Victor Mono"/>
+                <a:cs typeface="Victor Mono"/>
+                <a:sym typeface="Victor Mono"/>
+              </a:rPr>
+              <a:t>│       └── posts/</a:t>
+            </a:r>
+            <a:endParaRPr sz="800" b="1">
+              <a:solidFill>
+                <a:srgbClr val="3C78D8"/>
+              </a:solidFill>
+              <a:latin typeface="Victor Mono"/>
+              <a:ea typeface="Victor Mono"/>
+              <a:cs typeface="Victor Mono"/>
+              <a:sym typeface="Victor Mono"/>
+            </a:endParaRPr>
+          </a:p>
+          <a:p>
+            <a:pPr marL="0" marR="0" lvl="0" indent="0" algn="l" rtl="0">
+              <a:lnSpc>
+                <a:spcPct val="100000"/>
+              </a:lnSpc>
+              <a:spcBef>
+                <a:spcPts val="0"/>
+              </a:spcBef>
+              <a:spcAft>
+                <a:spcPts val="0"/>
+              </a:spcAft>
+              <a:buNone/>
+            </a:pPr>
+            <a:endParaRPr sz="800" b="1">
+              <a:solidFill>
+                <a:srgbClr val="3C78D8"/>
+              </a:solidFill>
+              <a:latin typeface="Victor Mono"/>
+              <a:ea typeface="Victor Mono"/>
+              <a:cs typeface="Victor Mono"/>
+              <a:sym typeface="Victor Mono"/>
+            </a:endParaRPr>
+          </a:p>
+          <a:p>
+            <a:pPr marL="0" marR="0" lvl="0" indent="0" algn="l" rtl="0">
+              <a:lnSpc>
+                <a:spcPct val="100000"/>
+              </a:lnSpc>
+              <a:spcBef>
+                <a:spcPts val="0"/>
+              </a:spcBef>
+              <a:spcAft>
+                <a:spcPts val="0"/>
+              </a:spcAft>
+              <a:buNone/>
+            </a:pPr>
+            <a:r>
+              <a:rPr lang="en" sz="800" b="1">
+                <a:solidFill>
+                  <a:srgbClr val="3C78D8"/>
+                </a:solidFill>
+                <a:latin typeface="Victor Mono"/>
+                <a:ea typeface="Victor Mono"/>
+                <a:cs typeface="Victor Mono"/>
+                <a:sym typeface="Victor Mono"/>
+              </a:rPr>
+              <a:t>frontend/</a:t>
+            </a:r>
+            <a:endParaRPr sz="800" b="1">
+              <a:solidFill>
+                <a:srgbClr val="3C78D8"/>
+              </a:solidFill>
+              <a:latin typeface="Victor Mono"/>
+              <a:ea typeface="Victor Mono"/>
+              <a:cs typeface="Victor Mono"/>
+              <a:sym typeface="Victor Mono"/>
+            </a:endParaRPr>
+          </a:p>
+          <a:p>
+            <a:pPr marL="0" marR="0" lvl="0" indent="0" algn="l" rtl="0">
+              <a:lnSpc>
+                <a:spcPct val="100000"/>
+              </a:lnSpc>
+              <a:spcBef>
+                <a:spcPts val="0"/>
+              </a:spcBef>
+              <a:spcAft>
+                <a:spcPts val="0"/>
+              </a:spcAft>
+              <a:buNone/>
+            </a:pPr>
+            <a:r>
+              <a:rPr lang="en" sz="800" b="1">
+                <a:solidFill>
+                  <a:srgbClr val="3C78D8"/>
+                </a:solidFill>
+                <a:latin typeface="Victor Mono"/>
+                <a:ea typeface="Victor Mono"/>
+                <a:cs typeface="Victor Mono"/>
+                <a:sym typeface="Victor Mono"/>
+              </a:rPr>
+              <a:t>├── src/</a:t>
+            </a:r>
+            <a:endParaRPr sz="800" b="1">
+              <a:solidFill>
+                <a:srgbClr val="3C78D8"/>
+              </a:solidFill>
+              <a:latin typeface="Victor Mono"/>
+              <a:ea typeface="Victor Mono"/>
+              <a:cs typeface="Victor Mono"/>
+              <a:sym typeface="Victor Mono"/>
+            </a:endParaRPr>
+          </a:p>
+          <a:p>
+            <a:pPr marL="0" marR="0" lvl="0" indent="0" algn="l" rtl="0">
+              <a:lnSpc>
+                <a:spcPct val="100000"/>
+              </a:lnSpc>
+              <a:spcBef>
+                <a:spcPts val="0"/>
+              </a:spcBef>
+              <a:spcAft>
+                <a:spcPts val="0"/>
+              </a:spcAft>
+              <a:buNone/>
+            </a:pPr>
+            <a:r>
+              <a:rPr lang="en" sz="800" b="1">
+                <a:solidFill>
+                  <a:srgbClr val="3C78D8"/>
+                </a:solidFill>
+                <a:latin typeface="Victor Mono"/>
+                <a:ea typeface="Victor Mono"/>
+                <a:cs typeface="Victor Mono"/>
+                <a:sym typeface="Victor Mono"/>
+              </a:rPr>
+              <a:t>│   ├── core/              # Base configurations</a:t>
+            </a:r>
+            <a:endParaRPr sz="800" b="1">
+              <a:solidFill>
+                <a:srgbClr val="3C78D8"/>
+              </a:solidFill>
+              <a:latin typeface="Victor Mono"/>
+              <a:ea typeface="Victor Mono"/>
+              <a:cs typeface="Victor Mono"/>
+              <a:sym typeface="Victor Mono"/>
+            </a:endParaRPr>
+          </a:p>
+          <a:p>
+            <a:pPr marL="0" marR="0" lvl="0" indent="0" algn="l" rtl="0">
+              <a:lnSpc>
+                <a:spcPct val="100000"/>
+              </a:lnSpc>
+              <a:spcBef>
+                <a:spcPts val="0"/>
+              </a:spcBef>
+              <a:spcAft>
+                <a:spcPts val="0"/>
+              </a:spcAft>
+              <a:buNone/>
+            </a:pPr>
+            <a:r>
+              <a:rPr lang="en" sz="800" b="1">
+                <a:solidFill>
+                  <a:srgbClr val="3C78D8"/>
+                </a:solidFill>
+                <a:latin typeface="Victor Mono"/>
+                <a:ea typeface="Victor Mono"/>
+                <a:cs typeface="Victor Mono"/>
+                <a:sym typeface="Victor Mono"/>
+              </a:rPr>
+              <a:t>│   │   ├── api/           # API client setup</a:t>
+            </a:r>
+            <a:endParaRPr sz="800" b="1">
+              <a:solidFill>
+                <a:srgbClr val="3C78D8"/>
+              </a:solidFill>
+              <a:latin typeface="Victor Mono"/>
+              <a:ea typeface="Victor Mono"/>
+              <a:cs typeface="Victor Mono"/>
+              <a:sym typeface="Victor Mono"/>
+            </a:endParaRPr>
+          </a:p>
+          <a:p>
+            <a:pPr marL="0" marR="0" lvl="0" indent="0" algn="l" rtl="0">
+              <a:lnSpc>
+                <a:spcPct val="100000"/>
+              </a:lnSpc>
+              <a:spcBef>
+                <a:spcPts val="0"/>
+              </a:spcBef>
+              <a:spcAft>
+                <a:spcPts val="0"/>
+              </a:spcAft>
+              <a:buNone/>
+            </a:pPr>
+            <a:r>
+              <a:rPr lang="en" sz="800" b="1">
+                <a:solidFill>
+                  <a:srgbClr val="3C78D8"/>
+                </a:solidFill>
+                <a:latin typeface="Victor Mono"/>
+                <a:ea typeface="Victor Mono"/>
+                <a:cs typeface="Victor Mono"/>
+                <a:sym typeface="Victor Mono"/>
+              </a:rPr>
+              <a:t>│   │   └── state/         # Empty state management</a:t>
+            </a:r>
+            <a:endParaRPr sz="800" b="1">
+              <a:solidFill>
+                <a:srgbClr val="3C78D8"/>
+              </a:solidFill>
+              <a:latin typeface="Victor Mono"/>
+              <a:ea typeface="Victor Mono"/>
+              <a:cs typeface="Victor Mono"/>
+              <a:sym typeface="Victor Mono"/>
+            </a:endParaRPr>
+          </a:p>
+          <a:p>
+            <a:pPr marL="0" marR="0" lvl="0" indent="0" algn="l" rtl="0">
+              <a:lnSpc>
+                <a:spcPct val="100000"/>
+              </a:lnSpc>
+              <a:spcBef>
+                <a:spcPts val="0"/>
+              </a:spcBef>
+              <a:spcAft>
+                <a:spcPts val="0"/>
+              </a:spcAft>
+              <a:buNone/>
+            </a:pPr>
+            <a:r>
+              <a:rPr lang="en" sz="800" b="1">
+                <a:solidFill>
+                  <a:srgbClr val="3C78D8"/>
+                </a:solidFill>
+                <a:latin typeface="Victor Mono"/>
+                <a:ea typeface="Victor Mono"/>
+                <a:cs typeface="Victor Mono"/>
+                <a:sym typeface="Victor Mono"/>
+              </a:rPr>
+              <a:t>│   └── features/          # Component directories</a:t>
+            </a:r>
+            <a:endParaRPr sz="800" b="1">
+              <a:solidFill>
+                <a:srgbClr val="3C78D8"/>
+              </a:solidFill>
+              <a:latin typeface="Victor Mono"/>
+              <a:ea typeface="Victor Mono"/>
+              <a:cs typeface="Victor Mono"/>
+              <a:sym typeface="Victor Mono"/>
+            </a:endParaRPr>
+          </a:p>
+          <a:p>
+            <a:pPr marL="0" marR="0" lvl="0" indent="0" algn="l" rtl="0">
+              <a:lnSpc>
+                <a:spcPct val="100000"/>
+              </a:lnSpc>
+              <a:spcBef>
+                <a:spcPts val="0"/>
+              </a:spcBef>
+              <a:spcAft>
+                <a:spcPts val="0"/>
+              </a:spcAft>
+              <a:buNone/>
+            </a:pPr>
+            <a:r>
+              <a:rPr lang="en" sz="800" b="1">
+                <a:solidFill>
+                  <a:srgbClr val="3C78D8"/>
+                </a:solidFill>
+                <a:latin typeface="Victor Mono"/>
+                <a:ea typeface="Victor Mono"/>
+                <a:cs typeface="Victor Mono"/>
+                <a:sym typeface="Victor Mono"/>
+              </a:rPr>
+              <a:t>│       ├── common/</a:t>
+            </a:r>
+            <a:endParaRPr sz="800" b="1">
+              <a:solidFill>
+                <a:srgbClr val="3C78D8"/>
+              </a:solidFill>
+              <a:latin typeface="Victor Mono"/>
+              <a:ea typeface="Victor Mono"/>
+              <a:cs typeface="Victor Mono"/>
+              <a:sym typeface="Victor Mono"/>
+            </a:endParaRPr>
+          </a:p>
+          <a:p>
+            <a:pPr marL="0" marR="0" lvl="0" indent="0" algn="l" rtl="0">
+              <a:lnSpc>
+                <a:spcPct val="100000"/>
+              </a:lnSpc>
+              <a:spcBef>
+                <a:spcPts val="0"/>
+              </a:spcBef>
+              <a:spcAft>
+                <a:spcPts val="0"/>
+              </a:spcAft>
+              <a:buNone/>
+            </a:pPr>
+            <a:r>
+              <a:rPr lang="en" sz="800" b="1">
+                <a:solidFill>
+                  <a:srgbClr val="3C78D8"/>
+                </a:solidFill>
+                <a:latin typeface="Victor Mono"/>
+                <a:ea typeface="Victor Mono"/>
+                <a:cs typeface="Victor Mono"/>
+                <a:sym typeface="Victor Mono"/>
+              </a:rPr>
+              <a:t>│       └── layout/</a:t>
+            </a:r>
+            <a:endParaRPr sz="800" b="1">
+              <a:solidFill>
+                <a:srgbClr val="3C78D8"/>
+              </a:solidFill>
+              <a:latin typeface="Victor Mono"/>
+              <a:ea typeface="Victor Mono"/>
+              <a:cs typeface="Victor Mono"/>
+              <a:sym typeface="Victor Mono"/>
+            </a:endParaRPr>
+          </a:p>
+          <a:p>
+            <a:pPr marL="0" marR="0" lvl="0" indent="0" algn="l" rtl="0">
+              <a:lnSpc>
+                <a:spcPct val="100000"/>
+              </a:lnSpc>
+              <a:spcBef>
+                <a:spcPts val="0"/>
+              </a:spcBef>
+              <a:spcAft>
+                <a:spcPts val="0"/>
+              </a:spcAft>
+              <a:buNone/>
+            </a:pPr>
+            <a:endParaRPr sz="800" b="1">
+              <a:solidFill>
+                <a:srgbClr val="3C78D8"/>
+              </a:solidFill>
+              <a:latin typeface="Victor Mono"/>
+              <a:ea typeface="Victor Mono"/>
+              <a:cs typeface="Victor Mono"/>
+              <a:sym typeface="Victor Mono"/>
+            </a:endParaRPr>
+          </a:p>
+          <a:p>
+            <a:pPr marL="0" marR="0" lvl="0" indent="0" algn="l" rtl="0">
+              <a:lnSpc>
+                <a:spcPct val="100000"/>
+              </a:lnSpc>
+              <a:spcBef>
+                <a:spcPts val="0"/>
+              </a:spcBef>
+              <a:spcAft>
+                <a:spcPts val="0"/>
+              </a:spcAft>
+              <a:buNone/>
+            </a:pPr>
+            <a:r>
+              <a:rPr lang="en" sz="800" b="1">
+                <a:solidFill>
+                  <a:srgbClr val="3C78D8"/>
+                </a:solidFill>
+                <a:latin typeface="Victor Mono"/>
+                <a:ea typeface="Victor Mono"/>
+                <a:cs typeface="Victor Mono"/>
+                <a:sym typeface="Victor Mono"/>
+              </a:rPr>
+              <a:t>prompts/                      # Directory for AI prompts</a:t>
+            </a:r>
+            <a:endParaRPr sz="800" b="1">
+              <a:solidFill>
+                <a:srgbClr val="3C78D8"/>
+              </a:solidFill>
+              <a:latin typeface="Victor Mono"/>
+              <a:ea typeface="Victor Mono"/>
+              <a:cs typeface="Victor Mono"/>
+              <a:sym typeface="Victor Mono"/>
+            </a:endParaRPr>
+          </a:p>
+          <a:p>
+            <a:pPr marL="0" marR="0" lvl="0" indent="0" algn="l" rtl="0">
+              <a:lnSpc>
+                <a:spcPct val="100000"/>
+              </a:lnSpc>
+              <a:spcBef>
+                <a:spcPts val="0"/>
+              </a:spcBef>
+              <a:spcAft>
+                <a:spcPts val="0"/>
+              </a:spcAft>
+              <a:buNone/>
+            </a:pPr>
+            <a:r>
+              <a:rPr lang="en" sz="800" b="1">
+                <a:solidFill>
+                  <a:srgbClr val="3C78D8"/>
+                </a:solidFill>
+                <a:latin typeface="Victor Mono"/>
+                <a:ea typeface="Victor Mono"/>
+                <a:cs typeface="Victor Mono"/>
+                <a:sym typeface="Victor Mono"/>
+              </a:rPr>
+              <a:t>│   ├── backend_prompts.md</a:t>
+            </a:r>
+            <a:endParaRPr sz="800" b="1">
+              <a:solidFill>
+                <a:srgbClr val="3C78D8"/>
+              </a:solidFill>
+              <a:latin typeface="Victor Mono"/>
+              <a:ea typeface="Victor Mono"/>
+              <a:cs typeface="Victor Mono"/>
+              <a:sym typeface="Victor Mono"/>
+            </a:endParaRPr>
+          </a:p>
+          <a:p>
+            <a:pPr marL="0" marR="0" lvl="0" indent="0" algn="l" rtl="0">
+              <a:lnSpc>
+                <a:spcPct val="100000"/>
+              </a:lnSpc>
+              <a:spcBef>
+                <a:spcPts val="0"/>
+              </a:spcBef>
+              <a:spcAft>
+                <a:spcPts val="0"/>
+              </a:spcAft>
+              <a:buNone/>
+            </a:pPr>
+            <a:r>
+              <a:rPr lang="en" sz="800" b="1">
+                <a:solidFill>
+                  <a:srgbClr val="3C78D8"/>
+                </a:solidFill>
+                <a:latin typeface="Victor Mono"/>
+                <a:ea typeface="Victor Mono"/>
+                <a:cs typeface="Victor Mono"/>
+                <a:sym typeface="Victor Mono"/>
+              </a:rPr>
+              <a:t>│   ├── frontend_prompts.md</a:t>
+            </a:r>
+            <a:endParaRPr sz="800" b="1">
+              <a:solidFill>
+                <a:srgbClr val="3C78D8"/>
+              </a:solidFill>
+              <a:latin typeface="Victor Mono"/>
+              <a:ea typeface="Victor Mono"/>
+              <a:cs typeface="Victor Mono"/>
+              <a:sym typeface="Victor Mono"/>
+            </a:endParaRPr>
+          </a:p>
+          <a:p>
+            <a:pPr marL="0" marR="0" lvl="0" indent="0" algn="l" rtl="0">
+              <a:lnSpc>
+                <a:spcPct val="100000"/>
+              </a:lnSpc>
+              <a:spcBef>
+                <a:spcPts val="0"/>
+              </a:spcBef>
+              <a:spcAft>
+                <a:spcPts val="0"/>
+              </a:spcAft>
+              <a:buNone/>
+            </a:pPr>
+            <a:r>
+              <a:rPr lang="en" sz="800" b="1">
+                <a:solidFill>
+                  <a:srgbClr val="3C78D8"/>
+                </a:solidFill>
+                <a:latin typeface="Victor Mono"/>
+                <a:ea typeface="Victor Mono"/>
+                <a:cs typeface="Victor Mono"/>
+                <a:sym typeface="Victor Mono"/>
+              </a:rPr>
+              <a:t>│   └── Claude.md             # Optional: persistent memory</a:t>
+            </a:r>
+            <a:endParaRPr sz="800" b="1">
+              <a:solidFill>
+                <a:srgbClr val="3C78D8"/>
+              </a:solidFill>
+              <a:latin typeface="Victor Mono"/>
+              <a:ea typeface="Victor Mono"/>
+              <a:cs typeface="Victor Mono"/>
+              <a:sym typeface="Victor Mono"/>
+            </a:endParaRPr>
+          </a:p>
+          <a:p>
+            <a:pPr marL="0" marR="0" lvl="0" indent="0" algn="l" rtl="0">
+              <a:lnSpc>
+                <a:spcPct val="100000"/>
+              </a:lnSpc>
+              <a:spcBef>
+                <a:spcPts val="0"/>
+              </a:spcBef>
+              <a:spcAft>
+                <a:spcPts val="0"/>
+              </a:spcAft>
+              <a:buNone/>
+            </a:pPr>
+            <a:endParaRPr sz="800" b="1">
+              <a:solidFill>
+                <a:srgbClr val="3C78D8"/>
+              </a:solidFill>
+              <a:latin typeface="Victor Mono"/>
+              <a:ea typeface="Victor Mono"/>
+              <a:cs typeface="Victor Mono"/>
+              <a:sym typeface="Victor Mono"/>
             </a:endParaRPr>
           </a:p>
         </p:txBody>
@@ -16246,12 +19131,12 @@
 </p:sld>
 </file>
 
-<file path=ppt/slides/slide15.xml><?xml version="1.0" encoding="utf-8"?>
+<file path=ppt/slides/slide16.xml><?xml version="1.0" encoding="utf-8"?>
 <p:sld xmlns:a="http://schemas.openxmlformats.org/drawingml/2006/main" xmlns:r="http://schemas.openxmlformats.org/officeDocument/2006/relationships" xmlns:p="http://schemas.openxmlformats.org/presentationml/2006/main">
   <p:cSld>
     <p:spTree>
       <p:nvGrpSpPr>
-        <p:cNvPr id="1" name="Shape 174"/>
+        <p:cNvPr id="1" name="Shape 200"/>
         <p:cNvGrpSpPr/>
         <p:nvPr/>
       </p:nvGrpSpPr>
@@ -16265,7 +19150,7 @@
       </p:grpSpPr>
       <p:sp>
         <p:nvSpPr>
-          <p:cNvPr id="175" name="Google Shape;175;p29"/>
+          <p:cNvPr id="201" name="Google Shape;201;p30"/>
           <p:cNvSpPr txBox="1"/>
           <p:nvPr/>
         </p:nvSpPr>
@@ -16331,7 +19216,7 @@
       </p:sp>
       <p:sp>
         <p:nvSpPr>
-          <p:cNvPr id="176" name="Google Shape;176;p29"/>
+          <p:cNvPr id="202" name="Google Shape;202;p30"/>
           <p:cNvSpPr txBox="1"/>
           <p:nvPr/>
         </p:nvSpPr>
@@ -16564,7 +19449,7 @@
       </p:sp>
       <p:pic>
         <p:nvPicPr>
-          <p:cNvPr id="177" name="Google Shape;177;p29"/>
+          <p:cNvPr id="203" name="Google Shape;203;p30"/>
           <p:cNvPicPr preferRelativeResize="0"/>
           <p:nvPr/>
         </p:nvPicPr>
@@ -16603,7 +19488,7 @@
       </p:pic>
       <p:pic>
         <p:nvPicPr>
-          <p:cNvPr id="178" name="Google Shape;178;p29"/>
+          <p:cNvPr id="204" name="Google Shape;204;p30"/>
           <p:cNvPicPr preferRelativeResize="0"/>
           <p:nvPr/>
         </p:nvPicPr>
@@ -16642,7 +19527,7 @@
       </p:pic>
       <p:pic>
         <p:nvPicPr>
-          <p:cNvPr id="179" name="Google Shape;179;p29"/>
+          <p:cNvPr id="205" name="Google Shape;205;p30"/>
           <p:cNvPicPr preferRelativeResize="0"/>
           <p:nvPr/>
         </p:nvPicPr>
@@ -16681,7 +19566,7 @@
       </p:pic>
       <p:pic>
         <p:nvPicPr>
-          <p:cNvPr id="180" name="Google Shape;180;p29"/>
+          <p:cNvPr id="206" name="Google Shape;206;p30"/>
           <p:cNvPicPr preferRelativeResize="0"/>
           <p:nvPr/>
         </p:nvPicPr>
@@ -16719,7 +19604,7 @@
       </p:pic>
       <p:pic>
         <p:nvPicPr>
-          <p:cNvPr id="181" name="Google Shape;181;p29"/>
+          <p:cNvPr id="207" name="Google Shape;207;p30"/>
           <p:cNvPicPr preferRelativeResize="0"/>
           <p:nvPr/>
         </p:nvPicPr>
@@ -16764,12 +19649,12 @@
 </p:sld>
 </file>
 
-<file path=ppt/slides/slide16.xml><?xml version="1.0" encoding="utf-8"?>
+<file path=ppt/slides/slide17.xml><?xml version="1.0" encoding="utf-8"?>
 <p:sld xmlns:a="http://schemas.openxmlformats.org/drawingml/2006/main" xmlns:r="http://schemas.openxmlformats.org/officeDocument/2006/relationships" xmlns:p="http://schemas.openxmlformats.org/presentationml/2006/main">
   <p:cSld>
     <p:spTree>
       <p:nvGrpSpPr>
-        <p:cNvPr id="1" name="Shape 185"/>
+        <p:cNvPr id="1" name="Shape 211"/>
         <p:cNvGrpSpPr/>
         <p:nvPr/>
       </p:nvGrpSpPr>
@@ -16783,7 +19668,7 @@
       </p:grpSpPr>
       <p:sp>
         <p:nvSpPr>
-          <p:cNvPr id="186" name="Google Shape;186;p30"/>
+          <p:cNvPr id="212" name="Google Shape;212;p31"/>
           <p:cNvSpPr txBox="1"/>
           <p:nvPr/>
         </p:nvSpPr>
@@ -16950,7 +19835,7 @@
       </p:sp>
       <p:sp>
         <p:nvSpPr>
-          <p:cNvPr id="187" name="Google Shape;187;p30"/>
+          <p:cNvPr id="213" name="Google Shape;213;p31"/>
           <p:cNvSpPr txBox="1"/>
           <p:nvPr/>
         </p:nvSpPr>
@@ -17016,7 +19901,7 @@
       </p:sp>
       <p:sp>
         <p:nvSpPr>
-          <p:cNvPr id="188" name="Google Shape;188;p30"/>
+          <p:cNvPr id="214" name="Google Shape;214;p31"/>
           <p:cNvSpPr txBox="1"/>
           <p:nvPr/>
         </p:nvSpPr>
@@ -17295,7 +20180,7 @@
       </p:sp>
       <p:sp>
         <p:nvSpPr>
-          <p:cNvPr id="189" name="Google Shape;189;p30"/>
+          <p:cNvPr id="215" name="Google Shape;215;p31"/>
           <p:cNvSpPr txBox="1"/>
           <p:nvPr/>
         </p:nvSpPr>
@@ -17369,7 +20254,7 @@
       </p:sp>
       <p:sp>
         <p:nvSpPr>
-          <p:cNvPr id="190" name="Google Shape;190;p30"/>
+          <p:cNvPr id="216" name="Google Shape;216;p31"/>
           <p:cNvSpPr txBox="1"/>
           <p:nvPr/>
         </p:nvSpPr>
@@ -17539,7 +20424,7 @@
       </p:sp>
       <p:sp>
         <p:nvSpPr>
-          <p:cNvPr id="191" name="Google Shape;191;p30"/>
+          <p:cNvPr id="217" name="Google Shape;217;p31"/>
           <p:cNvSpPr txBox="1"/>
           <p:nvPr/>
         </p:nvSpPr>
@@ -17613,7 +20498,7 @@
       </p:sp>
       <p:sp>
         <p:nvSpPr>
-          <p:cNvPr id="192" name="Google Shape;192;p30"/>
+          <p:cNvPr id="218" name="Google Shape;218;p31"/>
           <p:cNvSpPr txBox="1"/>
           <p:nvPr/>
         </p:nvSpPr>
@@ -17691,7 +20576,7 @@
       </p:sp>
       <p:sp>
         <p:nvSpPr>
-          <p:cNvPr id="193" name="Google Shape;193;p30"/>
+          <p:cNvPr id="219" name="Google Shape;219;p31"/>
           <p:cNvSpPr/>
           <p:nvPr/>
         </p:nvSpPr>
@@ -17753,7 +20638,7 @@
       </p:sp>
       <p:sp>
         <p:nvSpPr>
-          <p:cNvPr id="194" name="Google Shape;194;p30"/>
+          <p:cNvPr id="220" name="Google Shape;220;p31"/>
           <p:cNvSpPr/>
           <p:nvPr/>
         </p:nvSpPr>
@@ -17815,7 +20700,7 @@
       </p:sp>
       <p:sp>
         <p:nvSpPr>
-          <p:cNvPr id="195" name="Google Shape;195;p30"/>
+          <p:cNvPr id="221" name="Google Shape;221;p31"/>
           <p:cNvSpPr/>
           <p:nvPr/>
         </p:nvSpPr>
@@ -17877,7 +20762,7 @@
       </p:sp>
       <p:sp>
         <p:nvSpPr>
-          <p:cNvPr id="196" name="Google Shape;196;p30"/>
+          <p:cNvPr id="222" name="Google Shape;222;p31"/>
           <p:cNvSpPr/>
           <p:nvPr/>
         </p:nvSpPr>
@@ -17939,7 +20824,7 @@
       </p:sp>
       <p:sp>
         <p:nvSpPr>
-          <p:cNvPr id="197" name="Google Shape;197;p30"/>
+          <p:cNvPr id="223" name="Google Shape;223;p31"/>
           <p:cNvSpPr txBox="1"/>
           <p:nvPr/>
         </p:nvSpPr>
@@ -18017,7 +20902,7 @@
       </p:sp>
       <p:sp>
         <p:nvSpPr>
-          <p:cNvPr id="198" name="Google Shape;198;p30"/>
+          <p:cNvPr id="224" name="Google Shape;224;p31"/>
           <p:cNvSpPr/>
           <p:nvPr/>
         </p:nvSpPr>
@@ -18079,7 +20964,7 @@
       </p:sp>
       <p:sp>
         <p:nvSpPr>
-          <p:cNvPr id="199" name="Google Shape;199;p30"/>
+          <p:cNvPr id="225" name="Google Shape;225;p31"/>
           <p:cNvSpPr/>
           <p:nvPr/>
         </p:nvSpPr>
@@ -18141,7 +21026,7 @@
       </p:sp>
       <p:sp>
         <p:nvSpPr>
-          <p:cNvPr id="200" name="Google Shape;200;p30"/>
+          <p:cNvPr id="226" name="Google Shape;226;p31"/>
           <p:cNvSpPr txBox="1"/>
           <p:nvPr/>
         </p:nvSpPr>
@@ -18219,7 +21104,7 @@
       </p:sp>
       <p:sp>
         <p:nvSpPr>
-          <p:cNvPr id="201" name="Google Shape;201;p30"/>
+          <p:cNvPr id="227" name="Google Shape;227;p31"/>
           <p:cNvSpPr txBox="1"/>
           <p:nvPr/>
         </p:nvSpPr>
@@ -18293,7 +21178,7 @@
       </p:sp>
       <p:sp>
         <p:nvSpPr>
-          <p:cNvPr id="202" name="Google Shape;202;p30"/>
+          <p:cNvPr id="228" name="Google Shape;228;p31"/>
           <p:cNvSpPr txBox="1"/>
           <p:nvPr/>
         </p:nvSpPr>
@@ -18367,7 +21252,7 @@
       </p:sp>
       <p:sp>
         <p:nvSpPr>
-          <p:cNvPr id="203" name="Google Shape;203;p30"/>
+          <p:cNvPr id="229" name="Google Shape;229;p31"/>
           <p:cNvSpPr/>
           <p:nvPr/>
         </p:nvSpPr>
@@ -18429,7 +21314,7 @@
       </p:sp>
       <p:sp>
         <p:nvSpPr>
-          <p:cNvPr id="204" name="Google Shape;204;p30"/>
+          <p:cNvPr id="230" name="Google Shape;230;p31"/>
           <p:cNvSpPr/>
           <p:nvPr/>
         </p:nvSpPr>
@@ -18491,7 +21376,7 @@
       </p:sp>
       <p:sp>
         <p:nvSpPr>
-          <p:cNvPr id="205" name="Google Shape;205;p30"/>
+          <p:cNvPr id="231" name="Google Shape;231;p31"/>
           <p:cNvSpPr/>
           <p:nvPr/>
         </p:nvSpPr>
@@ -18553,7 +21438,7 @@
       </p:sp>
       <p:sp>
         <p:nvSpPr>
-          <p:cNvPr id="206" name="Google Shape;206;p30"/>
+          <p:cNvPr id="232" name="Google Shape;232;p31"/>
           <p:cNvSpPr/>
           <p:nvPr/>
         </p:nvSpPr>
@@ -18615,7 +21500,7 @@
       </p:sp>
       <p:sp>
         <p:nvSpPr>
-          <p:cNvPr id="207" name="Google Shape;207;p30"/>
+          <p:cNvPr id="233" name="Google Shape;233;p31"/>
           <p:cNvSpPr/>
           <p:nvPr/>
         </p:nvSpPr>
@@ -18677,7 +21562,7 @@
       </p:sp>
       <p:sp>
         <p:nvSpPr>
-          <p:cNvPr id="208" name="Google Shape;208;p30"/>
+          <p:cNvPr id="234" name="Google Shape;234;p31"/>
           <p:cNvSpPr txBox="1"/>
           <p:nvPr/>
         </p:nvSpPr>
@@ -18755,7 +21640,7 @@
       </p:sp>
       <p:sp>
         <p:nvSpPr>
-          <p:cNvPr id="209" name="Google Shape;209;p30"/>
+          <p:cNvPr id="235" name="Google Shape;235;p31"/>
           <p:cNvSpPr/>
           <p:nvPr/>
         </p:nvSpPr>
@@ -18817,7 +21702,7 @@
       </p:sp>
       <p:sp>
         <p:nvSpPr>
-          <p:cNvPr id="210" name="Google Shape;210;p30"/>
+          <p:cNvPr id="236" name="Google Shape;236;p31"/>
           <p:cNvSpPr/>
           <p:nvPr/>
         </p:nvSpPr>
@@ -18879,7 +21764,7 @@
       </p:sp>
       <p:sp>
         <p:nvSpPr>
-          <p:cNvPr id="211" name="Google Shape;211;p30"/>
+          <p:cNvPr id="237" name="Google Shape;237;p31"/>
           <p:cNvSpPr/>
           <p:nvPr/>
         </p:nvSpPr>
@@ -18941,7 +21826,7 @@
       </p:sp>
       <p:sp>
         <p:nvSpPr>
-          <p:cNvPr id="212" name="Google Shape;212;p30"/>
+          <p:cNvPr id="238" name="Google Shape;238;p31"/>
           <p:cNvSpPr/>
           <p:nvPr/>
         </p:nvSpPr>
@@ -19003,7 +21888,7 @@
       </p:sp>
       <p:sp>
         <p:nvSpPr>
-          <p:cNvPr id="213" name="Google Shape;213;p30"/>
+          <p:cNvPr id="239" name="Google Shape;239;p31"/>
           <p:cNvSpPr/>
           <p:nvPr/>
         </p:nvSpPr>
@@ -19065,7 +21950,7 @@
       </p:sp>
       <p:sp>
         <p:nvSpPr>
-          <p:cNvPr id="214" name="Google Shape;214;p30"/>
+          <p:cNvPr id="240" name="Google Shape;240;p31"/>
           <p:cNvSpPr/>
           <p:nvPr/>
         </p:nvSpPr>
@@ -19127,7 +22012,7 @@
       </p:sp>
       <p:sp>
         <p:nvSpPr>
-          <p:cNvPr id="215" name="Google Shape;215;p30"/>
+          <p:cNvPr id="241" name="Google Shape;241;p31"/>
           <p:cNvSpPr/>
           <p:nvPr/>
         </p:nvSpPr>
@@ -19189,7 +22074,7 @@
       </p:sp>
       <p:sp>
         <p:nvSpPr>
-          <p:cNvPr id="216" name="Google Shape;216;p30"/>
+          <p:cNvPr id="242" name="Google Shape;242;p31"/>
           <p:cNvSpPr/>
           <p:nvPr/>
         </p:nvSpPr>
@@ -19251,7 +22136,7 @@
       </p:sp>
       <p:sp>
         <p:nvSpPr>
-          <p:cNvPr id="217" name="Google Shape;217;p30"/>
+          <p:cNvPr id="243" name="Google Shape;243;p31"/>
           <p:cNvSpPr/>
           <p:nvPr/>
         </p:nvSpPr>
@@ -19313,7 +22198,7 @@
       </p:sp>
       <p:sp>
         <p:nvSpPr>
-          <p:cNvPr id="218" name="Google Shape;218;p30"/>
+          <p:cNvPr id="244" name="Google Shape;244;p31"/>
           <p:cNvSpPr txBox="1"/>
           <p:nvPr/>
         </p:nvSpPr>
@@ -19879,7 +22764,7 @@
       </p:sp>
       <p:sp>
         <p:nvSpPr>
-          <p:cNvPr id="219" name="Google Shape;219;p30"/>
+          <p:cNvPr id="245" name="Google Shape;245;p31"/>
           <p:cNvSpPr/>
           <p:nvPr/>
         </p:nvSpPr>
@@ -19941,7 +22826,7 @@
       </p:sp>
       <p:sp>
         <p:nvSpPr>
-          <p:cNvPr id="220" name="Google Shape;220;p30"/>
+          <p:cNvPr id="246" name="Google Shape;246;p31"/>
           <p:cNvSpPr/>
           <p:nvPr/>
         </p:nvSpPr>
@@ -20003,7 +22888,7 @@
       </p:sp>
       <p:sp>
         <p:nvSpPr>
-          <p:cNvPr id="221" name="Google Shape;221;p30"/>
+          <p:cNvPr id="247" name="Google Shape;247;p31"/>
           <p:cNvSpPr txBox="1"/>
           <p:nvPr/>
         </p:nvSpPr>
@@ -20081,7 +22966,7 @@
       </p:sp>
       <p:sp>
         <p:nvSpPr>
-          <p:cNvPr id="222" name="Google Shape;222;p30"/>
+          <p:cNvPr id="248" name="Google Shape;248;p31"/>
           <p:cNvSpPr/>
           <p:nvPr/>
         </p:nvSpPr>
@@ -20143,7 +23028,7 @@
       </p:sp>
       <p:sp>
         <p:nvSpPr>
-          <p:cNvPr id="223" name="Google Shape;223;p30"/>
+          <p:cNvPr id="249" name="Google Shape;249;p31"/>
           <p:cNvSpPr/>
           <p:nvPr/>
         </p:nvSpPr>
@@ -20205,7 +23090,7 @@
       </p:sp>
       <p:sp>
         <p:nvSpPr>
-          <p:cNvPr id="224" name="Google Shape;224;p30"/>
+          <p:cNvPr id="250" name="Google Shape;250;p31"/>
           <p:cNvSpPr/>
           <p:nvPr/>
         </p:nvSpPr>
@@ -20267,7 +23152,7 @@
       </p:sp>
       <p:sp>
         <p:nvSpPr>
-          <p:cNvPr id="225" name="Google Shape;225;p30"/>
+          <p:cNvPr id="251" name="Google Shape;251;p31"/>
           <p:cNvSpPr txBox="1"/>
           <p:nvPr/>
         </p:nvSpPr>
@@ -20345,7 +23230,7 @@
       </p:sp>
       <p:sp>
         <p:nvSpPr>
-          <p:cNvPr id="226" name="Google Shape;226;p30"/>
+          <p:cNvPr id="252" name="Google Shape;252;p31"/>
           <p:cNvSpPr/>
           <p:nvPr/>
         </p:nvSpPr>
@@ -20407,7 +23292,7 @@
       </p:sp>
       <p:sp>
         <p:nvSpPr>
-          <p:cNvPr id="227" name="Google Shape;227;p30"/>
+          <p:cNvPr id="253" name="Google Shape;253;p31"/>
           <p:cNvSpPr/>
           <p:nvPr/>
         </p:nvSpPr>
@@ -20469,7 +23354,7 @@
       </p:sp>
       <p:sp>
         <p:nvSpPr>
-          <p:cNvPr id="228" name="Google Shape;228;p30"/>
+          <p:cNvPr id="254" name="Google Shape;254;p31"/>
           <p:cNvSpPr txBox="1"/>
           <p:nvPr/>
         </p:nvSpPr>
@@ -20547,7 +23432,7 @@
       </p:sp>
       <p:sp>
         <p:nvSpPr>
-          <p:cNvPr id="229" name="Google Shape;229;p30"/>
+          <p:cNvPr id="255" name="Google Shape;255;p31"/>
           <p:cNvSpPr/>
           <p:nvPr/>
         </p:nvSpPr>
@@ -20609,7 +23494,7 @@
       </p:sp>
       <p:sp>
         <p:nvSpPr>
-          <p:cNvPr id="230" name="Google Shape;230;p30"/>
+          <p:cNvPr id="256" name="Google Shape;256;p31"/>
           <p:cNvSpPr/>
           <p:nvPr/>
         </p:nvSpPr>
@@ -20671,7 +23556,7 @@
       </p:sp>
       <p:sp>
         <p:nvSpPr>
-          <p:cNvPr id="231" name="Google Shape;231;p30"/>
+          <p:cNvPr id="257" name="Google Shape;257;p31"/>
           <p:cNvSpPr txBox="1"/>
           <p:nvPr/>
         </p:nvSpPr>
@@ -20749,7 +23634,7 @@
       </p:sp>
       <p:sp>
         <p:nvSpPr>
-          <p:cNvPr id="232" name="Google Shape;232;p30"/>
+          <p:cNvPr id="258" name="Google Shape;258;p31"/>
           <p:cNvSpPr txBox="1"/>
           <p:nvPr/>
         </p:nvSpPr>
@@ -20827,7 +23712,7 @@
       </p:sp>
       <p:sp>
         <p:nvSpPr>
-          <p:cNvPr id="233" name="Google Shape;233;p30"/>
+          <p:cNvPr id="259" name="Google Shape;259;p31"/>
           <p:cNvSpPr/>
           <p:nvPr/>
         </p:nvSpPr>
@@ -20889,7 +23774,7 @@
       </p:sp>
       <p:sp>
         <p:nvSpPr>
-          <p:cNvPr id="234" name="Google Shape;234;p30"/>
+          <p:cNvPr id="260" name="Google Shape;260;p31"/>
           <p:cNvSpPr txBox="1"/>
           <p:nvPr/>
         </p:nvSpPr>
@@ -20967,7 +23852,7 @@
       </p:sp>
       <p:sp>
         <p:nvSpPr>
-          <p:cNvPr id="235" name="Google Shape;235;p30"/>
+          <p:cNvPr id="261" name="Google Shape;261;p31"/>
           <p:cNvSpPr/>
           <p:nvPr/>
         </p:nvSpPr>
@@ -21029,7 +23914,7 @@
       </p:sp>
       <p:sp>
         <p:nvSpPr>
-          <p:cNvPr id="236" name="Google Shape;236;p30"/>
+          <p:cNvPr id="262" name="Google Shape;262;p31"/>
           <p:cNvSpPr txBox="1"/>
           <p:nvPr/>
         </p:nvSpPr>
@@ -21107,7 +23992,7 @@
       </p:sp>
       <p:sp>
         <p:nvSpPr>
-          <p:cNvPr id="237" name="Google Shape;237;p30"/>
+          <p:cNvPr id="263" name="Google Shape;263;p31"/>
           <p:cNvSpPr/>
           <p:nvPr/>
         </p:nvSpPr>
@@ -21169,7 +24054,7 @@
       </p:sp>
       <p:sp>
         <p:nvSpPr>
-          <p:cNvPr id="238" name="Google Shape;238;p30"/>
+          <p:cNvPr id="264" name="Google Shape;264;p31"/>
           <p:cNvSpPr txBox="1"/>
           <p:nvPr/>
         </p:nvSpPr>
@@ -21243,7 +24128,7 @@
       </p:sp>
       <p:sp>
         <p:nvSpPr>
-          <p:cNvPr id="239" name="Google Shape;239;p30"/>
+          <p:cNvPr id="265" name="Google Shape;265;p31"/>
           <p:cNvSpPr txBox="1"/>
           <p:nvPr/>
         </p:nvSpPr>
@@ -21317,7 +24202,7 @@
       </p:sp>
       <p:sp>
         <p:nvSpPr>
-          <p:cNvPr id="240" name="Google Shape;240;p30"/>
+          <p:cNvPr id="266" name="Google Shape;266;p31"/>
           <p:cNvSpPr txBox="1"/>
           <p:nvPr/>
         </p:nvSpPr>
@@ -21386,7 +24271,7 @@
       </p:sp>
       <p:pic>
         <p:nvPicPr>
-          <p:cNvPr id="241" name="Google Shape;241;p30"/>
+          <p:cNvPr id="267" name="Google Shape;267;p31"/>
           <p:cNvPicPr preferRelativeResize="0"/>
           <p:nvPr/>
         </p:nvPicPr>
@@ -21425,7 +24310,7 @@
       </p:pic>
       <p:pic>
         <p:nvPicPr>
-          <p:cNvPr id="242" name="Google Shape;242;p30"/>
+          <p:cNvPr id="268" name="Google Shape;268;p31"/>
           <p:cNvPicPr preferRelativeResize="0"/>
           <p:nvPr/>
         </p:nvPicPr>
@@ -21464,7 +24349,7 @@
       </p:pic>
       <p:sp>
         <p:nvSpPr>
-          <p:cNvPr id="243" name="Google Shape;243;p30"/>
+          <p:cNvPr id="269" name="Google Shape;269;p31"/>
           <p:cNvSpPr/>
           <p:nvPr/>
         </p:nvSpPr>
@@ -21526,7 +24411,7 @@
       </p:sp>
       <p:sp>
         <p:nvSpPr>
-          <p:cNvPr id="244" name="Google Shape;244;p30"/>
+          <p:cNvPr id="270" name="Google Shape;270;p31"/>
           <p:cNvSpPr/>
           <p:nvPr/>
         </p:nvSpPr>
@@ -21588,7 +24473,7 @@
       </p:sp>
       <p:sp>
         <p:nvSpPr>
-          <p:cNvPr id="245" name="Google Shape;245;p30"/>
+          <p:cNvPr id="271" name="Google Shape;271;p31"/>
           <p:cNvSpPr txBox="1"/>
           <p:nvPr/>
         </p:nvSpPr>
@@ -21663,12 +24548,12 @@
 </p:sld>
 </file>
 
-<file path=ppt/slides/slide17.xml><?xml version="1.0" encoding="utf-8"?>
+<file path=ppt/slides/slide18.xml><?xml version="1.0" encoding="utf-8"?>
 <p:sld xmlns:a="http://schemas.openxmlformats.org/drawingml/2006/main" xmlns:r="http://schemas.openxmlformats.org/officeDocument/2006/relationships" xmlns:p="http://schemas.openxmlformats.org/presentationml/2006/main">
   <p:cSld>
     <p:spTree>
       <p:nvGrpSpPr>
-        <p:cNvPr id="1" name="Shape 249"/>
+        <p:cNvPr id="1" name="Shape 275"/>
         <p:cNvGrpSpPr/>
         <p:nvPr/>
       </p:nvGrpSpPr>
@@ -21682,7 +24567,7 @@
       </p:grpSpPr>
       <p:sp>
         <p:nvSpPr>
-          <p:cNvPr id="250" name="Google Shape;250;p31"/>
+          <p:cNvPr id="276" name="Google Shape;276;p32"/>
           <p:cNvSpPr txBox="1"/>
           <p:nvPr/>
         </p:nvSpPr>
@@ -21748,7 +24633,7 @@
       </p:sp>
       <p:sp>
         <p:nvSpPr>
-          <p:cNvPr id="251" name="Google Shape;251;p31"/>
+          <p:cNvPr id="277" name="Google Shape;277;p32"/>
           <p:cNvSpPr txBox="1"/>
           <p:nvPr/>
         </p:nvSpPr>
@@ -21835,7 +24720,7 @@
       </p:sp>
       <p:sp>
         <p:nvSpPr>
-          <p:cNvPr id="252" name="Google Shape;252;p31"/>
+          <p:cNvPr id="278" name="Google Shape;278;p32"/>
           <p:cNvSpPr txBox="1"/>
           <p:nvPr/>
         </p:nvSpPr>
@@ -21971,7 +24856,7 @@
       </p:sp>
       <p:pic>
         <p:nvPicPr>
-          <p:cNvPr id="253" name="Google Shape;253;p31"/>
+          <p:cNvPr id="279" name="Google Shape;279;p32"/>
           <p:cNvPicPr preferRelativeResize="0"/>
           <p:nvPr/>
         </p:nvPicPr>
@@ -22009,7 +24894,7 @@
       </p:pic>
       <p:pic>
         <p:nvPicPr>
-          <p:cNvPr id="254" name="Google Shape;254;p31"/>
+          <p:cNvPr id="280" name="Google Shape;280;p32"/>
           <p:cNvPicPr preferRelativeResize="0"/>
           <p:nvPr/>
         </p:nvPicPr>
@@ -22047,7 +24932,7 @@
       </p:pic>
       <p:sp>
         <p:nvSpPr>
-          <p:cNvPr id="255" name="Google Shape;255;p31"/>
+          <p:cNvPr id="281" name="Google Shape;281;p32"/>
           <p:cNvSpPr txBox="1"/>
           <p:nvPr/>
         </p:nvSpPr>
@@ -22224,12 +25109,12 @@
 </p:sld>
 </file>
 
-<file path=ppt/slides/slide18.xml><?xml version="1.0" encoding="utf-8"?>
+<file path=ppt/slides/slide19.xml><?xml version="1.0" encoding="utf-8"?>
 <p:sld xmlns:a="http://schemas.openxmlformats.org/drawingml/2006/main" xmlns:r="http://schemas.openxmlformats.org/officeDocument/2006/relationships" xmlns:p="http://schemas.openxmlformats.org/presentationml/2006/main">
   <p:cSld>
     <p:spTree>
       <p:nvGrpSpPr>
-        <p:cNvPr id="1" name="Shape 259"/>
+        <p:cNvPr id="1" name="Shape 285"/>
         <p:cNvGrpSpPr/>
         <p:nvPr/>
       </p:nvGrpSpPr>
@@ -22243,7 +25128,7 @@
       </p:grpSpPr>
       <p:pic>
         <p:nvPicPr>
-          <p:cNvPr id="260" name="Google Shape;260;p32"/>
+          <p:cNvPr id="286" name="Google Shape;286;p33"/>
           <p:cNvPicPr preferRelativeResize="0"/>
           <p:nvPr/>
         </p:nvPicPr>
@@ -22275,7 +25160,7 @@
       </p:pic>
       <p:sp>
         <p:nvSpPr>
-          <p:cNvPr id="261" name="Google Shape;261;p32"/>
+          <p:cNvPr id="287" name="Google Shape;287;p33"/>
           <p:cNvSpPr txBox="1"/>
           <p:nvPr/>
         </p:nvSpPr>
@@ -22341,7 +25226,7 @@
       </p:sp>
       <p:sp>
         <p:nvSpPr>
-          <p:cNvPr id="262" name="Google Shape;262;p32"/>
+          <p:cNvPr id="288" name="Google Shape;288;p33"/>
           <p:cNvSpPr txBox="1"/>
           <p:nvPr/>
         </p:nvSpPr>
@@ -22771,7 +25656,7 @@
       </p:sp>
       <p:pic>
         <p:nvPicPr>
-          <p:cNvPr id="263" name="Google Shape;263;p32"/>
+          <p:cNvPr id="289" name="Google Shape;289;p33"/>
           <p:cNvPicPr preferRelativeResize="0"/>
           <p:nvPr/>
         </p:nvPicPr>
@@ -22803,7 +25688,7 @@
       </p:pic>
       <p:sp>
         <p:nvSpPr>
-          <p:cNvPr id="264" name="Google Shape;264;p32"/>
+          <p:cNvPr id="290" name="Google Shape;290;p33"/>
           <p:cNvSpPr txBox="1"/>
           <p:nvPr/>
         </p:nvSpPr>
@@ -22882,7 +25767,7 @@
       </p:sp>
       <p:sp>
         <p:nvSpPr>
-          <p:cNvPr id="265" name="Google Shape;265;p32"/>
+          <p:cNvPr id="291" name="Google Shape;291;p33"/>
           <p:cNvSpPr txBox="1"/>
           <p:nvPr/>
         </p:nvSpPr>
@@ -22954,12 +25839,12 @@
 </p:sld>
 </file>
 
-<file path=ppt/slides/slide19.xml><?xml version="1.0" encoding="utf-8"?>
+<file path=ppt/slides/slide2.xml><?xml version="1.0" encoding="utf-8"?>
 <p:sld xmlns:a="http://schemas.openxmlformats.org/drawingml/2006/main" xmlns:r="http://schemas.openxmlformats.org/officeDocument/2006/relationships" xmlns:p="http://schemas.openxmlformats.org/presentationml/2006/main">
   <p:cSld>
     <p:spTree>
       <p:nvGrpSpPr>
-        <p:cNvPr id="1" name="Shape 269"/>
+        <p:cNvPr id="1" name="Shape 73"/>
         <p:cNvGrpSpPr/>
         <p:nvPr/>
       </p:nvGrpSpPr>
@@ -22973,98 +25858,7 @@
       </p:grpSpPr>
       <p:sp>
         <p:nvSpPr>
-          <p:cNvPr id="270" name="Google Shape;270;p33"/>
-          <p:cNvSpPr txBox="1"/>
-          <p:nvPr/>
-        </p:nvSpPr>
-        <p:spPr>
-          <a:xfrm>
-            <a:off x="2151375" y="1533150"/>
-            <a:ext cx="4632600" cy="1262100"/>
-          </a:xfrm>
-          <a:prstGeom prst="rect">
-            <a:avLst/>
-          </a:prstGeom>
-          <a:noFill/>
-          <a:ln>
-            <a:noFill/>
-          </a:ln>
-        </p:spPr>
-        <p:txBody>
-          <a:bodyPr spcFirstLastPara="1" wrap="square" lIns="91425" tIns="91425" rIns="91425" bIns="91425" anchor="t" anchorCtr="0">
-            <a:spAutoFit/>
-          </a:bodyPr>
-          <a:lstStyle/>
-          <a:p>
-            <a:pPr marL="0" marR="0" lvl="0" indent="0" algn="ctr" rtl="0">
-              <a:lnSpc>
-                <a:spcPct val="100000"/>
-              </a:lnSpc>
-              <a:spcBef>
-                <a:spcPts val="0"/>
-              </a:spcBef>
-              <a:spcAft>
-                <a:spcPts val="0"/>
-              </a:spcAft>
-              <a:buClr>
-                <a:srgbClr val="000000"/>
-              </a:buClr>
-              <a:buSzPts val="7000"/>
-              <a:buFont typeface="Arial"/>
-              <a:buNone/>
-            </a:pPr>
-            <a:r>
-              <a:rPr lang="en" sz="7000" b="1" i="0" u="none" strike="noStrike" cap="none">
-                <a:solidFill>
-                  <a:srgbClr val="3C78D8"/>
-                </a:solidFill>
-                <a:latin typeface="Calibri"/>
-                <a:ea typeface="Calibri"/>
-                <a:cs typeface="Calibri"/>
-                <a:sym typeface="Calibri"/>
-              </a:rPr>
-              <a:t>Thank You!</a:t>
-            </a:r>
-            <a:endParaRPr sz="7000" b="1" i="0" u="none" strike="noStrike" cap="none">
-              <a:solidFill>
-                <a:srgbClr val="3C78D8"/>
-              </a:solidFill>
-              <a:latin typeface="Calibri"/>
-              <a:ea typeface="Calibri"/>
-              <a:cs typeface="Calibri"/>
-              <a:sym typeface="Calibri"/>
-            </a:endParaRPr>
-          </a:p>
-        </p:txBody>
-      </p:sp>
-    </p:spTree>
-  </p:cSld>
-  <p:clrMapOvr>
-    <a:masterClrMapping/>
-  </p:clrMapOvr>
-</p:sld>
-</file>
-
-<file path=ppt/slides/slide2.xml><?xml version="1.0" encoding="utf-8"?>
-<p:sld xmlns:a="http://schemas.openxmlformats.org/drawingml/2006/main" xmlns:r="http://schemas.openxmlformats.org/officeDocument/2006/relationships" xmlns:p="http://schemas.openxmlformats.org/presentationml/2006/main">
-  <p:cSld>
-    <p:spTree>
-      <p:nvGrpSpPr>
-        <p:cNvPr id="1" name="Shape 62"/>
-        <p:cNvGrpSpPr/>
-        <p:nvPr/>
-      </p:nvGrpSpPr>
-      <p:grpSpPr>
-        <a:xfrm>
-          <a:off x="0" y="0"/>
-          <a:ext cx="0" cy="0"/>
-          <a:chOff x="0" y="0"/>
-          <a:chExt cx="0" cy="0"/>
-        </a:xfrm>
-      </p:grpSpPr>
-      <p:sp>
-        <p:nvSpPr>
-          <p:cNvPr id="63" name="Google Shape;63;p15"/>
+          <p:cNvPr id="74" name="Google Shape;74;p16"/>
           <p:cNvSpPr txBox="1"/>
           <p:nvPr/>
         </p:nvSpPr>
@@ -23130,7 +25924,7 @@
       </p:sp>
       <p:sp>
         <p:nvSpPr>
-          <p:cNvPr id="64" name="Google Shape;64;p15"/>
+          <p:cNvPr id="75" name="Google Shape;75;p16"/>
           <p:cNvSpPr txBox="1"/>
           <p:nvPr/>
         </p:nvSpPr>
@@ -23479,7 +26273,7 @@
       </p:sp>
       <p:pic>
         <p:nvPicPr>
-          <p:cNvPr id="65" name="Google Shape;65;p15"/>
+          <p:cNvPr id="76" name="Google Shape;76;p16"/>
           <p:cNvPicPr preferRelativeResize="0"/>
           <p:nvPr/>
         </p:nvPicPr>
@@ -23518,7 +26312,7 @@
       </p:pic>
       <p:pic>
         <p:nvPicPr>
-          <p:cNvPr id="66" name="Google Shape;66;p15"/>
+          <p:cNvPr id="77" name="Google Shape;77;p16"/>
           <p:cNvPicPr preferRelativeResize="0"/>
           <p:nvPr/>
         </p:nvPicPr>
@@ -23557,7 +26351,7 @@
       </p:pic>
       <p:sp>
         <p:nvSpPr>
-          <p:cNvPr id="67" name="Google Shape;67;p15"/>
+          <p:cNvPr id="78" name="Google Shape;78;p16"/>
           <p:cNvSpPr txBox="1"/>
           <p:nvPr/>
         </p:nvSpPr>
@@ -23746,7 +26540,7 @@
       </p:sp>
       <p:sp>
         <p:nvSpPr>
-          <p:cNvPr id="68" name="Google Shape;68;p15"/>
+          <p:cNvPr id="79" name="Google Shape;79;p16"/>
           <p:cNvSpPr txBox="1"/>
           <p:nvPr/>
         </p:nvSpPr>
@@ -23914,12 +26708,12 @@
 </p:sld>
 </file>
 
-<file path=ppt/slides/slide3.xml><?xml version="1.0" encoding="utf-8"?>
+<file path=ppt/slides/slide20.xml><?xml version="1.0" encoding="utf-8"?>
 <p:sld xmlns:a="http://schemas.openxmlformats.org/drawingml/2006/main" xmlns:r="http://schemas.openxmlformats.org/officeDocument/2006/relationships" xmlns:p="http://schemas.openxmlformats.org/presentationml/2006/main">
   <p:cSld>
     <p:spTree>
       <p:nvGrpSpPr>
-        <p:cNvPr id="1" name="Shape 72"/>
+        <p:cNvPr id="1" name="Shape 295"/>
         <p:cNvGrpSpPr/>
         <p:nvPr/>
       </p:nvGrpSpPr>
@@ -23933,7 +26727,714 @@
       </p:grpSpPr>
       <p:sp>
         <p:nvSpPr>
-          <p:cNvPr id="73" name="Google Shape;73;p16"/>
+          <p:cNvPr id="296" name="Google Shape;296;p34"/>
+          <p:cNvSpPr txBox="1"/>
+          <p:nvPr/>
+        </p:nvSpPr>
+        <p:spPr>
+          <a:xfrm>
+            <a:off x="2151375" y="1533150"/>
+            <a:ext cx="4632600" cy="1262100"/>
+          </a:xfrm>
+          <a:prstGeom prst="rect">
+            <a:avLst/>
+          </a:prstGeom>
+          <a:noFill/>
+          <a:ln>
+            <a:noFill/>
+          </a:ln>
+        </p:spPr>
+        <p:txBody>
+          <a:bodyPr spcFirstLastPara="1" wrap="square" lIns="91425" tIns="91425" rIns="91425" bIns="91425" anchor="t" anchorCtr="0">
+            <a:spAutoFit/>
+          </a:bodyPr>
+          <a:lstStyle/>
+          <a:p>
+            <a:pPr marL="0" marR="0" lvl="0" indent="0" algn="ctr" rtl="0">
+              <a:lnSpc>
+                <a:spcPct val="100000"/>
+              </a:lnSpc>
+              <a:spcBef>
+                <a:spcPts val="0"/>
+              </a:spcBef>
+              <a:spcAft>
+                <a:spcPts val="0"/>
+              </a:spcAft>
+              <a:buClr>
+                <a:srgbClr val="000000"/>
+              </a:buClr>
+              <a:buSzPts val="7000"/>
+              <a:buFont typeface="Arial"/>
+              <a:buNone/>
+            </a:pPr>
+            <a:r>
+              <a:rPr lang="en" sz="7000" b="1" i="0" u="none" strike="noStrike" cap="none">
+                <a:solidFill>
+                  <a:srgbClr val="3C78D8"/>
+                </a:solidFill>
+                <a:latin typeface="Calibri"/>
+                <a:ea typeface="Calibri"/>
+                <a:cs typeface="Calibri"/>
+                <a:sym typeface="Calibri"/>
+              </a:rPr>
+              <a:t>Thank You!</a:t>
+            </a:r>
+            <a:endParaRPr sz="7000" b="1" i="0" u="none" strike="noStrike" cap="none">
+              <a:solidFill>
+                <a:srgbClr val="3C78D8"/>
+              </a:solidFill>
+              <a:latin typeface="Calibri"/>
+              <a:ea typeface="Calibri"/>
+              <a:cs typeface="Calibri"/>
+              <a:sym typeface="Calibri"/>
+            </a:endParaRPr>
+          </a:p>
+        </p:txBody>
+      </p:sp>
+    </p:spTree>
+  </p:cSld>
+  <p:clrMapOvr>
+    <a:masterClrMapping/>
+  </p:clrMapOvr>
+</p:sld>
+</file>
+
+<file path=ppt/slides/slide3.xml><?xml version="1.0" encoding="utf-8"?>
+<p:sld xmlns:a="http://schemas.openxmlformats.org/drawingml/2006/main" xmlns:r="http://schemas.openxmlformats.org/officeDocument/2006/relationships" xmlns:p="http://schemas.openxmlformats.org/presentationml/2006/main">
+  <p:cSld>
+    <p:spTree>
+      <p:nvGrpSpPr>
+        <p:cNvPr id="1" name="Shape 83"/>
+        <p:cNvGrpSpPr/>
+        <p:nvPr/>
+      </p:nvGrpSpPr>
+      <p:grpSpPr>
+        <a:xfrm>
+          <a:off x="0" y="0"/>
+          <a:ext cx="0" cy="0"/>
+          <a:chOff x="0" y="0"/>
+          <a:chExt cx="0" cy="0"/>
+        </a:xfrm>
+      </p:grpSpPr>
+      <p:sp>
+        <p:nvSpPr>
+          <p:cNvPr id="84" name="Google Shape;84;p17"/>
+          <p:cNvSpPr txBox="1"/>
+          <p:nvPr/>
+        </p:nvSpPr>
+        <p:spPr>
+          <a:xfrm>
+            <a:off x="55075" y="52750"/>
+            <a:ext cx="3760800" cy="326400"/>
+          </a:xfrm>
+          <a:prstGeom prst="rect">
+            <a:avLst/>
+          </a:prstGeom>
+          <a:noFill/>
+          <a:ln>
+            <a:noFill/>
+          </a:ln>
+        </p:spPr>
+        <p:txBody>
+          <a:bodyPr spcFirstLastPara="1" wrap="square" lIns="9125" tIns="9125" rIns="9125" bIns="9125" anchor="t" anchorCtr="0">
+            <a:spAutoFit/>
+          </a:bodyPr>
+          <a:lstStyle/>
+          <a:p>
+            <a:pPr marL="0" marR="0" lvl="0" indent="0" algn="l" rtl="0">
+              <a:lnSpc>
+                <a:spcPct val="100000"/>
+              </a:lnSpc>
+              <a:spcBef>
+                <a:spcPts val="0"/>
+              </a:spcBef>
+              <a:spcAft>
+                <a:spcPts val="0"/>
+              </a:spcAft>
+              <a:buClr>
+                <a:schemeClr val="dk1"/>
+              </a:buClr>
+              <a:buSzPts val="1100"/>
+              <a:buFont typeface="Arial"/>
+              <a:buNone/>
+            </a:pPr>
+            <a:r>
+              <a:rPr lang="en" sz="2000" b="1">
+                <a:solidFill>
+                  <a:schemeClr val="dk1"/>
+                </a:solidFill>
+                <a:latin typeface="Calibri"/>
+                <a:ea typeface="Calibri"/>
+                <a:cs typeface="Calibri"/>
+                <a:sym typeface="Calibri"/>
+              </a:rPr>
+              <a:t>DeepSeek-R1-0528</a:t>
+            </a:r>
+            <a:endParaRPr sz="2000" b="1" i="0" u="none" strike="noStrike" cap="none">
+              <a:solidFill>
+                <a:schemeClr val="dk1"/>
+              </a:solidFill>
+              <a:latin typeface="Calibri"/>
+              <a:ea typeface="Calibri"/>
+              <a:cs typeface="Calibri"/>
+              <a:sym typeface="Calibri"/>
+            </a:endParaRPr>
+          </a:p>
+        </p:txBody>
+      </p:sp>
+      <p:sp>
+        <p:nvSpPr>
+          <p:cNvPr id="85" name="Google Shape;85;p17"/>
+          <p:cNvSpPr txBox="1"/>
+          <p:nvPr/>
+        </p:nvSpPr>
+        <p:spPr>
+          <a:xfrm>
+            <a:off x="55075" y="438850"/>
+            <a:ext cx="4453200" cy="2235000"/>
+          </a:xfrm>
+          <a:prstGeom prst="rect">
+            <a:avLst/>
+          </a:prstGeom>
+          <a:solidFill>
+            <a:srgbClr val="FFF2CC"/>
+          </a:solidFill>
+          <a:ln w="9525" cap="flat" cmpd="sng">
+            <a:solidFill>
+              <a:srgbClr val="FF0000"/>
+            </a:solidFill>
+            <a:prstDash val="solid"/>
+            <a:round/>
+            <a:headEnd type="none" w="sm" len="sm"/>
+            <a:tailEnd type="none" w="sm" len="sm"/>
+          </a:ln>
+        </p:spPr>
+        <p:txBody>
+          <a:bodyPr spcFirstLastPara="1" wrap="square" lIns="9125" tIns="9125" rIns="9125" bIns="9125" anchor="t" anchorCtr="0">
+            <a:spAutoFit/>
+          </a:bodyPr>
+          <a:lstStyle/>
+          <a:p>
+            <a:pPr marL="171450" marR="0" lvl="0" indent="-133350" algn="l" rtl="0">
+              <a:lnSpc>
+                <a:spcPct val="100000"/>
+              </a:lnSpc>
+              <a:spcBef>
+                <a:spcPts val="0"/>
+              </a:spcBef>
+              <a:spcAft>
+                <a:spcPts val="0"/>
+              </a:spcAft>
+              <a:buClr>
+                <a:srgbClr val="FF0000"/>
+              </a:buClr>
+              <a:buSzPts val="1200"/>
+              <a:buFont typeface="Calibri"/>
+              <a:buChar char="●"/>
+            </a:pPr>
+            <a:r>
+              <a:rPr lang="en" sz="1200" b="1">
+                <a:solidFill>
+                  <a:srgbClr val="FF0000"/>
+                </a:solidFill>
+                <a:latin typeface="Calibri"/>
+                <a:ea typeface="Calibri"/>
+                <a:cs typeface="Calibri"/>
+                <a:sym typeface="Calibri"/>
+              </a:rPr>
+              <a:t>DeepSeek-R1-0528 - open-source reasoning</a:t>
+            </a:r>
+            <a:endParaRPr sz="1200" b="1">
+              <a:solidFill>
+                <a:srgbClr val="FF0000"/>
+              </a:solidFill>
+              <a:latin typeface="Calibri"/>
+              <a:ea typeface="Calibri"/>
+              <a:cs typeface="Calibri"/>
+              <a:sym typeface="Calibri"/>
+            </a:endParaRPr>
+          </a:p>
+          <a:p>
+            <a:pPr marL="171450" marR="0" lvl="0" indent="-133350" algn="l" rtl="0">
+              <a:lnSpc>
+                <a:spcPct val="100000"/>
+              </a:lnSpc>
+              <a:spcBef>
+                <a:spcPts val="0"/>
+              </a:spcBef>
+              <a:spcAft>
+                <a:spcPts val="0"/>
+              </a:spcAft>
+              <a:buClr>
+                <a:schemeClr val="dk1"/>
+              </a:buClr>
+              <a:buSzPts val="1200"/>
+              <a:buFont typeface="Calibri"/>
+              <a:buChar char="●"/>
+            </a:pPr>
+            <a:r>
+              <a:rPr lang="en" sz="1200">
+                <a:solidFill>
+                  <a:schemeClr val="dk1"/>
+                </a:solidFill>
+                <a:latin typeface="Calibri"/>
+                <a:ea typeface="Calibri"/>
+                <a:cs typeface="Calibri"/>
+                <a:sym typeface="Calibri"/>
+              </a:rPr>
+              <a:t>sizes: 1.5B, 7B-8B, 14B-32B, 671B params</a:t>
+            </a:r>
+            <a:endParaRPr sz="1200">
+              <a:solidFill>
+                <a:schemeClr val="dk1"/>
+              </a:solidFill>
+              <a:latin typeface="Calibri"/>
+              <a:ea typeface="Calibri"/>
+              <a:cs typeface="Calibri"/>
+              <a:sym typeface="Calibri"/>
+            </a:endParaRPr>
+          </a:p>
+          <a:p>
+            <a:pPr marL="171450" marR="0" lvl="0" indent="-133350" algn="l" rtl="0">
+              <a:lnSpc>
+                <a:spcPct val="100000"/>
+              </a:lnSpc>
+              <a:spcBef>
+                <a:spcPts val="0"/>
+              </a:spcBef>
+              <a:spcAft>
+                <a:spcPts val="0"/>
+              </a:spcAft>
+              <a:buClr>
+                <a:schemeClr val="dk1"/>
+              </a:buClr>
+              <a:buSzPts val="1200"/>
+              <a:buFont typeface="Calibri"/>
+              <a:buChar char="●"/>
+            </a:pPr>
+            <a:r>
+              <a:rPr lang="en" sz="1200">
+                <a:solidFill>
+                  <a:schemeClr val="dk1"/>
+                </a:solidFill>
+                <a:latin typeface="Calibri"/>
+                <a:ea typeface="Calibri"/>
+                <a:cs typeface="Calibri"/>
+                <a:sym typeface="Calibri"/>
+              </a:rPr>
+              <a:t>can run on phones, laptops, consumer GPUs</a:t>
+            </a:r>
+            <a:endParaRPr sz="1200">
+              <a:solidFill>
+                <a:schemeClr val="dk1"/>
+              </a:solidFill>
+              <a:latin typeface="Calibri"/>
+              <a:ea typeface="Calibri"/>
+              <a:cs typeface="Calibri"/>
+              <a:sym typeface="Calibri"/>
+            </a:endParaRPr>
+          </a:p>
+          <a:p>
+            <a:pPr marL="171450" marR="0" lvl="0" indent="-133350" algn="l" rtl="0">
+              <a:lnSpc>
+                <a:spcPct val="100000"/>
+              </a:lnSpc>
+              <a:spcBef>
+                <a:spcPts val="0"/>
+              </a:spcBef>
+              <a:spcAft>
+                <a:spcPts val="0"/>
+              </a:spcAft>
+              <a:buClr>
+                <a:schemeClr val="dk1"/>
+              </a:buClr>
+              <a:buSzPts val="1200"/>
+              <a:buFont typeface="Calibri"/>
+              <a:buChar char="●"/>
+            </a:pPr>
+            <a:r>
+              <a:rPr lang="en" sz="1200">
+                <a:solidFill>
+                  <a:schemeClr val="dk1"/>
+                </a:solidFill>
+                <a:latin typeface="Calibri"/>
+                <a:ea typeface="Calibri"/>
+                <a:cs typeface="Calibri"/>
+                <a:sym typeface="Calibri"/>
+              </a:rPr>
+              <a:t>MoE, Multihead Latent Attention (MLA) with advanced key-value memory compression, reducing VRAM usage by up to 93%</a:t>
+            </a:r>
+            <a:endParaRPr sz="1200">
+              <a:solidFill>
+                <a:schemeClr val="dk1"/>
+              </a:solidFill>
+              <a:latin typeface="Calibri"/>
+              <a:ea typeface="Calibri"/>
+              <a:cs typeface="Calibri"/>
+              <a:sym typeface="Calibri"/>
+            </a:endParaRPr>
+          </a:p>
+          <a:p>
+            <a:pPr marL="171450" marR="0" lvl="0" indent="-133350" algn="l" rtl="0">
+              <a:lnSpc>
+                <a:spcPct val="100000"/>
+              </a:lnSpc>
+              <a:spcBef>
+                <a:spcPts val="0"/>
+              </a:spcBef>
+              <a:spcAft>
+                <a:spcPts val="0"/>
+              </a:spcAft>
+              <a:buClr>
+                <a:schemeClr val="dk1"/>
+              </a:buClr>
+              <a:buSzPts val="1200"/>
+              <a:buFont typeface="Calibri"/>
+              <a:buChar char="●"/>
+            </a:pPr>
+            <a:r>
+              <a:rPr lang="en" sz="1200">
+                <a:solidFill>
+                  <a:schemeClr val="dk1"/>
+                </a:solidFill>
+                <a:latin typeface="Calibri"/>
+                <a:ea typeface="Calibri"/>
+                <a:cs typeface="Calibri"/>
+                <a:sym typeface="Calibri"/>
+              </a:rPr>
+              <a:t>Multi-Token Prediction - 2x faster inference</a:t>
+            </a:r>
+            <a:endParaRPr sz="1200">
+              <a:solidFill>
+                <a:schemeClr val="dk1"/>
+              </a:solidFill>
+              <a:latin typeface="Calibri"/>
+              <a:ea typeface="Calibri"/>
+              <a:cs typeface="Calibri"/>
+              <a:sym typeface="Calibri"/>
+            </a:endParaRPr>
+          </a:p>
+          <a:p>
+            <a:pPr marL="171450" marR="0" lvl="0" indent="-133350" algn="l" rtl="0">
+              <a:lnSpc>
+                <a:spcPct val="100000"/>
+              </a:lnSpc>
+              <a:spcBef>
+                <a:spcPts val="0"/>
+              </a:spcBef>
+              <a:spcAft>
+                <a:spcPts val="0"/>
+              </a:spcAft>
+              <a:buClr>
+                <a:schemeClr val="dk1"/>
+              </a:buClr>
+              <a:buSzPts val="1200"/>
+              <a:buFont typeface="Calibri"/>
+              <a:buChar char="●"/>
+            </a:pPr>
+            <a:r>
+              <a:rPr lang="en" sz="1200">
+                <a:solidFill>
+                  <a:schemeClr val="dk1"/>
+                </a:solidFill>
+                <a:latin typeface="Calibri"/>
+                <a:ea typeface="Calibri"/>
+                <a:cs typeface="Calibri"/>
+                <a:sym typeface="Calibri"/>
+              </a:rPr>
+              <a:t>Implements low-precision (FP8) mixed computation - less memory, faster processing</a:t>
+            </a:r>
+            <a:endParaRPr sz="1200">
+              <a:solidFill>
+                <a:schemeClr val="dk1"/>
+              </a:solidFill>
+              <a:latin typeface="Calibri"/>
+              <a:ea typeface="Calibri"/>
+              <a:cs typeface="Calibri"/>
+              <a:sym typeface="Calibri"/>
+            </a:endParaRPr>
+          </a:p>
+          <a:p>
+            <a:pPr marL="171450" marR="0" lvl="0" indent="-133350" algn="l" rtl="0">
+              <a:lnSpc>
+                <a:spcPct val="100000"/>
+              </a:lnSpc>
+              <a:spcBef>
+                <a:spcPts val="0"/>
+              </a:spcBef>
+              <a:spcAft>
+                <a:spcPts val="0"/>
+              </a:spcAft>
+              <a:buClr>
+                <a:schemeClr val="dk1"/>
+              </a:buClr>
+              <a:buSzPts val="1200"/>
+              <a:buFont typeface="Calibri"/>
+              <a:buChar char="●"/>
+            </a:pPr>
+            <a:r>
+              <a:rPr lang="en" sz="1200">
+                <a:solidFill>
+                  <a:schemeClr val="dk1"/>
+                </a:solidFill>
+                <a:latin typeface="Calibri"/>
+                <a:ea typeface="Calibri"/>
+                <a:cs typeface="Calibri"/>
+                <a:sym typeface="Calibri"/>
+              </a:rPr>
+              <a:t>Reinforcement Learning - hybrid: Cold-start data + RL</a:t>
+            </a:r>
+            <a:endParaRPr sz="1200">
+              <a:solidFill>
+                <a:schemeClr val="dk1"/>
+              </a:solidFill>
+              <a:latin typeface="Calibri"/>
+              <a:ea typeface="Calibri"/>
+              <a:cs typeface="Calibri"/>
+              <a:sym typeface="Calibri"/>
+            </a:endParaRPr>
+          </a:p>
+          <a:p>
+            <a:pPr marL="171450" marR="0" lvl="0" indent="-133350" algn="l" rtl="0">
+              <a:lnSpc>
+                <a:spcPct val="100000"/>
+              </a:lnSpc>
+              <a:spcBef>
+                <a:spcPts val="0"/>
+              </a:spcBef>
+              <a:spcAft>
+                <a:spcPts val="0"/>
+              </a:spcAft>
+              <a:buClr>
+                <a:schemeClr val="dk1"/>
+              </a:buClr>
+              <a:buSzPts val="1200"/>
+              <a:buFont typeface="Calibri"/>
+              <a:buChar char="●"/>
+            </a:pPr>
+            <a:r>
+              <a:rPr lang="en" sz="1200">
+                <a:solidFill>
+                  <a:schemeClr val="dk1"/>
+                </a:solidFill>
+                <a:latin typeface="Calibri"/>
+                <a:ea typeface="Calibri"/>
+                <a:cs typeface="Calibri"/>
+                <a:sym typeface="Calibri"/>
+              </a:rPr>
+              <a:t>Improved readability and coherence</a:t>
+            </a:r>
+            <a:endParaRPr sz="1200">
+              <a:solidFill>
+                <a:schemeClr val="dk1"/>
+              </a:solidFill>
+              <a:latin typeface="Calibri"/>
+              <a:ea typeface="Calibri"/>
+              <a:cs typeface="Calibri"/>
+              <a:sym typeface="Calibri"/>
+            </a:endParaRPr>
+          </a:p>
+          <a:p>
+            <a:pPr marL="171450" marR="0" lvl="0" indent="-133350" algn="l" rtl="0">
+              <a:lnSpc>
+                <a:spcPct val="100000"/>
+              </a:lnSpc>
+              <a:spcBef>
+                <a:spcPts val="0"/>
+              </a:spcBef>
+              <a:spcAft>
+                <a:spcPts val="0"/>
+              </a:spcAft>
+              <a:buClr>
+                <a:schemeClr val="dk1"/>
+              </a:buClr>
+              <a:buSzPts val="1200"/>
+              <a:buFont typeface="Calibri"/>
+              <a:buChar char="●"/>
+            </a:pPr>
+            <a:r>
+              <a:rPr lang="en" sz="1200">
+                <a:solidFill>
+                  <a:schemeClr val="dk1"/>
+                </a:solidFill>
+                <a:latin typeface="Calibri"/>
+                <a:ea typeface="Calibri"/>
+                <a:cs typeface="Calibri"/>
+                <a:sym typeface="Calibri"/>
+              </a:rPr>
+              <a:t>Quantized and distilled variants (DeepSeek-R1-Distill-Qwen-1.5B, ...) </a:t>
+            </a:r>
+            <a:endParaRPr sz="1200">
+              <a:solidFill>
+                <a:schemeClr val="dk1"/>
+              </a:solidFill>
+              <a:latin typeface="Calibri"/>
+              <a:ea typeface="Calibri"/>
+              <a:cs typeface="Calibri"/>
+              <a:sym typeface="Calibri"/>
+            </a:endParaRPr>
+          </a:p>
+          <a:p>
+            <a:pPr marL="171450" marR="0" lvl="0" indent="-133350" algn="l" rtl="0">
+              <a:lnSpc>
+                <a:spcPct val="100000"/>
+              </a:lnSpc>
+              <a:spcBef>
+                <a:spcPts val="0"/>
+              </a:spcBef>
+              <a:spcAft>
+                <a:spcPts val="0"/>
+              </a:spcAft>
+              <a:buClr>
+                <a:schemeClr val="dk1"/>
+              </a:buClr>
+              <a:buSzPts val="1200"/>
+              <a:buFont typeface="Calibri"/>
+              <a:buChar char="●"/>
+            </a:pPr>
+            <a:r>
+              <a:rPr lang="en" sz="1200" u="sng">
+                <a:solidFill>
+                  <a:schemeClr val="hlink"/>
+                </a:solidFill>
+                <a:latin typeface="Calibri"/>
+                <a:ea typeface="Calibri"/>
+                <a:cs typeface="Calibri"/>
+                <a:sym typeface="Calibri"/>
+                <a:hlinkClick r:id="rId3"/>
+              </a:rPr>
+              <a:t>https://huggingface.co/deepseek-ai/DeepSeek-R1-0528</a:t>
+            </a:r>
+            <a:r>
+              <a:rPr lang="en" sz="1200">
+                <a:solidFill>
+                  <a:schemeClr val="dk1"/>
+                </a:solidFill>
+                <a:latin typeface="Calibri"/>
+                <a:ea typeface="Calibri"/>
+                <a:cs typeface="Calibri"/>
+                <a:sym typeface="Calibri"/>
+              </a:rPr>
+              <a:t> </a:t>
+            </a:r>
+            <a:endParaRPr sz="1200">
+              <a:solidFill>
+                <a:schemeClr val="dk1"/>
+              </a:solidFill>
+              <a:latin typeface="Calibri"/>
+              <a:ea typeface="Calibri"/>
+              <a:cs typeface="Calibri"/>
+              <a:sym typeface="Calibri"/>
+            </a:endParaRPr>
+          </a:p>
+        </p:txBody>
+      </p:sp>
+      <p:pic>
+        <p:nvPicPr>
+          <p:cNvPr id="86" name="Google Shape;86;p17"/>
+          <p:cNvPicPr preferRelativeResize="0"/>
+          <p:nvPr/>
+        </p:nvPicPr>
+        <p:blipFill>
+          <a:blip r:embed="rId4" cstate="email">
+            <a:alphaModFix/>
+            <a:extLst>
+              <a:ext uri="{28A0092B-C50C-407E-A947-70E740481C1C}">
+                <a14:useLocalDpi xmlns:a14="http://schemas.microsoft.com/office/drawing/2010/main"/>
+              </a:ext>
+            </a:extLst>
+          </a:blip>
+          <a:stretch>
+            <a:fillRect/>
+          </a:stretch>
+        </p:blipFill>
+        <p:spPr>
+          <a:xfrm>
+            <a:off x="4715675" y="358650"/>
+            <a:ext cx="2233375" cy="1111017"/>
+          </a:xfrm>
+          <a:prstGeom prst="rect">
+            <a:avLst/>
+          </a:prstGeom>
+          <a:noFill/>
+          <a:ln w="9525" cap="flat" cmpd="sng">
+            <a:solidFill>
+              <a:srgbClr val="FF0000"/>
+            </a:solidFill>
+            <a:prstDash val="solid"/>
+            <a:round/>
+            <a:headEnd type="none" w="sm" len="sm"/>
+            <a:tailEnd type="none" w="sm" len="sm"/>
+          </a:ln>
+        </p:spPr>
+      </p:pic>
+      <p:pic>
+        <p:nvPicPr>
+          <p:cNvPr id="87" name="Google Shape;87;p17"/>
+          <p:cNvPicPr preferRelativeResize="0"/>
+          <p:nvPr/>
+        </p:nvPicPr>
+        <p:blipFill>
+          <a:blip r:embed="rId5" cstate="email">
+            <a:alphaModFix/>
+            <a:extLst>
+              <a:ext uri="{28A0092B-C50C-407E-A947-70E740481C1C}">
+                <a14:useLocalDpi xmlns:a14="http://schemas.microsoft.com/office/drawing/2010/main"/>
+              </a:ext>
+            </a:extLst>
+          </a:blip>
+          <a:stretch>
+            <a:fillRect/>
+          </a:stretch>
+        </p:blipFill>
+        <p:spPr>
+          <a:xfrm>
+            <a:off x="7156450" y="265500"/>
+            <a:ext cx="1653150" cy="1297325"/>
+          </a:xfrm>
+          <a:prstGeom prst="rect">
+            <a:avLst/>
+          </a:prstGeom>
+          <a:noFill/>
+          <a:ln w="9525" cap="flat" cmpd="sng">
+            <a:solidFill>
+              <a:srgbClr val="FF0000"/>
+            </a:solidFill>
+            <a:prstDash val="solid"/>
+            <a:round/>
+            <a:headEnd type="none" w="sm" len="sm"/>
+            <a:tailEnd type="none" w="sm" len="sm"/>
+          </a:ln>
+        </p:spPr>
+      </p:pic>
+    </p:spTree>
+  </p:cSld>
+  <p:clrMapOvr>
+    <a:masterClrMapping/>
+  </p:clrMapOvr>
+</p:sld>
+</file>
+
+<file path=ppt/slides/slide4.xml><?xml version="1.0" encoding="utf-8"?>
+<p:sld xmlns:a="http://schemas.openxmlformats.org/drawingml/2006/main" xmlns:r="http://schemas.openxmlformats.org/officeDocument/2006/relationships" xmlns:p="http://schemas.openxmlformats.org/presentationml/2006/main">
+  <p:cSld>
+    <p:spTree>
+      <p:nvGrpSpPr>
+        <p:cNvPr id="1" name="Shape 91"/>
+        <p:cNvGrpSpPr/>
+        <p:nvPr/>
+      </p:nvGrpSpPr>
+      <p:grpSpPr>
+        <a:xfrm>
+          <a:off x="0" y="0"/>
+          <a:ext cx="0" cy="0"/>
+          <a:chOff x="0" y="0"/>
+          <a:chExt cx="0" cy="0"/>
+        </a:xfrm>
+      </p:grpSpPr>
+      <p:sp>
+        <p:nvSpPr>
+          <p:cNvPr id="92" name="Google Shape;92;p18"/>
           <p:cNvSpPr txBox="1"/>
           <p:nvPr/>
         </p:nvSpPr>
@@ -23999,7 +27500,7 @@
       </p:sp>
       <p:sp>
         <p:nvSpPr>
-          <p:cNvPr id="74" name="Google Shape;74;p16"/>
+          <p:cNvPr id="93" name="Google Shape;93;p18"/>
           <p:cNvSpPr txBox="1"/>
           <p:nvPr/>
         </p:nvSpPr>
@@ -24149,14 +27650,14 @@
       </p:sp>
       <p:sp>
         <p:nvSpPr>
-          <p:cNvPr id="75" name="Google Shape;75;p16"/>
+          <p:cNvPr id="94" name="Google Shape;94;p18"/>
           <p:cNvSpPr txBox="1"/>
           <p:nvPr/>
         </p:nvSpPr>
         <p:spPr>
           <a:xfrm>
-            <a:off x="55075" y="1271175"/>
-            <a:ext cx="4453200" cy="1865400"/>
+            <a:off x="55075" y="2937000"/>
+            <a:ext cx="4453200" cy="1634700"/>
           </a:xfrm>
           <a:prstGeom prst="rect">
             <a:avLst/>
@@ -24394,7 +27895,7 @@
               </a:rPr>
               <a:t>UBS plans to scale to 5,000 videos annually</a:t>
             </a:r>
-            <a:endParaRPr sz="1200">
+            <a:endParaRPr sz="900">
               <a:solidFill>
                 <a:schemeClr val="dk1"/>
               </a:solidFill>
@@ -24405,25 +27906,25 @@
             </a:endParaRPr>
           </a:p>
           <a:p>
-            <a:pPr marL="171450" marR="0" lvl="0" indent="-133350" algn="l" rtl="0">
-              <a:lnSpc>
-                <a:spcPct val="100000"/>
-              </a:lnSpc>
-              <a:spcBef>
-                <a:spcPts val="0"/>
-              </a:spcBef>
-              <a:spcAft>
-                <a:spcPts val="0"/>
-              </a:spcAft>
-              <a:buClr>
-                <a:schemeClr val="dk1"/>
-              </a:buClr>
-              <a:buSzPts val="1200"/>
+            <a:pPr marL="171450" marR="0" lvl="0" indent="-114300" algn="l" rtl="0">
+              <a:lnSpc>
+                <a:spcPct val="100000"/>
+              </a:lnSpc>
+              <a:spcBef>
+                <a:spcPts val="0"/>
+              </a:spcBef>
+              <a:spcAft>
+                <a:spcPts val="0"/>
+              </a:spcAft>
+              <a:buClr>
+                <a:schemeClr val="dk1"/>
+              </a:buClr>
+              <a:buSzPts val="900"/>
               <a:buFont typeface="Calibri"/>
               <a:buChar char="●"/>
             </a:pPr>
             <a:r>
-              <a:rPr lang="en" sz="1200" u="sng">
+              <a:rPr lang="en" sz="900" u="sng">
                 <a:solidFill>
                   <a:schemeClr val="hlink"/>
                 </a:solidFill>
@@ -24436,7 +27937,7 @@
               <a:t>https://www.swissinfo.ch/eng/swiss-ai/ubs-deploys-ai-analyst-clones/89349363</a:t>
             </a:r>
             <a:r>
-              <a:rPr lang="en" sz="1200">
+              <a:rPr lang="en" sz="900">
                 <a:solidFill>
                   <a:schemeClr val="dk1"/>
                 </a:solidFill>
@@ -24447,7 +27948,7 @@
               </a:rPr>
               <a:t> </a:t>
             </a:r>
-            <a:endParaRPr sz="1200">
+            <a:endParaRPr sz="900">
               <a:solidFill>
                 <a:schemeClr val="dk1"/>
               </a:solidFill>
@@ -24459,6 +27960,79 @@
           </a:p>
         </p:txBody>
       </p:sp>
+      <p:pic>
+        <p:nvPicPr>
+          <p:cNvPr id="95" name="Google Shape;95;p18"/>
+          <p:cNvPicPr preferRelativeResize="0"/>
+          <p:nvPr/>
+        </p:nvPicPr>
+        <p:blipFill>
+          <a:blip r:embed="rId6" cstate="email">
+            <a:alphaModFix/>
+            <a:extLst>
+              <a:ext uri="{28A0092B-C50C-407E-A947-70E740481C1C}">
+                <a14:useLocalDpi xmlns:a14="http://schemas.microsoft.com/office/drawing/2010/main"/>
+              </a:ext>
+            </a:extLst>
+          </a:blip>
+          <a:stretch>
+            <a:fillRect/>
+          </a:stretch>
+        </p:blipFill>
+        <p:spPr>
+          <a:xfrm>
+            <a:off x="5315600" y="2601225"/>
+            <a:ext cx="2362499" cy="2306249"/>
+          </a:xfrm>
+          <a:prstGeom prst="rect">
+            <a:avLst/>
+          </a:prstGeom>
+          <a:noFill/>
+          <a:ln w="9525" cap="flat" cmpd="sng">
+            <a:solidFill>
+              <a:srgbClr val="FF0000"/>
+            </a:solidFill>
+            <a:prstDash val="solid"/>
+            <a:round/>
+            <a:headEnd type="none" w="sm" len="sm"/>
+            <a:tailEnd type="none" w="sm" len="sm"/>
+          </a:ln>
+        </p:spPr>
+      </p:pic>
+      <p:pic>
+        <p:nvPicPr>
+          <p:cNvPr id="96" name="Google Shape;96;p18"/>
+          <p:cNvPicPr preferRelativeResize="0"/>
+          <p:nvPr/>
+        </p:nvPicPr>
+        <p:blipFill>
+          <a:blip r:embed="rId7">
+            <a:alphaModFix/>
+          </a:blip>
+          <a:stretch>
+            <a:fillRect/>
+          </a:stretch>
+        </p:blipFill>
+        <p:spPr>
+          <a:xfrm>
+            <a:off x="5763563" y="52738"/>
+            <a:ext cx="1914525" cy="2390775"/>
+          </a:xfrm>
+          <a:prstGeom prst="rect">
+            <a:avLst/>
+          </a:prstGeom>
+          <a:noFill/>
+          <a:ln w="9525" cap="flat" cmpd="sng">
+            <a:solidFill>
+              <a:srgbClr val="FF0000"/>
+            </a:solidFill>
+            <a:prstDash val="solid"/>
+            <a:round/>
+            <a:headEnd type="none" w="sm" len="sm"/>
+            <a:tailEnd type="none" w="sm" len="sm"/>
+          </a:ln>
+        </p:spPr>
+      </p:pic>
     </p:spTree>
   </p:cSld>
   <p:clrMapOvr>
@@ -24467,12 +28041,12 @@
 </p:sld>
 </file>
 
-<file path=ppt/slides/slide4.xml><?xml version="1.0" encoding="utf-8"?>
+<file path=ppt/slides/slide5.xml><?xml version="1.0" encoding="utf-8"?>
 <p:sld xmlns:a="http://schemas.openxmlformats.org/drawingml/2006/main" xmlns:r="http://schemas.openxmlformats.org/officeDocument/2006/relationships" xmlns:p="http://schemas.openxmlformats.org/presentationml/2006/main">
   <p:cSld>
     <p:spTree>
       <p:nvGrpSpPr>
-        <p:cNvPr id="1" name="Shape 79"/>
+        <p:cNvPr id="1" name="Shape 100"/>
         <p:cNvGrpSpPr/>
         <p:nvPr/>
       </p:nvGrpSpPr>
@@ -24486,7 +28060,7 @@
       </p:grpSpPr>
       <p:sp>
         <p:nvSpPr>
-          <p:cNvPr id="80" name="Google Shape;80;p17"/>
+          <p:cNvPr id="101" name="Google Shape;101;p19"/>
           <p:cNvSpPr txBox="1"/>
           <p:nvPr/>
         </p:nvSpPr>
@@ -24552,7 +28126,7 @@
       </p:sp>
       <p:sp>
         <p:nvSpPr>
-          <p:cNvPr id="81" name="Google Shape;81;p17"/>
+          <p:cNvPr id="102" name="Google Shape;102;p19"/>
           <p:cNvSpPr txBox="1"/>
           <p:nvPr/>
         </p:nvSpPr>
@@ -24854,7 +28428,7 @@
       </p:sp>
       <p:sp>
         <p:nvSpPr>
-          <p:cNvPr id="82" name="Google Shape;82;p17"/>
+          <p:cNvPr id="103" name="Google Shape;103;p19"/>
           <p:cNvSpPr txBox="1"/>
           <p:nvPr/>
         </p:nvSpPr>
@@ -25166,6 +28740,123 @@
           </a:p>
         </p:txBody>
       </p:sp>
+      <p:pic>
+        <p:nvPicPr>
+          <p:cNvPr id="104" name="Google Shape;104;p19"/>
+          <p:cNvPicPr preferRelativeResize="0"/>
+          <p:nvPr/>
+        </p:nvPicPr>
+        <p:blipFill>
+          <a:blip r:embed="rId3" cstate="email">
+            <a:alphaModFix/>
+            <a:extLst>
+              <a:ext uri="{28A0092B-C50C-407E-A947-70E740481C1C}">
+                <a14:useLocalDpi xmlns:a14="http://schemas.microsoft.com/office/drawing/2010/main"/>
+              </a:ext>
+            </a:extLst>
+          </a:blip>
+          <a:stretch>
+            <a:fillRect/>
+          </a:stretch>
+        </p:blipFill>
+        <p:spPr>
+          <a:xfrm>
+            <a:off x="5168050" y="922625"/>
+            <a:ext cx="2575475" cy="1770301"/>
+          </a:xfrm>
+          <a:prstGeom prst="rect">
+            <a:avLst/>
+          </a:prstGeom>
+          <a:noFill/>
+          <a:ln w="9525" cap="flat" cmpd="sng">
+            <a:solidFill>
+              <a:srgbClr val="FF0000"/>
+            </a:solidFill>
+            <a:prstDash val="solid"/>
+            <a:round/>
+            <a:headEnd type="none" w="sm" len="sm"/>
+            <a:tailEnd type="none" w="sm" len="sm"/>
+          </a:ln>
+        </p:spPr>
+      </p:pic>
+      <p:pic>
+        <p:nvPicPr>
+          <p:cNvPr id="105" name="Google Shape;105;p19"/>
+          <p:cNvPicPr preferRelativeResize="0"/>
+          <p:nvPr/>
+        </p:nvPicPr>
+        <p:blipFill>
+          <a:blip r:embed="rId4" cstate="email">
+            <a:alphaModFix/>
+            <a:extLst>
+              <a:ext uri="{28A0092B-C50C-407E-A947-70E740481C1C}">
+                <a14:useLocalDpi xmlns:a14="http://schemas.microsoft.com/office/drawing/2010/main"/>
+              </a:ext>
+            </a:extLst>
+          </a:blip>
+          <a:stretch>
+            <a:fillRect/>
+          </a:stretch>
+        </p:blipFill>
+        <p:spPr>
+          <a:xfrm>
+            <a:off x="5168050" y="3015429"/>
+            <a:ext cx="2575473" cy="746995"/>
+          </a:xfrm>
+          <a:prstGeom prst="rect">
+            <a:avLst/>
+          </a:prstGeom>
+          <a:noFill/>
+          <a:ln w="9525" cap="flat" cmpd="sng">
+            <a:solidFill>
+              <a:srgbClr val="FF0000"/>
+            </a:solidFill>
+            <a:prstDash val="solid"/>
+            <a:round/>
+            <a:headEnd type="none" w="sm" len="sm"/>
+            <a:tailEnd type="none" w="sm" len="sm"/>
+          </a:ln>
+        </p:spPr>
+      </p:pic>
+      <p:pic>
+        <p:nvPicPr>
+          <p:cNvPr id="106" name="Google Shape;106;p19"/>
+          <p:cNvPicPr preferRelativeResize="0"/>
+          <p:nvPr/>
+        </p:nvPicPr>
+        <p:blipFill>
+          <a:blip r:embed="rId5" cstate="email">
+            <a:alphaModFix/>
+            <a:extLst>
+              <a:ext uri="{28A0092B-C50C-407E-A947-70E740481C1C}">
+                <a14:useLocalDpi xmlns:a14="http://schemas.microsoft.com/office/drawing/2010/main"/>
+              </a:ext>
+            </a:extLst>
+          </a:blip>
+          <a:stretch>
+            <a:fillRect/>
+          </a:stretch>
+        </p:blipFill>
+        <p:spPr>
+          <a:xfrm>
+            <a:off x="5168050" y="3812275"/>
+            <a:ext cx="2575477" cy="780332"/>
+          </a:xfrm>
+          <a:prstGeom prst="rect">
+            <a:avLst/>
+          </a:prstGeom>
+          <a:noFill/>
+          <a:ln w="9525" cap="flat" cmpd="sng">
+            <a:solidFill>
+              <a:srgbClr val="FF0000"/>
+            </a:solidFill>
+            <a:prstDash val="solid"/>
+            <a:round/>
+            <a:headEnd type="none" w="sm" len="sm"/>
+            <a:tailEnd type="none" w="sm" len="sm"/>
+          </a:ln>
+        </p:spPr>
+      </p:pic>
     </p:spTree>
   </p:cSld>
   <p:clrMapOvr>
@@ -25174,12 +28865,12 @@
 </p:sld>
 </file>
 
-<file path=ppt/slides/slide5.xml><?xml version="1.0" encoding="utf-8"?>
+<file path=ppt/slides/slide6.xml><?xml version="1.0" encoding="utf-8"?>
 <p:sld xmlns:a="http://schemas.openxmlformats.org/drawingml/2006/main" xmlns:r="http://schemas.openxmlformats.org/officeDocument/2006/relationships" xmlns:p="http://schemas.openxmlformats.org/presentationml/2006/main">
   <p:cSld>
     <p:spTree>
       <p:nvGrpSpPr>
-        <p:cNvPr id="1" name="Shape 86"/>
+        <p:cNvPr id="1" name="Shape 110"/>
         <p:cNvGrpSpPr/>
         <p:nvPr/>
       </p:nvGrpSpPr>
@@ -25193,7 +28884,7 @@
       </p:grpSpPr>
       <p:sp>
         <p:nvSpPr>
-          <p:cNvPr id="87" name="Google Shape;87;p18"/>
+          <p:cNvPr id="111" name="Google Shape;111;p20"/>
           <p:cNvSpPr txBox="1"/>
           <p:nvPr/>
         </p:nvSpPr>
@@ -25259,7 +28950,7 @@
       </p:sp>
       <p:sp>
         <p:nvSpPr>
-          <p:cNvPr id="88" name="Google Shape;88;p18"/>
+          <p:cNvPr id="112" name="Google Shape;112;p20"/>
           <p:cNvSpPr txBox="1"/>
           <p:nvPr/>
         </p:nvSpPr>
@@ -25454,7 +29145,7 @@
       </p:sp>
       <p:pic>
         <p:nvPicPr>
-          <p:cNvPr id="89" name="Google Shape;89;p18"/>
+          <p:cNvPr id="113" name="Google Shape;113;p20"/>
           <p:cNvPicPr preferRelativeResize="0"/>
           <p:nvPr/>
         </p:nvPicPr>
@@ -25493,7 +29184,7 @@
       </p:pic>
       <p:sp>
         <p:nvSpPr>
-          <p:cNvPr id="90" name="Google Shape;90;p18"/>
+          <p:cNvPr id="114" name="Google Shape;114;p20"/>
           <p:cNvSpPr txBox="1"/>
           <p:nvPr/>
         </p:nvSpPr>
@@ -25858,6 +29549,45 @@
           </a:p>
         </p:txBody>
       </p:sp>
+      <p:pic>
+        <p:nvPicPr>
+          <p:cNvPr id="115" name="Google Shape;115;p20"/>
+          <p:cNvPicPr preferRelativeResize="0"/>
+          <p:nvPr/>
+        </p:nvPicPr>
+        <p:blipFill>
+          <a:blip r:embed="rId6" cstate="email">
+            <a:alphaModFix/>
+            <a:extLst>
+              <a:ext uri="{28A0092B-C50C-407E-A947-70E740481C1C}">
+                <a14:useLocalDpi xmlns:a14="http://schemas.microsoft.com/office/drawing/2010/main"/>
+              </a:ext>
+            </a:extLst>
+          </a:blip>
+          <a:stretch>
+            <a:fillRect/>
+          </a:stretch>
+        </p:blipFill>
+        <p:spPr>
+          <a:xfrm>
+            <a:off x="4719625" y="2470325"/>
+            <a:ext cx="3961926" cy="2520775"/>
+          </a:xfrm>
+          <a:prstGeom prst="rect">
+            <a:avLst/>
+          </a:prstGeom>
+          <a:noFill/>
+          <a:ln w="9525" cap="flat" cmpd="sng">
+            <a:solidFill>
+              <a:srgbClr val="FF0000"/>
+            </a:solidFill>
+            <a:prstDash val="solid"/>
+            <a:round/>
+            <a:headEnd type="none" w="sm" len="sm"/>
+            <a:tailEnd type="none" w="sm" len="sm"/>
+          </a:ln>
+        </p:spPr>
+      </p:pic>
     </p:spTree>
   </p:cSld>
   <p:clrMapOvr>
@@ -25866,12 +29596,12 @@
 </p:sld>
 </file>
 
-<file path=ppt/slides/slide6.xml><?xml version="1.0" encoding="utf-8"?>
+<file path=ppt/slides/slide7.xml><?xml version="1.0" encoding="utf-8"?>
 <p:sld xmlns:a="http://schemas.openxmlformats.org/drawingml/2006/main" xmlns:r="http://schemas.openxmlformats.org/officeDocument/2006/relationships" xmlns:p="http://schemas.openxmlformats.org/presentationml/2006/main">
   <p:cSld>
     <p:spTree>
       <p:nvGrpSpPr>
-        <p:cNvPr id="1" name="Shape 94"/>
+        <p:cNvPr id="1" name="Shape 119"/>
         <p:cNvGrpSpPr/>
         <p:nvPr/>
       </p:nvGrpSpPr>
@@ -25885,7 +29615,7 @@
       </p:grpSpPr>
       <p:sp>
         <p:nvSpPr>
-          <p:cNvPr id="95" name="Google Shape;95;p19"/>
+          <p:cNvPr id="120" name="Google Shape;120;p21"/>
           <p:cNvSpPr txBox="1"/>
           <p:nvPr/>
         </p:nvSpPr>
@@ -25951,7 +29681,7 @@
       </p:sp>
       <p:sp>
         <p:nvSpPr>
-          <p:cNvPr id="96" name="Google Shape;96;p19"/>
+          <p:cNvPr id="121" name="Google Shape;121;p21"/>
           <p:cNvSpPr txBox="1"/>
           <p:nvPr/>
         </p:nvSpPr>
@@ -26532,7 +30262,7 @@
       </p:sp>
       <p:pic>
         <p:nvPicPr>
-          <p:cNvPr id="97" name="Google Shape;97;p19"/>
+          <p:cNvPr id="122" name="Google Shape;122;p21"/>
           <p:cNvPicPr preferRelativeResize="0"/>
           <p:nvPr/>
         </p:nvPicPr>
@@ -26565,7 +30295,7 @@
       </p:pic>
       <p:pic>
         <p:nvPicPr>
-          <p:cNvPr id="98" name="Google Shape;98;p19"/>
+          <p:cNvPr id="123" name="Google Shape;123;p21"/>
           <p:cNvPicPr preferRelativeResize="0"/>
           <p:nvPr/>
         </p:nvPicPr>
@@ -26598,7 +30328,7 @@
       </p:pic>
       <p:pic>
         <p:nvPicPr>
-          <p:cNvPr id="99" name="Google Shape;99;p19"/>
+          <p:cNvPr id="124" name="Google Shape;124;p21"/>
           <p:cNvPicPr preferRelativeResize="0"/>
           <p:nvPr/>
         </p:nvPicPr>
@@ -26631,7 +30361,7 @@
       </p:pic>
       <p:pic>
         <p:nvPicPr>
-          <p:cNvPr id="100" name="Google Shape;100;p19"/>
+          <p:cNvPr id="125" name="Google Shape;125;p21"/>
           <p:cNvPicPr preferRelativeResize="0"/>
           <p:nvPr/>
         </p:nvPicPr>
@@ -26664,7 +30394,7 @@
       </p:pic>
       <p:pic>
         <p:nvPicPr>
-          <p:cNvPr id="101" name="Google Shape;101;p19" title="gemini.jpg"/>
+          <p:cNvPr id="126" name="Google Shape;126;p21" title="gemini.jpg"/>
           <p:cNvPicPr preferRelativeResize="0"/>
           <p:nvPr/>
         </p:nvPicPr>
@@ -26703,12 +30433,12 @@
 </p:sld>
 </file>
 
-<file path=ppt/slides/slide7.xml><?xml version="1.0" encoding="utf-8"?>
+<file path=ppt/slides/slide8.xml><?xml version="1.0" encoding="utf-8"?>
 <p:sld xmlns:a="http://schemas.openxmlformats.org/drawingml/2006/main" xmlns:r="http://schemas.openxmlformats.org/officeDocument/2006/relationships" xmlns:p="http://schemas.openxmlformats.org/presentationml/2006/main">
   <p:cSld>
     <p:spTree>
       <p:nvGrpSpPr>
-        <p:cNvPr id="1" name="Shape 105"/>
+        <p:cNvPr id="1" name="Shape 130"/>
         <p:cNvGrpSpPr/>
         <p:nvPr/>
       </p:nvGrpSpPr>
@@ -26722,7 +30452,7 @@
       </p:grpSpPr>
       <p:sp>
         <p:nvSpPr>
-          <p:cNvPr id="106" name="Google Shape;106;p20"/>
+          <p:cNvPr id="131" name="Google Shape;131;p22"/>
           <p:cNvSpPr txBox="1"/>
           <p:nvPr/>
         </p:nvSpPr>
@@ -26788,7 +30518,7 @@
       </p:sp>
       <p:sp>
         <p:nvSpPr>
-          <p:cNvPr id="107" name="Google Shape;107;p20"/>
+          <p:cNvPr id="132" name="Google Shape;132;p22"/>
           <p:cNvSpPr txBox="1"/>
           <p:nvPr/>
         </p:nvSpPr>
@@ -27031,7 +30761,7 @@
       </p:sp>
       <p:sp>
         <p:nvSpPr>
-          <p:cNvPr id="108" name="Google Shape;108;p20"/>
+          <p:cNvPr id="133" name="Google Shape;133;p22"/>
           <p:cNvSpPr txBox="1"/>
           <p:nvPr/>
         </p:nvSpPr>
@@ -27382,7 +31112,7 @@
       </p:sp>
       <p:pic>
         <p:nvPicPr>
-          <p:cNvPr id="109" name="Google Shape;109;p20"/>
+          <p:cNvPr id="134" name="Google Shape;134;p22"/>
           <p:cNvPicPr preferRelativeResize="0"/>
           <p:nvPr/>
         </p:nvPicPr>
@@ -27415,7 +31145,7 @@
       </p:pic>
       <p:pic>
         <p:nvPicPr>
-          <p:cNvPr id="110" name="Google Shape;110;p20"/>
+          <p:cNvPr id="135" name="Google Shape;135;p22"/>
           <p:cNvPicPr preferRelativeResize="0"/>
           <p:nvPr/>
         </p:nvPicPr>
@@ -27453,12 +31183,12 @@
 </p:sld>
 </file>
 
-<file path=ppt/slides/slide8.xml><?xml version="1.0" encoding="utf-8"?>
+<file path=ppt/slides/slide9.xml><?xml version="1.0" encoding="utf-8"?>
 <p:sld xmlns:a="http://schemas.openxmlformats.org/drawingml/2006/main" xmlns:r="http://schemas.openxmlformats.org/officeDocument/2006/relationships" xmlns:p="http://schemas.openxmlformats.org/presentationml/2006/main">
   <p:cSld>
     <p:spTree>
       <p:nvGrpSpPr>
-        <p:cNvPr id="1" name="Shape 114"/>
+        <p:cNvPr id="1" name="Shape 139"/>
         <p:cNvGrpSpPr/>
         <p:nvPr/>
       </p:nvGrpSpPr>
@@ -27472,7 +31202,7 @@
       </p:grpSpPr>
       <p:sp>
         <p:nvSpPr>
-          <p:cNvPr id="115" name="Google Shape;115;p21"/>
+          <p:cNvPr id="140" name="Google Shape;140;p23"/>
           <p:cNvSpPr txBox="1"/>
           <p:nvPr/>
         </p:nvSpPr>
@@ -27538,7 +31268,7 @@
       </p:sp>
       <p:sp>
         <p:nvSpPr>
-          <p:cNvPr id="116" name="Google Shape;116;p21"/>
+          <p:cNvPr id="141" name="Google Shape;141;p23"/>
           <p:cNvSpPr txBox="1"/>
           <p:nvPr/>
         </p:nvSpPr>
@@ -27705,13 +31435,13 @@
       </p:sp>
       <p:sp>
         <p:nvSpPr>
-          <p:cNvPr id="117" name="Google Shape;117;p21"/>
+          <p:cNvPr id="142" name="Google Shape;142;p23"/>
           <p:cNvSpPr txBox="1"/>
           <p:nvPr/>
         </p:nvSpPr>
         <p:spPr>
           <a:xfrm>
-            <a:off x="176525" y="1228834"/>
+            <a:off x="176525" y="1381234"/>
             <a:ext cx="4453200" cy="942000"/>
           </a:xfrm>
           <a:prstGeom prst="rect">
@@ -27872,13 +31602,13 @@
       </p:sp>
       <p:sp>
         <p:nvSpPr>
-          <p:cNvPr id="118" name="Google Shape;118;p21"/>
+          <p:cNvPr id="143" name="Google Shape;143;p23"/>
           <p:cNvSpPr txBox="1"/>
           <p:nvPr/>
         </p:nvSpPr>
         <p:spPr>
           <a:xfrm>
-            <a:off x="176525" y="2216811"/>
+            <a:off x="176525" y="2674011"/>
             <a:ext cx="4453200" cy="1034400"/>
           </a:xfrm>
           <a:prstGeom prst="rect">
@@ -28039,13 +31769,13 @@
       </p:sp>
       <p:sp>
         <p:nvSpPr>
-          <p:cNvPr id="119" name="Google Shape;119;p21"/>
+          <p:cNvPr id="144" name="Google Shape;144;p23"/>
           <p:cNvSpPr txBox="1"/>
           <p:nvPr/>
         </p:nvSpPr>
         <p:spPr>
           <a:xfrm>
-            <a:off x="176525" y="3292130"/>
+            <a:off x="176525" y="4130330"/>
             <a:ext cx="4453200" cy="942000"/>
           </a:xfrm>
           <a:prstGeom prst="rect">
@@ -28245,114 +31975,34 @@
           </a:p>
         </p:txBody>
       </p:sp>
-    </p:spTree>
-  </p:cSld>
-  <p:clrMapOvr>
-    <a:masterClrMapping/>
-  </p:clrMapOvr>
-</p:sld>
-</file>
-
-<file path=ppt/slides/slide9.xml><?xml version="1.0" encoding="utf-8"?>
-<p:sld xmlns:a="http://schemas.openxmlformats.org/drawingml/2006/main" xmlns:r="http://schemas.openxmlformats.org/officeDocument/2006/relationships" xmlns:p="http://schemas.openxmlformats.org/presentationml/2006/main">
-  <p:cSld>
-    <p:spTree>
-      <p:nvGrpSpPr>
-        <p:cNvPr id="1" name="Shape 123"/>
-        <p:cNvGrpSpPr/>
-        <p:nvPr/>
-      </p:nvGrpSpPr>
-      <p:grpSpPr>
-        <a:xfrm>
-          <a:off x="0" y="0"/>
-          <a:ext cx="0" cy="0"/>
-          <a:chOff x="0" y="0"/>
-          <a:chExt cx="0" cy="0"/>
-        </a:xfrm>
-      </p:grpSpPr>
-      <p:sp>
-        <p:nvSpPr>
-          <p:cNvPr id="124" name="Google Shape;124;p22"/>
-          <p:cNvSpPr txBox="1"/>
+      <p:pic>
+        <p:nvPicPr>
+          <p:cNvPr id="145" name="Google Shape;145;p23"/>
+          <p:cNvPicPr preferRelativeResize="0"/>
           <p:nvPr/>
-        </p:nvSpPr>
+        </p:nvPicPr>
+        <p:blipFill>
+          <a:blip r:embed="rId8" cstate="email">
+            <a:alphaModFix/>
+            <a:extLst>
+              <a:ext uri="{28A0092B-C50C-407E-A947-70E740481C1C}">
+                <a14:useLocalDpi xmlns:a14="http://schemas.microsoft.com/office/drawing/2010/main"/>
+              </a:ext>
+            </a:extLst>
+          </a:blip>
+          <a:stretch>
+            <a:fillRect/>
+          </a:stretch>
+        </p:blipFill>
         <p:spPr>
           <a:xfrm>
-            <a:off x="55075" y="52750"/>
-            <a:ext cx="2438700" cy="326400"/>
+            <a:off x="4774075" y="242400"/>
+            <a:ext cx="3023253" cy="757200"/>
           </a:xfrm>
           <a:prstGeom prst="rect">
             <a:avLst/>
           </a:prstGeom>
           <a:noFill/>
-          <a:ln>
-            <a:noFill/>
-          </a:ln>
-        </p:spPr>
-        <p:txBody>
-          <a:bodyPr spcFirstLastPara="1" wrap="square" lIns="9125" tIns="9125" rIns="9125" bIns="9125" anchor="t" anchorCtr="0">
-            <a:spAutoFit/>
-          </a:bodyPr>
-          <a:lstStyle/>
-          <a:p>
-            <a:pPr marL="0" marR="0" lvl="0" indent="0" algn="l" rtl="0">
-              <a:lnSpc>
-                <a:spcPct val="100000"/>
-              </a:lnSpc>
-              <a:spcBef>
-                <a:spcPts val="0"/>
-              </a:spcBef>
-              <a:spcAft>
-                <a:spcPts val="0"/>
-              </a:spcAft>
-              <a:buClr>
-                <a:schemeClr val="dk1"/>
-              </a:buClr>
-              <a:buSzPts val="1100"/>
-              <a:buFont typeface="Arial"/>
-              <a:buNone/>
-            </a:pPr>
-            <a:r>
-              <a:rPr lang="en" sz="2000" b="1">
-                <a:solidFill>
-                  <a:schemeClr val="dk1"/>
-                </a:solidFill>
-                <a:latin typeface="Calibri"/>
-                <a:ea typeface="Calibri"/>
-                <a:cs typeface="Calibri"/>
-                <a:sym typeface="Calibri"/>
-              </a:rPr>
-              <a:t>AI Updates 5</a:t>
-            </a:r>
-            <a:endParaRPr sz="2000" b="1" i="0" u="none" strike="noStrike" cap="none">
-              <a:solidFill>
-                <a:schemeClr val="dk1"/>
-              </a:solidFill>
-              <a:latin typeface="Calibri"/>
-              <a:ea typeface="Calibri"/>
-              <a:cs typeface="Calibri"/>
-              <a:sym typeface="Calibri"/>
-            </a:endParaRPr>
-          </a:p>
-        </p:txBody>
-      </p:sp>
-      <p:sp>
-        <p:nvSpPr>
-          <p:cNvPr id="125" name="Google Shape;125;p22"/>
-          <p:cNvSpPr txBox="1"/>
-          <p:nvPr/>
-        </p:nvSpPr>
-        <p:spPr>
-          <a:xfrm>
-            <a:off x="64600" y="441922"/>
-            <a:ext cx="4453200" cy="634200"/>
-          </a:xfrm>
-          <a:prstGeom prst="rect">
-            <a:avLst/>
-          </a:prstGeom>
-          <a:solidFill>
-            <a:srgbClr val="FFF2CC"/>
-          </a:solidFill>
           <a:ln w="9525" cap="flat" cmpd="sng">
             <a:solidFill>
               <a:srgbClr val="FF0000"/>
@@ -28363,163 +32013,35 @@
             <a:tailEnd type="none" w="sm" len="sm"/>
           </a:ln>
         </p:spPr>
-        <p:txBody>
-          <a:bodyPr spcFirstLastPara="1" wrap="square" lIns="9125" tIns="9125" rIns="9125" bIns="9125" anchor="t" anchorCtr="0">
-            <a:spAutoFit/>
-          </a:bodyPr>
-          <a:lstStyle/>
-          <a:p>
-            <a:pPr marL="171450" marR="0" lvl="0" indent="-133350" algn="l" rtl="0">
-              <a:lnSpc>
-                <a:spcPct val="100000"/>
-              </a:lnSpc>
-              <a:spcBef>
-                <a:spcPts val="0"/>
-              </a:spcBef>
-              <a:spcAft>
-                <a:spcPts val="0"/>
-              </a:spcAft>
-              <a:buClr>
-                <a:srgbClr val="FF0000"/>
-              </a:buClr>
-              <a:buSzPts val="1200"/>
-              <a:buFont typeface="Calibri"/>
-              <a:buChar char="●"/>
-            </a:pPr>
-            <a:r>
-              <a:rPr lang="en" sz="1200" b="1">
-                <a:solidFill>
-                  <a:srgbClr val="FF0000"/>
-                </a:solidFill>
-                <a:latin typeface="Calibri"/>
-                <a:ea typeface="Calibri"/>
-                <a:cs typeface="Calibri"/>
-                <a:sym typeface="Calibri"/>
-              </a:rPr>
-              <a:t>Nvidia to launch cheaper Blackwell AI chip for China in June</a:t>
-            </a:r>
-            <a:endParaRPr sz="1200" b="1">
-              <a:solidFill>
-                <a:srgbClr val="FF0000"/>
-              </a:solidFill>
-              <a:latin typeface="Calibri"/>
-              <a:ea typeface="Calibri"/>
-              <a:cs typeface="Calibri"/>
-              <a:sym typeface="Calibri"/>
-            </a:endParaRPr>
-          </a:p>
-          <a:p>
-            <a:pPr marL="171450" marR="0" lvl="0" indent="-133350" algn="l" rtl="0">
-              <a:lnSpc>
-                <a:spcPct val="100000"/>
-              </a:lnSpc>
-              <a:spcBef>
-                <a:spcPts val="0"/>
-              </a:spcBef>
-              <a:spcAft>
-                <a:spcPts val="0"/>
-              </a:spcAft>
-              <a:buClr>
-                <a:schemeClr val="dk1"/>
-              </a:buClr>
-              <a:buSzPts val="1200"/>
-              <a:buFont typeface="Calibri"/>
-              <a:buChar char="●"/>
-            </a:pPr>
-            <a:r>
-              <a:rPr lang="en" sz="1200">
-                <a:solidFill>
-                  <a:schemeClr val="dk1"/>
-                </a:solidFill>
-                <a:latin typeface="Calibri"/>
-                <a:ea typeface="Calibri"/>
-                <a:cs typeface="Calibri"/>
-                <a:sym typeface="Calibri"/>
-              </a:rPr>
-              <a:t>New chips are cheaper than H20 model: $7K vs $11K (weaker specs)</a:t>
-            </a:r>
-            <a:endParaRPr sz="1200">
-              <a:solidFill>
-                <a:schemeClr val="dk1"/>
-              </a:solidFill>
-              <a:latin typeface="Calibri"/>
-              <a:ea typeface="Calibri"/>
-              <a:cs typeface="Calibri"/>
-              <a:sym typeface="Calibri"/>
-            </a:endParaRPr>
-          </a:p>
-          <a:p>
-            <a:pPr marL="171450" marR="0" lvl="0" indent="-107950" algn="l" rtl="0">
-              <a:lnSpc>
-                <a:spcPct val="100000"/>
-              </a:lnSpc>
-              <a:spcBef>
-                <a:spcPts val="0"/>
-              </a:spcBef>
-              <a:spcAft>
-                <a:spcPts val="0"/>
-              </a:spcAft>
-              <a:buClr>
-                <a:schemeClr val="dk1"/>
-              </a:buClr>
-              <a:buSzPts val="800"/>
-              <a:buFont typeface="Calibri"/>
-              <a:buChar char="●"/>
-            </a:pPr>
-            <a:r>
-              <a:rPr lang="en" sz="800" u="sng">
-                <a:solidFill>
-                  <a:schemeClr val="hlink"/>
-                </a:solidFill>
-                <a:latin typeface="Calibri"/>
-                <a:ea typeface="Calibri"/>
-                <a:cs typeface="Calibri"/>
-                <a:sym typeface="Calibri"/>
-                <a:hlinkClick r:id="rId3"/>
-              </a:rPr>
-              <a:t>https://www.reuters.com/world/china/nvidia-launch-cheaper-blackwell-ai-chip-china-after-us-export-curbs-sources-say-2025-05-24/</a:t>
-            </a:r>
-            <a:r>
-              <a:rPr lang="en" sz="800">
-                <a:solidFill>
-                  <a:schemeClr val="dk1"/>
-                </a:solidFill>
-                <a:latin typeface="Calibri"/>
-                <a:ea typeface="Calibri"/>
-                <a:cs typeface="Calibri"/>
-                <a:sym typeface="Calibri"/>
-              </a:rPr>
-              <a:t> </a:t>
-            </a:r>
-            <a:endParaRPr sz="800">
-              <a:solidFill>
-                <a:schemeClr val="dk1"/>
-              </a:solidFill>
-              <a:latin typeface="Calibri"/>
-              <a:ea typeface="Calibri"/>
-              <a:cs typeface="Calibri"/>
-              <a:sym typeface="Calibri"/>
-            </a:endParaRPr>
-          </a:p>
-        </p:txBody>
-      </p:sp>
-      <p:sp>
-        <p:nvSpPr>
-          <p:cNvPr id="126" name="Google Shape;126;p22"/>
-          <p:cNvSpPr txBox="1"/>
+      </p:pic>
+      <p:pic>
+        <p:nvPicPr>
+          <p:cNvPr id="146" name="Google Shape;146;p23"/>
+          <p:cNvPicPr preferRelativeResize="0"/>
           <p:nvPr/>
-        </p:nvSpPr>
+        </p:nvPicPr>
+        <p:blipFill>
+          <a:blip r:embed="rId9" cstate="email">
+            <a:alphaModFix/>
+            <a:extLst>
+              <a:ext uri="{28A0092B-C50C-407E-A947-70E740481C1C}">
+                <a14:useLocalDpi xmlns:a14="http://schemas.microsoft.com/office/drawing/2010/main"/>
+              </a:ext>
+            </a:extLst>
+          </a:blip>
+          <a:stretch>
+            <a:fillRect/>
+          </a:stretch>
+        </p:blipFill>
         <p:spPr>
           <a:xfrm>
-            <a:off x="64600" y="1100989"/>
-            <a:ext cx="4453200" cy="2173500"/>
+            <a:off x="4774077" y="1148700"/>
+            <a:ext cx="2006609" cy="1329412"/>
           </a:xfrm>
           <a:prstGeom prst="rect">
             <a:avLst/>
           </a:prstGeom>
-          <a:solidFill>
-            <a:srgbClr val="FFF2CC"/>
-          </a:solidFill>
+          <a:noFill/>
           <a:ln w="9525" cap="flat" cmpd="sng">
             <a:solidFill>
               <a:srgbClr val="FF0000"/>
@@ -28530,457 +32052,35 @@
             <a:tailEnd type="none" w="sm" len="sm"/>
           </a:ln>
         </p:spPr>
-        <p:txBody>
-          <a:bodyPr spcFirstLastPara="1" wrap="square" lIns="9125" tIns="9125" rIns="9125" bIns="9125" anchor="t" anchorCtr="0">
-            <a:spAutoFit/>
-          </a:bodyPr>
-          <a:lstStyle/>
-          <a:p>
-            <a:pPr marL="171450" marR="0" lvl="0" indent="-133350" algn="l" rtl="0">
-              <a:lnSpc>
-                <a:spcPct val="100000"/>
-              </a:lnSpc>
-              <a:spcBef>
-                <a:spcPts val="0"/>
-              </a:spcBef>
-              <a:spcAft>
-                <a:spcPts val="0"/>
-              </a:spcAft>
-              <a:buClr>
-                <a:srgbClr val="FF0000"/>
-              </a:buClr>
-              <a:buSzPts val="1200"/>
-              <a:buFont typeface="Calibri"/>
-              <a:buChar char="●"/>
-            </a:pPr>
-            <a:r>
-              <a:rPr lang="en" sz="1200" b="1">
-                <a:solidFill>
-                  <a:srgbClr val="FF0000"/>
-                </a:solidFill>
-                <a:latin typeface="Calibri"/>
-                <a:ea typeface="Calibri"/>
-                <a:cs typeface="Calibri"/>
-                <a:sym typeface="Calibri"/>
-              </a:rPr>
-              <a:t>Microsoft GitHub Copilot coding agent</a:t>
-            </a:r>
-            <a:endParaRPr sz="1200" b="1">
-              <a:solidFill>
-                <a:srgbClr val="FF0000"/>
-              </a:solidFill>
-              <a:latin typeface="Calibri"/>
-              <a:ea typeface="Calibri"/>
-              <a:cs typeface="Calibri"/>
-              <a:sym typeface="Calibri"/>
-            </a:endParaRPr>
-          </a:p>
-          <a:p>
-            <a:pPr marL="171450" marR="0" lvl="0" indent="-133350" algn="l" rtl="0">
-              <a:lnSpc>
-                <a:spcPct val="100000"/>
-              </a:lnSpc>
-              <a:spcBef>
-                <a:spcPts val="0"/>
-              </a:spcBef>
-              <a:spcAft>
-                <a:spcPts val="0"/>
-              </a:spcAft>
-              <a:buClr>
-                <a:schemeClr val="dk1"/>
-              </a:buClr>
-              <a:buSzPts val="1200"/>
-              <a:buFont typeface="Calibri"/>
-              <a:buChar char="●"/>
-            </a:pPr>
-            <a:r>
-              <a:rPr lang="en" sz="1200">
-                <a:solidFill>
-                  <a:schemeClr val="dk1"/>
-                </a:solidFill>
-                <a:latin typeface="Calibri"/>
-                <a:ea typeface="Calibri"/>
-                <a:cs typeface="Calibri"/>
-                <a:sym typeface="Calibri"/>
-              </a:rPr>
-              <a:t>switch from an AI assistant to an autonomous team member</a:t>
-            </a:r>
-            <a:endParaRPr sz="1200">
-              <a:solidFill>
-                <a:schemeClr val="dk1"/>
-              </a:solidFill>
-              <a:latin typeface="Calibri"/>
-              <a:ea typeface="Calibri"/>
-              <a:cs typeface="Calibri"/>
-              <a:sym typeface="Calibri"/>
-            </a:endParaRPr>
-          </a:p>
-          <a:p>
-            <a:pPr marL="171450" marR="0" lvl="0" indent="-133350" algn="l" rtl="0">
-              <a:lnSpc>
-                <a:spcPct val="100000"/>
-              </a:lnSpc>
-              <a:spcBef>
-                <a:spcPts val="0"/>
-              </a:spcBef>
-              <a:spcAft>
-                <a:spcPts val="0"/>
-              </a:spcAft>
-              <a:buClr>
-                <a:schemeClr val="dk1"/>
-              </a:buClr>
-              <a:buSzPts val="1200"/>
-              <a:buFont typeface="Calibri"/>
-              <a:buChar char="●"/>
-            </a:pPr>
-            <a:r>
-              <a:rPr lang="en" sz="1200">
-                <a:solidFill>
-                  <a:schemeClr val="dk1"/>
-                </a:solidFill>
-                <a:latin typeface="Calibri"/>
-                <a:ea typeface="Calibri"/>
-                <a:cs typeface="Calibri"/>
-                <a:sym typeface="Calibri"/>
-              </a:rPr>
-              <a:t>Can resolve a GitHub issue, create a draft pull request and iterate based on review comments</a:t>
-            </a:r>
-            <a:endParaRPr sz="1200">
-              <a:solidFill>
-                <a:schemeClr val="dk1"/>
-              </a:solidFill>
-              <a:latin typeface="Calibri"/>
-              <a:ea typeface="Calibri"/>
-              <a:cs typeface="Calibri"/>
-              <a:sym typeface="Calibri"/>
-            </a:endParaRPr>
-          </a:p>
-          <a:p>
-            <a:pPr marL="171450" marR="0" lvl="0" indent="-133350" algn="l" rtl="0">
-              <a:lnSpc>
-                <a:spcPct val="100000"/>
-              </a:lnSpc>
-              <a:spcBef>
-                <a:spcPts val="0"/>
-              </a:spcBef>
-              <a:spcAft>
-                <a:spcPts val="0"/>
-              </a:spcAft>
-              <a:buClr>
-                <a:schemeClr val="dk1"/>
-              </a:buClr>
-              <a:buSzPts val="1200"/>
-              <a:buFont typeface="Calibri"/>
-              <a:buChar char="●"/>
-            </a:pPr>
-            <a:r>
-              <a:rPr lang="en" sz="1200">
-                <a:solidFill>
-                  <a:schemeClr val="dk1"/>
-                </a:solidFill>
-                <a:latin typeface="Calibri"/>
-                <a:ea typeface="Calibri"/>
-                <a:cs typeface="Calibri"/>
-                <a:sym typeface="Calibri"/>
-              </a:rPr>
-              <a:t>Operates asynchronously by spinning up a secure development environment, and analyzing code using advanced reasoning</a:t>
-            </a:r>
-            <a:endParaRPr sz="1200">
-              <a:solidFill>
-                <a:schemeClr val="dk1"/>
-              </a:solidFill>
-              <a:latin typeface="Calibri"/>
-              <a:ea typeface="Calibri"/>
-              <a:cs typeface="Calibri"/>
-              <a:sym typeface="Calibri"/>
-            </a:endParaRPr>
-          </a:p>
-          <a:p>
-            <a:pPr marL="171450" marR="0" lvl="0" indent="-133350" algn="l" rtl="0">
-              <a:lnSpc>
-                <a:spcPct val="100000"/>
-              </a:lnSpc>
-              <a:spcBef>
-                <a:spcPts val="0"/>
-              </a:spcBef>
-              <a:spcAft>
-                <a:spcPts val="0"/>
-              </a:spcAft>
-              <a:buClr>
-                <a:schemeClr val="dk1"/>
-              </a:buClr>
-              <a:buSzPts val="1200"/>
-              <a:buFont typeface="Calibri"/>
-              <a:buChar char="●"/>
-            </a:pPr>
-            <a:r>
-              <a:rPr lang="en" sz="1200">
-                <a:solidFill>
-                  <a:schemeClr val="dk1"/>
-                </a:solidFill>
-                <a:latin typeface="Calibri"/>
-                <a:ea typeface="Calibri"/>
-                <a:cs typeface="Calibri"/>
-                <a:sym typeface="Calibri"/>
-              </a:rPr>
-              <a:t>Available to Copilot Enterprise and Copilot Pro+ customers</a:t>
-            </a:r>
-            <a:endParaRPr sz="1200">
-              <a:solidFill>
-                <a:schemeClr val="dk1"/>
-              </a:solidFill>
-              <a:latin typeface="Calibri"/>
-              <a:ea typeface="Calibri"/>
-              <a:cs typeface="Calibri"/>
-              <a:sym typeface="Calibri"/>
-            </a:endParaRPr>
-          </a:p>
-          <a:p>
-            <a:pPr marL="171450" marR="0" lvl="0" indent="-133350" algn="l" rtl="0">
-              <a:lnSpc>
-                <a:spcPct val="100000"/>
-              </a:lnSpc>
-              <a:spcBef>
-                <a:spcPts val="0"/>
-              </a:spcBef>
-              <a:spcAft>
-                <a:spcPts val="0"/>
-              </a:spcAft>
-              <a:buClr>
-                <a:schemeClr val="dk1"/>
-              </a:buClr>
-              <a:buSzPts val="1200"/>
-              <a:buFont typeface="Calibri"/>
-              <a:buChar char="●"/>
-            </a:pPr>
-            <a:r>
-              <a:rPr lang="en" sz="1200">
-                <a:solidFill>
-                  <a:schemeClr val="dk1"/>
-                </a:solidFill>
-                <a:latin typeface="Calibri"/>
-                <a:ea typeface="Calibri"/>
-                <a:cs typeface="Calibri"/>
-                <a:sym typeface="Calibri"/>
-              </a:rPr>
-              <a:t>Adding features, fixing bugs, refactoring code, and improving docs</a:t>
-            </a:r>
-            <a:endParaRPr sz="1200">
-              <a:solidFill>
-                <a:schemeClr val="dk1"/>
-              </a:solidFill>
-              <a:latin typeface="Calibri"/>
-              <a:ea typeface="Calibri"/>
-              <a:cs typeface="Calibri"/>
-              <a:sym typeface="Calibri"/>
-            </a:endParaRPr>
-          </a:p>
-          <a:p>
-            <a:pPr marL="171450" marR="0" lvl="0" indent="-133350" algn="l" rtl="0">
-              <a:lnSpc>
-                <a:spcPct val="100000"/>
-              </a:lnSpc>
-              <a:spcBef>
-                <a:spcPts val="0"/>
-              </a:spcBef>
-              <a:spcAft>
-                <a:spcPts val="0"/>
-              </a:spcAft>
-              <a:buClr>
-                <a:schemeClr val="dk1"/>
-              </a:buClr>
-              <a:buSzPts val="1200"/>
-              <a:buFont typeface="Calibri"/>
-              <a:buChar char="●"/>
-            </a:pPr>
-            <a:r>
-              <a:rPr lang="en" sz="1200">
-                <a:solidFill>
-                  <a:schemeClr val="dk1"/>
-                </a:solidFill>
-                <a:latin typeface="Calibri"/>
-                <a:ea typeface="Calibri"/>
-                <a:cs typeface="Calibri"/>
-                <a:sym typeface="Calibri"/>
-              </a:rPr>
-              <a:t>Security is built-in</a:t>
-            </a:r>
-            <a:endParaRPr sz="800">
-              <a:solidFill>
-                <a:schemeClr val="dk1"/>
-              </a:solidFill>
-              <a:latin typeface="Calibri"/>
-              <a:ea typeface="Calibri"/>
-              <a:cs typeface="Calibri"/>
-              <a:sym typeface="Calibri"/>
-            </a:endParaRPr>
-          </a:p>
-          <a:p>
-            <a:pPr marL="171450" marR="0" lvl="0" indent="-107950" algn="l" rtl="0">
-              <a:lnSpc>
-                <a:spcPct val="100000"/>
-              </a:lnSpc>
-              <a:spcBef>
-                <a:spcPts val="0"/>
-              </a:spcBef>
-              <a:spcAft>
-                <a:spcPts val="0"/>
-              </a:spcAft>
-              <a:buClr>
-                <a:schemeClr val="dk1"/>
-              </a:buClr>
-              <a:buSzPts val="800"/>
-              <a:buFont typeface="Calibri"/>
-              <a:buChar char="●"/>
-            </a:pPr>
-            <a:r>
-              <a:rPr lang="en" sz="800" u="sng">
-                <a:solidFill>
-                  <a:schemeClr val="hlink"/>
-                </a:solidFill>
-                <a:latin typeface="Calibri"/>
-                <a:ea typeface="Calibri"/>
-                <a:cs typeface="Calibri"/>
-                <a:sym typeface="Calibri"/>
-                <a:hlinkClick r:id="rId4"/>
-              </a:rPr>
-              <a:t>https://github.blog/news-insights/product-news/github-copilot-meet-the-new-coding-agent/</a:t>
-            </a:r>
-            <a:r>
-              <a:rPr lang="en" sz="800">
-                <a:solidFill>
-                  <a:schemeClr val="dk1"/>
-                </a:solidFill>
-                <a:latin typeface="Calibri"/>
-                <a:ea typeface="Calibri"/>
-                <a:cs typeface="Calibri"/>
-                <a:sym typeface="Calibri"/>
-              </a:rPr>
-              <a:t> </a:t>
-            </a:r>
-            <a:endParaRPr sz="800">
-              <a:solidFill>
-                <a:schemeClr val="dk1"/>
-              </a:solidFill>
-              <a:latin typeface="Calibri"/>
-              <a:ea typeface="Calibri"/>
-              <a:cs typeface="Calibri"/>
-              <a:sym typeface="Calibri"/>
-            </a:endParaRPr>
-          </a:p>
-          <a:p>
-            <a:pPr marL="171450" marR="0" lvl="0" indent="-107950" algn="l" rtl="0">
-              <a:lnSpc>
-                <a:spcPct val="100000"/>
-              </a:lnSpc>
-              <a:spcBef>
-                <a:spcPts val="0"/>
-              </a:spcBef>
-              <a:spcAft>
-                <a:spcPts val="0"/>
-              </a:spcAft>
-              <a:buClr>
-                <a:schemeClr val="dk1"/>
-              </a:buClr>
-              <a:buSzPts val="800"/>
-              <a:buFont typeface="Calibri"/>
-              <a:buChar char="●"/>
-            </a:pPr>
-            <a:r>
-              <a:rPr lang="en" sz="800">
-                <a:solidFill>
-                  <a:schemeClr val="dk1"/>
-                </a:solidFill>
-                <a:latin typeface="Calibri"/>
-                <a:ea typeface="Calibri"/>
-                <a:cs typeface="Calibri"/>
-                <a:sym typeface="Calibri"/>
-              </a:rPr>
-              <a:t> </a:t>
-            </a:r>
-            <a:r>
-              <a:rPr lang="en" sz="1200">
-                <a:solidFill>
-                  <a:schemeClr val="dk1"/>
-                </a:solidFill>
-                <a:latin typeface="Calibri"/>
-                <a:ea typeface="Calibri"/>
-                <a:cs typeface="Calibri"/>
-                <a:sym typeface="Calibri"/>
-              </a:rPr>
-              <a:t>Microsoft Azure AI Foundry offers more than 10K models</a:t>
-            </a:r>
-            <a:br>
-              <a:rPr lang="en" sz="1200">
-                <a:solidFill>
-                  <a:schemeClr val="dk1"/>
-                </a:solidFill>
-                <a:latin typeface="Calibri"/>
-                <a:ea typeface="Calibri"/>
-                <a:cs typeface="Calibri"/>
-                <a:sym typeface="Calibri"/>
-              </a:rPr>
-            </a:br>
-            <a:r>
-              <a:rPr lang="en" sz="1200" u="sng">
-                <a:solidFill>
-                  <a:schemeClr val="accent5"/>
-                </a:solidFill>
-                <a:latin typeface="Calibri"/>
-                <a:ea typeface="Calibri"/>
-                <a:cs typeface="Calibri"/>
-                <a:sym typeface="Calibri"/>
-                <a:hlinkClick r:id="rId5">
-                  <a:extLst>
-                    <a:ext uri="{A12FA001-AC4F-418D-AE19-62706E023703}">
-                      <ahyp:hlinkClr xmlns:ahyp="http://schemas.microsoft.com/office/drawing/2018/hyperlinkcolor" val="tx"/>
-                    </a:ext>
-                  </a:extLst>
-                </a:hlinkClick>
-              </a:rPr>
-              <a:t>https://ai.azure.com/explore/models/leaderboard</a:t>
-            </a:r>
-            <a:r>
-              <a:rPr lang="en" sz="1200">
-                <a:solidFill>
-                  <a:schemeClr val="dk1"/>
-                </a:solidFill>
-                <a:latin typeface="Calibri"/>
-                <a:ea typeface="Calibri"/>
-                <a:cs typeface="Calibri"/>
-                <a:sym typeface="Calibri"/>
-              </a:rPr>
-              <a:t>  </a:t>
-            </a:r>
-            <a:endParaRPr sz="800">
-              <a:solidFill>
-                <a:schemeClr val="dk1"/>
-              </a:solidFill>
-              <a:latin typeface="Calibri"/>
-              <a:ea typeface="Calibri"/>
-              <a:cs typeface="Calibri"/>
-              <a:sym typeface="Calibri"/>
-            </a:endParaRPr>
-          </a:p>
-        </p:txBody>
-      </p:sp>
-      <p:sp>
-        <p:nvSpPr>
-          <p:cNvPr id="127" name="Google Shape;127;p22"/>
-          <p:cNvSpPr txBox="1"/>
+      </p:pic>
+      <p:pic>
+        <p:nvPicPr>
+          <p:cNvPr id="147" name="Google Shape;147;p23"/>
+          <p:cNvPicPr preferRelativeResize="0"/>
           <p:nvPr/>
-        </p:nvSpPr>
+        </p:nvPicPr>
+        <p:blipFill>
+          <a:blip r:embed="rId10" cstate="email">
+            <a:alphaModFix/>
+            <a:extLst>
+              <a:ext uri="{28A0092B-C50C-407E-A947-70E740481C1C}">
+                <a14:useLocalDpi xmlns:a14="http://schemas.microsoft.com/office/drawing/2010/main"/>
+              </a:ext>
+            </a:extLst>
+          </a:blip>
+          <a:stretch>
+            <a:fillRect/>
+          </a:stretch>
+        </p:blipFill>
         <p:spPr>
           <a:xfrm>
-            <a:off x="64600" y="3302885"/>
-            <a:ext cx="4453200" cy="942000"/>
+            <a:off x="4774075" y="2627201"/>
+            <a:ext cx="3061101" cy="1275950"/>
           </a:xfrm>
           <a:prstGeom prst="rect">
             <a:avLst/>
           </a:prstGeom>
-          <a:solidFill>
-            <a:srgbClr val="FFF2CC"/>
-          </a:solidFill>
+          <a:noFill/>
           <a:ln w="9525" cap="flat" cmpd="sng">
             <a:solidFill>
               <a:srgbClr val="FF0000"/>
@@ -28991,150 +32091,35 @@
             <a:tailEnd type="none" w="sm" len="sm"/>
           </a:ln>
         </p:spPr>
-        <p:txBody>
-          <a:bodyPr spcFirstLastPara="1" wrap="square" lIns="9125" tIns="9125" rIns="9125" bIns="9125" anchor="t" anchorCtr="0">
-            <a:spAutoFit/>
-          </a:bodyPr>
-          <a:lstStyle/>
-          <a:p>
-            <a:pPr marL="171450" marR="0" lvl="0" indent="-133350" algn="l" rtl="0">
-              <a:lnSpc>
-                <a:spcPct val="100000"/>
-              </a:lnSpc>
-              <a:spcBef>
-                <a:spcPts val="0"/>
-              </a:spcBef>
-              <a:spcAft>
-                <a:spcPts val="0"/>
-              </a:spcAft>
-              <a:buClr>
-                <a:schemeClr val="dk1"/>
-              </a:buClr>
-              <a:buSzPts val="1200"/>
-              <a:buFont typeface="Calibri"/>
-              <a:buChar char="●"/>
-            </a:pPr>
-            <a:r>
-              <a:rPr lang="en" sz="1200" b="1">
-                <a:solidFill>
-                  <a:srgbClr val="FF0000"/>
-                </a:solidFill>
-                <a:latin typeface="Calibri"/>
-                <a:ea typeface="Calibri"/>
-                <a:cs typeface="Calibri"/>
-                <a:sym typeface="Calibri"/>
-              </a:rPr>
-              <a:t>Mistral Launches Agents API</a:t>
-            </a:r>
-            <a:endParaRPr sz="1200">
-              <a:solidFill>
-                <a:schemeClr val="dk1"/>
-              </a:solidFill>
-              <a:latin typeface="Calibri"/>
-              <a:ea typeface="Calibri"/>
-              <a:cs typeface="Calibri"/>
-              <a:sym typeface="Calibri"/>
-            </a:endParaRPr>
-          </a:p>
-          <a:p>
-            <a:pPr marL="171450" marR="0" lvl="0" indent="-133350" algn="l" rtl="0">
-              <a:lnSpc>
-                <a:spcPct val="100000"/>
-              </a:lnSpc>
-              <a:spcBef>
-                <a:spcPts val="0"/>
-              </a:spcBef>
-              <a:spcAft>
-                <a:spcPts val="0"/>
-              </a:spcAft>
-              <a:buClr>
-                <a:schemeClr val="dk1"/>
-              </a:buClr>
-              <a:buSzPts val="1200"/>
-              <a:buFont typeface="Calibri"/>
-              <a:buChar char="●"/>
-            </a:pPr>
-            <a:r>
-              <a:rPr lang="en" sz="1200">
-                <a:solidFill>
-                  <a:schemeClr val="dk1"/>
-                </a:solidFill>
-                <a:latin typeface="Calibri"/>
-                <a:ea typeface="Calibri"/>
-                <a:cs typeface="Calibri"/>
-                <a:sym typeface="Calibri"/>
-              </a:rPr>
-              <a:t>Web Search, Python Code Execution, Image Generation using Flux1.1, RAG using uploaded files, MCP for external API calls</a:t>
-            </a:r>
-            <a:endParaRPr sz="1200">
-              <a:solidFill>
-                <a:schemeClr val="dk1"/>
-              </a:solidFill>
-              <a:latin typeface="Calibri"/>
-              <a:ea typeface="Calibri"/>
-              <a:cs typeface="Calibri"/>
-              <a:sym typeface="Calibri"/>
-            </a:endParaRPr>
-          </a:p>
-          <a:p>
-            <a:pPr marL="171450" marR="0" lvl="0" indent="-133350" algn="l" rtl="0">
-              <a:lnSpc>
-                <a:spcPct val="100000"/>
-              </a:lnSpc>
-              <a:spcBef>
-                <a:spcPts val="0"/>
-              </a:spcBef>
-              <a:spcAft>
-                <a:spcPts val="0"/>
-              </a:spcAft>
-              <a:buClr>
-                <a:schemeClr val="dk1"/>
-              </a:buClr>
-              <a:buSzPts val="1200"/>
-              <a:buFont typeface="Calibri"/>
-              <a:buChar char="●"/>
-            </a:pPr>
-            <a:r>
-              <a:rPr lang="en" sz="1200">
-                <a:solidFill>
-                  <a:schemeClr val="dk1"/>
-                </a:solidFill>
-                <a:latin typeface="Calibri"/>
-                <a:ea typeface="Calibri"/>
-                <a:cs typeface="Calibri"/>
-                <a:sym typeface="Calibri"/>
-              </a:rPr>
-              <a:t>Adding web search increased accuracy fro m23% to 75% on SimpleQA benchmark using Mistral Large model</a:t>
-            </a:r>
-            <a:endParaRPr sz="1200">
-              <a:solidFill>
-                <a:schemeClr val="dk1"/>
-              </a:solidFill>
-              <a:latin typeface="Calibri"/>
-              <a:ea typeface="Calibri"/>
-              <a:cs typeface="Calibri"/>
-              <a:sym typeface="Calibri"/>
-            </a:endParaRPr>
-          </a:p>
-        </p:txBody>
-      </p:sp>
-      <p:sp>
-        <p:nvSpPr>
-          <p:cNvPr id="128" name="Google Shape;128;p22"/>
-          <p:cNvSpPr txBox="1"/>
+      </p:pic>
+      <p:pic>
+        <p:nvPicPr>
+          <p:cNvPr id="148" name="Google Shape;148;p23"/>
+          <p:cNvPicPr preferRelativeResize="0"/>
           <p:nvPr/>
-        </p:nvSpPr>
+        </p:nvPicPr>
+        <p:blipFill>
+          <a:blip r:embed="rId11" cstate="email">
+            <a:alphaModFix/>
+            <a:extLst>
+              <a:ext uri="{28A0092B-C50C-407E-A947-70E740481C1C}">
+                <a14:useLocalDpi xmlns:a14="http://schemas.microsoft.com/office/drawing/2010/main"/>
+              </a:ext>
+            </a:extLst>
+          </a:blip>
+          <a:stretch>
+            <a:fillRect/>
+          </a:stretch>
+        </p:blipFill>
         <p:spPr>
           <a:xfrm>
-            <a:off x="64600" y="4277269"/>
-            <a:ext cx="4453200" cy="757200"/>
+            <a:off x="4774075" y="4130326"/>
+            <a:ext cx="3510509" cy="942000"/>
           </a:xfrm>
           <a:prstGeom prst="rect">
             <a:avLst/>
           </a:prstGeom>
-          <a:solidFill>
-            <a:srgbClr val="FFF2CC"/>
-          </a:solidFill>
+          <a:noFill/>
           <a:ln w="9525" cap="flat" cmpd="sng">
             <a:solidFill>
               <a:srgbClr val="FF0000"/>
@@ -29145,133 +32130,7 @@
             <a:tailEnd type="none" w="sm" len="sm"/>
           </a:ln>
         </p:spPr>
-        <p:txBody>
-          <a:bodyPr spcFirstLastPara="1" wrap="square" lIns="9125" tIns="9125" rIns="9125" bIns="9125" anchor="t" anchorCtr="0">
-            <a:spAutoFit/>
-          </a:bodyPr>
-          <a:lstStyle/>
-          <a:p>
-            <a:pPr marL="171450" marR="0" lvl="0" indent="-133350" algn="l" rtl="0">
-              <a:lnSpc>
-                <a:spcPct val="100000"/>
-              </a:lnSpc>
-              <a:spcBef>
-                <a:spcPts val="0"/>
-              </a:spcBef>
-              <a:spcAft>
-                <a:spcPts val="0"/>
-              </a:spcAft>
-              <a:buClr>
-                <a:srgbClr val="FF0000"/>
-              </a:buClr>
-              <a:buSzPts val="1200"/>
-              <a:buFont typeface="Calibri"/>
-              <a:buChar char="●"/>
-            </a:pPr>
-            <a:r>
-              <a:rPr lang="en" sz="1200" b="1">
-                <a:solidFill>
-                  <a:srgbClr val="FF0000"/>
-                </a:solidFill>
-                <a:latin typeface="Calibri"/>
-                <a:ea typeface="Calibri"/>
-                <a:cs typeface="Calibri"/>
-                <a:sym typeface="Calibri"/>
-              </a:rPr>
-              <a:t>Meta is splitting its AI org into two groups: </a:t>
-            </a:r>
-            <a:endParaRPr sz="1200" b="1">
-              <a:solidFill>
-                <a:srgbClr val="FF0000"/>
-              </a:solidFill>
-              <a:latin typeface="Calibri"/>
-              <a:ea typeface="Calibri"/>
-              <a:cs typeface="Calibri"/>
-              <a:sym typeface="Calibri"/>
-            </a:endParaRPr>
-          </a:p>
-          <a:p>
-            <a:pPr marL="342900" marR="0" lvl="1" indent="-133350" algn="l" rtl="0">
-              <a:lnSpc>
-                <a:spcPct val="100000"/>
-              </a:lnSpc>
-              <a:spcBef>
-                <a:spcPts val="0"/>
-              </a:spcBef>
-              <a:spcAft>
-                <a:spcPts val="0"/>
-              </a:spcAft>
-              <a:buClr>
-                <a:schemeClr val="dk1"/>
-              </a:buClr>
-              <a:buSzPts val="1200"/>
-              <a:buFont typeface="Calibri"/>
-              <a:buChar char="○"/>
-            </a:pPr>
-            <a:r>
-              <a:rPr lang="en" sz="1200">
-                <a:solidFill>
-                  <a:schemeClr val="dk1"/>
-                </a:solidFill>
-                <a:latin typeface="Calibri"/>
-                <a:ea typeface="Calibri"/>
-                <a:cs typeface="Calibri"/>
-                <a:sym typeface="Calibri"/>
-              </a:rPr>
-              <a:t>The AI Products Team - consumer products</a:t>
-            </a:r>
-            <a:endParaRPr sz="1200">
-              <a:solidFill>
-                <a:schemeClr val="dk1"/>
-              </a:solidFill>
-              <a:latin typeface="Calibri"/>
-              <a:ea typeface="Calibri"/>
-              <a:cs typeface="Calibri"/>
-              <a:sym typeface="Calibri"/>
-            </a:endParaRPr>
-          </a:p>
-          <a:p>
-            <a:pPr marL="342900" marR="0" lvl="1" indent="-133350" algn="l" rtl="0">
-              <a:lnSpc>
-                <a:spcPct val="100000"/>
-              </a:lnSpc>
-              <a:spcBef>
-                <a:spcPts val="0"/>
-              </a:spcBef>
-              <a:spcAft>
-                <a:spcPts val="0"/>
-              </a:spcAft>
-              <a:buClr>
-                <a:schemeClr val="dk1"/>
-              </a:buClr>
-              <a:buSzPts val="1200"/>
-              <a:buFont typeface="Calibri"/>
-              <a:buChar char="○"/>
-            </a:pPr>
-            <a:r>
-              <a:rPr lang="en" sz="1200">
-                <a:solidFill>
-                  <a:schemeClr val="dk1"/>
-                </a:solidFill>
-                <a:latin typeface="Calibri"/>
-                <a:ea typeface="Calibri"/>
-                <a:cs typeface="Calibri"/>
-                <a:sym typeface="Calibri"/>
-              </a:rPr>
-              <a:t>The AGI Foundations Team - research, foundation models, reasoning, multimedia, and voice</a:t>
-            </a:r>
-            <a:endParaRPr sz="1200">
-              <a:solidFill>
-                <a:schemeClr val="dk1"/>
-              </a:solidFill>
-              <a:latin typeface="Calibri"/>
-              <a:ea typeface="Calibri"/>
-              <a:cs typeface="Calibri"/>
-              <a:sym typeface="Calibri"/>
-            </a:endParaRPr>
-          </a:p>
-        </p:txBody>
-      </p:sp>
+      </p:pic>
     </p:spTree>
   </p:cSld>
   <p:clrMapOvr>
